--- a/02-languages/01-teoria/01 Introducción a Javascript.pptx
+++ b/02-languages/01-teoria/01 Introducción a Javascript.pptx
@@ -2211,7 +2211,7 @@
           </a:ln>
           <a:extLst>
             <a:ext uri="{C572A759-6A51-4108-AA02-DFA0A04FC94B}">
-              <ma14:wrappingTextBoxFlag xmlns:ma14="http://schemas.microsoft.com/office/mac/drawingml/2011/main" xmlns:a14="http://schemas.microsoft.com/office/drawing/2010/main" xmlns:m="http://schemas.openxmlformats.org/officeDocument/2006/math" xmlns="" val="1"/>
+              <ma14:wrappingTextBoxFlag xmlns="" xmlns:m="http://schemas.openxmlformats.org/officeDocument/2006/math" xmlns:a14="http://schemas.microsoft.com/office/drawing/2010/main" xmlns:ma14="http://schemas.microsoft.com/office/mac/drawingml/2011/main" val="1"/>
             </a:ext>
           </a:extLst>
         </p:spPr>
@@ -2250,7 +2250,7 @@
           </a:ln>
           <a:extLst>
             <a:ext uri="{C572A759-6A51-4108-AA02-DFA0A04FC94B}">
-              <ma14:wrappingTextBoxFlag xmlns:ma14="http://schemas.microsoft.com/office/mac/drawingml/2011/main" xmlns:a14="http://schemas.microsoft.com/office/drawing/2010/main" xmlns:m="http://schemas.openxmlformats.org/officeDocument/2006/math" xmlns="" val="1"/>
+              <ma14:wrappingTextBoxFlag xmlns="" xmlns:m="http://schemas.openxmlformats.org/officeDocument/2006/math" xmlns:a14="http://schemas.microsoft.com/office/drawing/2010/main" xmlns:ma14="http://schemas.microsoft.com/office/mac/drawingml/2011/main" val="1"/>
             </a:ext>
           </a:extLst>
         </p:spPr>
@@ -3208,7 +3208,7 @@
           </a:ln>
           <a:extLst>
             <a:ext uri="{C572A759-6A51-4108-AA02-DFA0A04FC94B}">
-              <ma14:wrappingTextBoxFlag xmlns:ma14="http://schemas.microsoft.com/office/mac/drawingml/2011/main" xmlns:a14="http://schemas.microsoft.com/office/drawing/2010/main" xmlns:m="http://schemas.openxmlformats.org/officeDocument/2006/math" xmlns="" val="1"/>
+              <ma14:wrappingTextBoxFlag xmlns="" xmlns:m="http://schemas.openxmlformats.org/officeDocument/2006/math" xmlns:a14="http://schemas.microsoft.com/office/drawing/2010/main" xmlns:ma14="http://schemas.microsoft.com/office/mac/drawingml/2011/main" val="1"/>
             </a:ext>
           </a:extLst>
         </p:spPr>
@@ -3258,7 +3258,7 @@
           </a:ln>
           <a:extLst>
             <a:ext uri="{C572A759-6A51-4108-AA02-DFA0A04FC94B}">
-              <ma14:wrappingTextBoxFlag xmlns:ma14="http://schemas.microsoft.com/office/mac/drawingml/2011/main" xmlns:a14="http://schemas.microsoft.com/office/drawing/2010/main" xmlns:m="http://schemas.openxmlformats.org/officeDocument/2006/math" xmlns="" val="1"/>
+              <ma14:wrappingTextBoxFlag xmlns="" xmlns:m="http://schemas.openxmlformats.org/officeDocument/2006/math" xmlns:a14="http://schemas.microsoft.com/office/drawing/2010/main" xmlns:ma14="http://schemas.microsoft.com/office/mac/drawingml/2011/main" val="1"/>
             </a:ext>
           </a:extLst>
         </p:spPr>
@@ -3527,7 +3527,7 @@
             <a:effectLst/>
             <a:extLst>
               <a:ext uri="{C572A759-6A51-4108-AA02-DFA0A04FC94B}">
-                <ma14:wrappingTextBoxFlag xmlns:ma14="http://schemas.microsoft.com/office/mac/drawingml/2011/main" xmlns:a14="http://schemas.microsoft.com/office/drawing/2010/main" xmlns:m="http://schemas.openxmlformats.org/officeDocument/2006/math" xmlns="" val="1"/>
+                <ma14:wrappingTextBoxFlag xmlns="" xmlns:m="http://schemas.openxmlformats.org/officeDocument/2006/math" xmlns:a14="http://schemas.microsoft.com/office/drawing/2010/main" xmlns:ma14="http://schemas.microsoft.com/office/mac/drawingml/2011/main" val="1"/>
               </a:ext>
             </a:extLst>
           </p:spPr>
@@ -3640,7 +3640,7 @@
             <a:effectLst/>
             <a:extLst>
               <a:ext uri="{C572A759-6A51-4108-AA02-DFA0A04FC94B}">
-                <ma14:wrappingTextBoxFlag xmlns:ma14="http://schemas.microsoft.com/office/mac/drawingml/2011/main" xmlns:a14="http://schemas.microsoft.com/office/drawing/2010/main" xmlns:m="http://schemas.openxmlformats.org/officeDocument/2006/math" xmlns="" val="1"/>
+                <ma14:wrappingTextBoxFlag xmlns="" xmlns:m="http://schemas.openxmlformats.org/officeDocument/2006/math" xmlns:a14="http://schemas.microsoft.com/office/drawing/2010/main" xmlns:ma14="http://schemas.microsoft.com/office/mac/drawingml/2011/main" val="1"/>
               </a:ext>
             </a:extLst>
           </p:spPr>
@@ -3755,7 +3755,7 @@
             <a:effectLst/>
             <a:extLst>
               <a:ext uri="{C572A759-6A51-4108-AA02-DFA0A04FC94B}">
-                <ma14:wrappingTextBoxFlag xmlns:ma14="http://schemas.microsoft.com/office/mac/drawingml/2011/main" xmlns:a14="http://schemas.microsoft.com/office/drawing/2010/main" xmlns:m="http://schemas.openxmlformats.org/officeDocument/2006/math" xmlns="" val="1"/>
+                <ma14:wrappingTextBoxFlag xmlns="" xmlns:m="http://schemas.openxmlformats.org/officeDocument/2006/math" xmlns:a14="http://schemas.microsoft.com/office/drawing/2010/main" xmlns:ma14="http://schemas.microsoft.com/office/mac/drawingml/2011/main" val="1"/>
               </a:ext>
             </a:extLst>
           </p:spPr>
@@ -3866,7 +3866,7 @@
             <a:effectLst/>
             <a:extLst>
               <a:ext uri="{C572A759-6A51-4108-AA02-DFA0A04FC94B}">
-                <ma14:wrappingTextBoxFlag xmlns:ma14="http://schemas.microsoft.com/office/mac/drawingml/2011/main" xmlns:a14="http://schemas.microsoft.com/office/drawing/2010/main" xmlns:m="http://schemas.openxmlformats.org/officeDocument/2006/math" xmlns="" val="1"/>
+                <ma14:wrappingTextBoxFlag xmlns="" xmlns:m="http://schemas.openxmlformats.org/officeDocument/2006/math" xmlns:a14="http://schemas.microsoft.com/office/drawing/2010/main" xmlns:ma14="http://schemas.microsoft.com/office/mac/drawingml/2011/main" val="1"/>
               </a:ext>
             </a:extLst>
           </p:spPr>
@@ -3980,7 +3980,7 @@
             <a:effectLst/>
             <a:extLst>
               <a:ext uri="{C572A759-6A51-4108-AA02-DFA0A04FC94B}">
-                <ma14:wrappingTextBoxFlag xmlns:ma14="http://schemas.microsoft.com/office/mac/drawingml/2011/main" xmlns:a14="http://schemas.microsoft.com/office/drawing/2010/main" xmlns:m="http://schemas.openxmlformats.org/officeDocument/2006/math" xmlns="" val="1"/>
+                <ma14:wrappingTextBoxFlag xmlns="" xmlns:m="http://schemas.openxmlformats.org/officeDocument/2006/math" xmlns:a14="http://schemas.microsoft.com/office/drawing/2010/main" xmlns:ma14="http://schemas.microsoft.com/office/mac/drawingml/2011/main" val="1"/>
               </a:ext>
             </a:extLst>
           </p:spPr>
@@ -4091,7 +4091,7 @@
             <a:effectLst/>
             <a:extLst>
               <a:ext uri="{C572A759-6A51-4108-AA02-DFA0A04FC94B}">
-                <ma14:wrappingTextBoxFlag xmlns:ma14="http://schemas.microsoft.com/office/mac/drawingml/2011/main" xmlns:a14="http://schemas.microsoft.com/office/drawing/2010/main" xmlns:m="http://schemas.openxmlformats.org/officeDocument/2006/math" xmlns="" val="1"/>
+                <ma14:wrappingTextBoxFlag xmlns="" xmlns:m="http://schemas.openxmlformats.org/officeDocument/2006/math" xmlns:a14="http://schemas.microsoft.com/office/drawing/2010/main" xmlns:ma14="http://schemas.microsoft.com/office/mac/drawingml/2011/main" val="1"/>
               </a:ext>
             </a:extLst>
           </p:spPr>
@@ -4278,7 +4278,7 @@
           </a:ln>
           <a:extLst>
             <a:ext uri="{C572A759-6A51-4108-AA02-DFA0A04FC94B}">
-              <ma14:wrappingTextBoxFlag xmlns:ma14="http://schemas.microsoft.com/office/mac/drawingml/2011/main" xmlns:a14="http://schemas.microsoft.com/office/drawing/2010/main" xmlns:m="http://schemas.openxmlformats.org/officeDocument/2006/math" xmlns="" val="1"/>
+              <ma14:wrappingTextBoxFlag xmlns="" xmlns:m="http://schemas.openxmlformats.org/officeDocument/2006/math" xmlns:a14="http://schemas.microsoft.com/office/drawing/2010/main" xmlns:ma14="http://schemas.microsoft.com/office/mac/drawingml/2011/main" val="1"/>
             </a:ext>
           </a:extLst>
         </p:spPr>
@@ -4334,7 +4334,7 @@
           </a:ln>
           <a:extLst>
             <a:ext uri="{C572A759-6A51-4108-AA02-DFA0A04FC94B}">
-              <ma14:wrappingTextBoxFlag xmlns:ma14="http://schemas.microsoft.com/office/mac/drawingml/2011/main" xmlns:a14="http://schemas.microsoft.com/office/drawing/2010/main" xmlns:m="http://schemas.openxmlformats.org/officeDocument/2006/math" xmlns="" val="1"/>
+              <ma14:wrappingTextBoxFlag xmlns="" xmlns:m="http://schemas.openxmlformats.org/officeDocument/2006/math" xmlns:a14="http://schemas.microsoft.com/office/drawing/2010/main" xmlns:ma14="http://schemas.microsoft.com/office/mac/drawingml/2011/main" val="1"/>
             </a:ext>
           </a:extLst>
         </p:spPr>
@@ -4436,7 +4436,7 @@
           </a:ln>
           <a:extLst>
             <a:ext uri="{C572A759-6A51-4108-AA02-DFA0A04FC94B}">
-              <ma14:wrappingTextBoxFlag xmlns:ma14="http://schemas.microsoft.com/office/mac/drawingml/2011/main" xmlns:a14="http://schemas.microsoft.com/office/drawing/2010/main" xmlns:m="http://schemas.openxmlformats.org/officeDocument/2006/math" xmlns="" val="1"/>
+              <ma14:wrappingTextBoxFlag xmlns="" xmlns:m="http://schemas.openxmlformats.org/officeDocument/2006/math" xmlns:a14="http://schemas.microsoft.com/office/drawing/2010/main" xmlns:ma14="http://schemas.microsoft.com/office/mac/drawingml/2011/main" val="1"/>
             </a:ext>
           </a:extLst>
         </p:spPr>
@@ -4486,7 +4486,7 @@
           </a:ln>
           <a:extLst>
             <a:ext uri="{C572A759-6A51-4108-AA02-DFA0A04FC94B}">
-              <ma14:wrappingTextBoxFlag xmlns:ma14="http://schemas.microsoft.com/office/mac/drawingml/2011/main" xmlns:a14="http://schemas.microsoft.com/office/drawing/2010/main" xmlns:m="http://schemas.openxmlformats.org/officeDocument/2006/math" xmlns="" val="1"/>
+              <ma14:wrappingTextBoxFlag xmlns="" xmlns:m="http://schemas.openxmlformats.org/officeDocument/2006/math" xmlns:a14="http://schemas.microsoft.com/office/drawing/2010/main" xmlns:ma14="http://schemas.microsoft.com/office/mac/drawingml/2011/main" val="1"/>
             </a:ext>
           </a:extLst>
         </p:spPr>
@@ -4561,7 +4561,7 @@
           </a:ln>
           <a:extLst>
             <a:ext uri="{C572A759-6A51-4108-AA02-DFA0A04FC94B}">
-              <ma14:wrappingTextBoxFlag xmlns:ma14="http://schemas.microsoft.com/office/mac/drawingml/2011/main" xmlns:a14="http://schemas.microsoft.com/office/drawing/2010/main" xmlns:m="http://schemas.openxmlformats.org/officeDocument/2006/math" xmlns="" val="1"/>
+              <ma14:wrappingTextBoxFlag xmlns="" xmlns:m="http://schemas.openxmlformats.org/officeDocument/2006/math" xmlns:a14="http://schemas.microsoft.com/office/drawing/2010/main" xmlns:ma14="http://schemas.microsoft.com/office/mac/drawingml/2011/main" val="1"/>
             </a:ext>
           </a:extLst>
         </p:spPr>
@@ -4648,7 +4648,7 @@
           </a:ln>
           <a:extLst>
             <a:ext uri="{C572A759-6A51-4108-AA02-DFA0A04FC94B}">
-              <ma14:wrappingTextBoxFlag xmlns:ma14="http://schemas.microsoft.com/office/mac/drawingml/2011/main" xmlns:a14="http://schemas.microsoft.com/office/drawing/2010/main" xmlns:m="http://schemas.openxmlformats.org/officeDocument/2006/math" xmlns="" val="1"/>
+              <ma14:wrappingTextBoxFlag xmlns="" xmlns:m="http://schemas.openxmlformats.org/officeDocument/2006/math" xmlns:a14="http://schemas.microsoft.com/office/drawing/2010/main" xmlns:ma14="http://schemas.microsoft.com/office/mac/drawingml/2011/main" val="1"/>
             </a:ext>
           </a:extLst>
         </p:spPr>
@@ -4708,7 +4708,7 @@
           </a:ln>
           <a:extLst>
             <a:ext uri="{C572A759-6A51-4108-AA02-DFA0A04FC94B}">
-              <ma14:wrappingTextBoxFlag xmlns:ma14="http://schemas.microsoft.com/office/mac/drawingml/2011/main" xmlns:a14="http://schemas.microsoft.com/office/drawing/2010/main" xmlns:m="http://schemas.openxmlformats.org/officeDocument/2006/math" xmlns="" val="1"/>
+              <ma14:wrappingTextBoxFlag xmlns="" xmlns:m="http://schemas.openxmlformats.org/officeDocument/2006/math" xmlns:a14="http://schemas.microsoft.com/office/drawing/2010/main" xmlns:ma14="http://schemas.microsoft.com/office/mac/drawingml/2011/main" val="1"/>
             </a:ext>
           </a:extLst>
         </p:spPr>
@@ -4761,7 +4761,7 @@
           </a:ln>
           <a:extLst>
             <a:ext uri="{C572A759-6A51-4108-AA02-DFA0A04FC94B}">
-              <ma14:wrappingTextBoxFlag xmlns:ma14="http://schemas.microsoft.com/office/mac/drawingml/2011/main" xmlns:a14="http://schemas.microsoft.com/office/drawing/2010/main" xmlns:m="http://schemas.openxmlformats.org/officeDocument/2006/math" xmlns="" val="1"/>
+              <ma14:wrappingTextBoxFlag xmlns="" xmlns:m="http://schemas.openxmlformats.org/officeDocument/2006/math" xmlns:a14="http://schemas.microsoft.com/office/drawing/2010/main" xmlns:ma14="http://schemas.microsoft.com/office/mac/drawingml/2011/main" val="1"/>
             </a:ext>
           </a:extLst>
         </p:spPr>
@@ -4811,7 +4811,7 @@
           </a:ln>
           <a:extLst>
             <a:ext uri="{C572A759-6A51-4108-AA02-DFA0A04FC94B}">
-              <ma14:wrappingTextBoxFlag xmlns:ma14="http://schemas.microsoft.com/office/mac/drawingml/2011/main" xmlns:a14="http://schemas.microsoft.com/office/drawing/2010/main" xmlns:m="http://schemas.openxmlformats.org/officeDocument/2006/math" xmlns="" val="1"/>
+              <ma14:wrappingTextBoxFlag xmlns="" xmlns:m="http://schemas.openxmlformats.org/officeDocument/2006/math" xmlns:a14="http://schemas.microsoft.com/office/drawing/2010/main" xmlns:ma14="http://schemas.microsoft.com/office/mac/drawingml/2011/main" val="1"/>
             </a:ext>
           </a:extLst>
         </p:spPr>
@@ -4861,7 +4861,7 @@
           </a:ln>
           <a:extLst>
             <a:ext uri="{C572A759-6A51-4108-AA02-DFA0A04FC94B}">
-              <ma14:wrappingTextBoxFlag xmlns:ma14="http://schemas.microsoft.com/office/mac/drawingml/2011/main" xmlns:a14="http://schemas.microsoft.com/office/drawing/2010/main" xmlns:m="http://schemas.openxmlformats.org/officeDocument/2006/math" xmlns="" val="1"/>
+              <ma14:wrappingTextBoxFlag xmlns="" xmlns:m="http://schemas.openxmlformats.org/officeDocument/2006/math" xmlns:a14="http://schemas.microsoft.com/office/drawing/2010/main" xmlns:ma14="http://schemas.microsoft.com/office/mac/drawingml/2011/main" val="1"/>
             </a:ext>
           </a:extLst>
         </p:spPr>
@@ -5040,7 +5040,7 @@
             <a:effectLst/>
             <a:extLst>
               <a:ext uri="{C572A759-6A51-4108-AA02-DFA0A04FC94B}">
-                <ma14:wrappingTextBoxFlag xmlns:ma14="http://schemas.microsoft.com/office/mac/drawingml/2011/main" xmlns:a14="http://schemas.microsoft.com/office/drawing/2010/main" xmlns:m="http://schemas.openxmlformats.org/officeDocument/2006/math" xmlns="" val="1"/>
+                <ma14:wrappingTextBoxFlag xmlns="" xmlns:m="http://schemas.openxmlformats.org/officeDocument/2006/math" xmlns:a14="http://schemas.microsoft.com/office/drawing/2010/main" xmlns:ma14="http://schemas.microsoft.com/office/mac/drawingml/2011/main" val="1"/>
               </a:ext>
             </a:extLst>
           </p:spPr>
@@ -5092,7 +5092,7 @@
             <a:effectLst/>
             <a:extLst>
               <a:ext uri="{C572A759-6A51-4108-AA02-DFA0A04FC94B}">
-                <ma14:wrappingTextBoxFlag xmlns:ma14="http://schemas.microsoft.com/office/mac/drawingml/2011/main" xmlns:a14="http://schemas.microsoft.com/office/drawing/2010/main" xmlns:m="http://schemas.openxmlformats.org/officeDocument/2006/math" xmlns="" val="1"/>
+                <ma14:wrappingTextBoxFlag xmlns="" xmlns:m="http://schemas.openxmlformats.org/officeDocument/2006/math" xmlns:a14="http://schemas.microsoft.com/office/drawing/2010/main" xmlns:ma14="http://schemas.microsoft.com/office/mac/drawingml/2011/main" val="1"/>
               </a:ext>
             </a:extLst>
           </p:spPr>
@@ -5195,7 +5195,7 @@
             <a:effectLst/>
             <a:extLst>
               <a:ext uri="{C572A759-6A51-4108-AA02-DFA0A04FC94B}">
-                <ma14:wrappingTextBoxFlag xmlns:ma14="http://schemas.microsoft.com/office/mac/drawingml/2011/main" xmlns:a14="http://schemas.microsoft.com/office/drawing/2010/main" xmlns:m="http://schemas.openxmlformats.org/officeDocument/2006/math" xmlns="" val="1"/>
+                <ma14:wrappingTextBoxFlag xmlns="" xmlns:m="http://schemas.openxmlformats.org/officeDocument/2006/math" xmlns:a14="http://schemas.microsoft.com/office/drawing/2010/main" xmlns:ma14="http://schemas.microsoft.com/office/mac/drawingml/2011/main" val="1"/>
               </a:ext>
             </a:extLst>
           </p:spPr>
@@ -5245,7 +5245,7 @@
             <a:effectLst/>
             <a:extLst>
               <a:ext uri="{C572A759-6A51-4108-AA02-DFA0A04FC94B}">
-                <ma14:wrappingTextBoxFlag xmlns:ma14="http://schemas.microsoft.com/office/mac/drawingml/2011/main" xmlns:a14="http://schemas.microsoft.com/office/drawing/2010/main" xmlns:m="http://schemas.openxmlformats.org/officeDocument/2006/math" xmlns="" val="1"/>
+                <ma14:wrappingTextBoxFlag xmlns="" xmlns:m="http://schemas.openxmlformats.org/officeDocument/2006/math" xmlns:a14="http://schemas.microsoft.com/office/drawing/2010/main" xmlns:ma14="http://schemas.microsoft.com/office/mac/drawingml/2011/main" val="1"/>
               </a:ext>
             </a:extLst>
           </p:spPr>
@@ -5348,7 +5348,7 @@
             <a:effectLst/>
             <a:extLst>
               <a:ext uri="{C572A759-6A51-4108-AA02-DFA0A04FC94B}">
-                <ma14:wrappingTextBoxFlag xmlns:ma14="http://schemas.microsoft.com/office/mac/drawingml/2011/main" xmlns:a14="http://schemas.microsoft.com/office/drawing/2010/main" xmlns:m="http://schemas.openxmlformats.org/officeDocument/2006/math" xmlns="" val="1"/>
+                <ma14:wrappingTextBoxFlag xmlns="" xmlns:m="http://schemas.openxmlformats.org/officeDocument/2006/math" xmlns:a14="http://schemas.microsoft.com/office/drawing/2010/main" xmlns:ma14="http://schemas.microsoft.com/office/mac/drawingml/2011/main" val="1"/>
               </a:ext>
             </a:extLst>
           </p:spPr>
@@ -5397,7 +5397,7 @@
             <a:effectLst/>
             <a:extLst>
               <a:ext uri="{C572A759-6A51-4108-AA02-DFA0A04FC94B}">
-                <ma14:wrappingTextBoxFlag xmlns:ma14="http://schemas.microsoft.com/office/mac/drawingml/2011/main" xmlns:a14="http://schemas.microsoft.com/office/drawing/2010/main" xmlns:m="http://schemas.openxmlformats.org/officeDocument/2006/math" xmlns="" val="1"/>
+                <ma14:wrappingTextBoxFlag xmlns="" xmlns:m="http://schemas.openxmlformats.org/officeDocument/2006/math" xmlns:a14="http://schemas.microsoft.com/office/drawing/2010/main" xmlns:ma14="http://schemas.microsoft.com/office/mac/drawingml/2011/main" val="1"/>
               </a:ext>
             </a:extLst>
           </p:spPr>
@@ -5525,7 +5525,7 @@
             <a:effectLst/>
             <a:extLst>
               <a:ext uri="{C572A759-6A51-4108-AA02-DFA0A04FC94B}">
-                <ma14:wrappingTextBoxFlag xmlns:ma14="http://schemas.microsoft.com/office/mac/drawingml/2011/main" xmlns:a14="http://schemas.microsoft.com/office/drawing/2010/main" xmlns:m="http://schemas.openxmlformats.org/officeDocument/2006/math" xmlns="" val="1"/>
+                <ma14:wrappingTextBoxFlag xmlns="" xmlns:m="http://schemas.openxmlformats.org/officeDocument/2006/math" xmlns:a14="http://schemas.microsoft.com/office/drawing/2010/main" xmlns:ma14="http://schemas.microsoft.com/office/mac/drawingml/2011/main" val="1"/>
               </a:ext>
             </a:extLst>
           </p:spPr>
@@ -5575,7 +5575,7 @@
             <a:effectLst/>
             <a:extLst>
               <a:ext uri="{C572A759-6A51-4108-AA02-DFA0A04FC94B}">
-                <ma14:wrappingTextBoxFlag xmlns:ma14="http://schemas.microsoft.com/office/mac/drawingml/2011/main" xmlns:a14="http://schemas.microsoft.com/office/drawing/2010/main" xmlns:m="http://schemas.openxmlformats.org/officeDocument/2006/math" xmlns="" val="1"/>
+                <ma14:wrappingTextBoxFlag xmlns="" xmlns:m="http://schemas.openxmlformats.org/officeDocument/2006/math" xmlns:a14="http://schemas.microsoft.com/office/drawing/2010/main" xmlns:ma14="http://schemas.microsoft.com/office/mac/drawingml/2011/main" val="1"/>
               </a:ext>
             </a:extLst>
           </p:spPr>
@@ -5678,7 +5678,7 @@
             <a:effectLst/>
             <a:extLst>
               <a:ext uri="{C572A759-6A51-4108-AA02-DFA0A04FC94B}">
-                <ma14:wrappingTextBoxFlag xmlns:ma14="http://schemas.microsoft.com/office/mac/drawingml/2011/main" xmlns:a14="http://schemas.microsoft.com/office/drawing/2010/main" xmlns:m="http://schemas.openxmlformats.org/officeDocument/2006/math" xmlns="" val="1"/>
+                <ma14:wrappingTextBoxFlag xmlns="" xmlns:m="http://schemas.openxmlformats.org/officeDocument/2006/math" xmlns:a14="http://schemas.microsoft.com/office/drawing/2010/main" xmlns:ma14="http://schemas.microsoft.com/office/mac/drawingml/2011/main" val="1"/>
               </a:ext>
             </a:extLst>
           </p:spPr>
@@ -5728,7 +5728,7 @@
             <a:effectLst/>
             <a:extLst>
               <a:ext uri="{C572A759-6A51-4108-AA02-DFA0A04FC94B}">
-                <ma14:wrappingTextBoxFlag xmlns:ma14="http://schemas.microsoft.com/office/mac/drawingml/2011/main" xmlns:a14="http://schemas.microsoft.com/office/drawing/2010/main" xmlns:m="http://schemas.openxmlformats.org/officeDocument/2006/math" xmlns="" val="1"/>
+                <ma14:wrappingTextBoxFlag xmlns="" xmlns:m="http://schemas.openxmlformats.org/officeDocument/2006/math" xmlns:a14="http://schemas.microsoft.com/office/drawing/2010/main" xmlns:ma14="http://schemas.microsoft.com/office/mac/drawingml/2011/main" val="1"/>
               </a:ext>
             </a:extLst>
           </p:spPr>
@@ -5832,7 +5832,7 @@
             <a:effectLst/>
             <a:extLst>
               <a:ext uri="{C572A759-6A51-4108-AA02-DFA0A04FC94B}">
-                <ma14:wrappingTextBoxFlag xmlns:ma14="http://schemas.microsoft.com/office/mac/drawingml/2011/main" xmlns:a14="http://schemas.microsoft.com/office/drawing/2010/main" xmlns:m="http://schemas.openxmlformats.org/officeDocument/2006/math" xmlns="" val="1"/>
+                <ma14:wrappingTextBoxFlag xmlns="" xmlns:m="http://schemas.openxmlformats.org/officeDocument/2006/math" xmlns:a14="http://schemas.microsoft.com/office/drawing/2010/main" xmlns:ma14="http://schemas.microsoft.com/office/mac/drawingml/2011/main" val="1"/>
               </a:ext>
             </a:extLst>
           </p:spPr>
@@ -5882,7 +5882,7 @@
             <a:effectLst/>
             <a:extLst>
               <a:ext uri="{C572A759-6A51-4108-AA02-DFA0A04FC94B}">
-                <ma14:wrappingTextBoxFlag xmlns:ma14="http://schemas.microsoft.com/office/mac/drawingml/2011/main" xmlns:a14="http://schemas.microsoft.com/office/drawing/2010/main" xmlns:m="http://schemas.openxmlformats.org/officeDocument/2006/math" xmlns="" val="1"/>
+                <ma14:wrappingTextBoxFlag xmlns="" xmlns:m="http://schemas.openxmlformats.org/officeDocument/2006/math" xmlns:a14="http://schemas.microsoft.com/office/drawing/2010/main" xmlns:ma14="http://schemas.microsoft.com/office/mac/drawingml/2011/main" val="1"/>
               </a:ext>
             </a:extLst>
           </p:spPr>
@@ -5985,7 +5985,7 @@
             <a:effectLst/>
             <a:extLst>
               <a:ext uri="{C572A759-6A51-4108-AA02-DFA0A04FC94B}">
-                <ma14:wrappingTextBoxFlag xmlns:ma14="http://schemas.microsoft.com/office/mac/drawingml/2011/main" xmlns:a14="http://schemas.microsoft.com/office/drawing/2010/main" xmlns:m="http://schemas.openxmlformats.org/officeDocument/2006/math" xmlns="" val="1"/>
+                <ma14:wrappingTextBoxFlag xmlns="" xmlns:m="http://schemas.openxmlformats.org/officeDocument/2006/math" xmlns:a14="http://schemas.microsoft.com/office/drawing/2010/main" xmlns:ma14="http://schemas.microsoft.com/office/mac/drawingml/2011/main" val="1"/>
               </a:ext>
             </a:extLst>
           </p:spPr>
@@ -6035,7 +6035,7 @@
             <a:effectLst/>
             <a:extLst>
               <a:ext uri="{C572A759-6A51-4108-AA02-DFA0A04FC94B}">
-                <ma14:wrappingTextBoxFlag xmlns:ma14="http://schemas.microsoft.com/office/mac/drawingml/2011/main" xmlns:a14="http://schemas.microsoft.com/office/drawing/2010/main" xmlns:m="http://schemas.openxmlformats.org/officeDocument/2006/math" xmlns="" val="1"/>
+                <ma14:wrappingTextBoxFlag xmlns="" xmlns:m="http://schemas.openxmlformats.org/officeDocument/2006/math" xmlns:a14="http://schemas.microsoft.com/office/drawing/2010/main" xmlns:ma14="http://schemas.microsoft.com/office/mac/drawingml/2011/main" val="1"/>
               </a:ext>
             </a:extLst>
           </p:spPr>
@@ -6138,7 +6138,7 @@
             <a:effectLst/>
             <a:extLst>
               <a:ext uri="{C572A759-6A51-4108-AA02-DFA0A04FC94B}">
-                <ma14:wrappingTextBoxFlag xmlns:ma14="http://schemas.microsoft.com/office/mac/drawingml/2011/main" xmlns:a14="http://schemas.microsoft.com/office/drawing/2010/main" xmlns:m="http://schemas.openxmlformats.org/officeDocument/2006/math" xmlns="" val="1"/>
+                <ma14:wrappingTextBoxFlag xmlns="" xmlns:m="http://schemas.openxmlformats.org/officeDocument/2006/math" xmlns:a14="http://schemas.microsoft.com/office/drawing/2010/main" xmlns:ma14="http://schemas.microsoft.com/office/mac/drawingml/2011/main" val="1"/>
               </a:ext>
             </a:extLst>
           </p:spPr>
@@ -6188,7 +6188,7 @@
             <a:effectLst/>
             <a:extLst>
               <a:ext uri="{C572A759-6A51-4108-AA02-DFA0A04FC94B}">
-                <ma14:wrappingTextBoxFlag xmlns:ma14="http://schemas.microsoft.com/office/mac/drawingml/2011/main" xmlns:a14="http://schemas.microsoft.com/office/drawing/2010/main" xmlns:m="http://schemas.openxmlformats.org/officeDocument/2006/math" xmlns="" val="1"/>
+                <ma14:wrappingTextBoxFlag xmlns="" xmlns:m="http://schemas.openxmlformats.org/officeDocument/2006/math" xmlns:a14="http://schemas.microsoft.com/office/drawing/2010/main" xmlns:ma14="http://schemas.microsoft.com/office/mac/drawingml/2011/main" val="1"/>
               </a:ext>
             </a:extLst>
           </p:spPr>
@@ -6291,7 +6291,7 @@
             <a:effectLst/>
             <a:extLst>
               <a:ext uri="{C572A759-6A51-4108-AA02-DFA0A04FC94B}">
-                <ma14:wrappingTextBoxFlag xmlns:ma14="http://schemas.microsoft.com/office/mac/drawingml/2011/main" xmlns:a14="http://schemas.microsoft.com/office/drawing/2010/main" xmlns:m="http://schemas.openxmlformats.org/officeDocument/2006/math" xmlns="" val="1"/>
+                <ma14:wrappingTextBoxFlag xmlns="" xmlns:m="http://schemas.openxmlformats.org/officeDocument/2006/math" xmlns:a14="http://schemas.microsoft.com/office/drawing/2010/main" xmlns:ma14="http://schemas.microsoft.com/office/mac/drawingml/2011/main" val="1"/>
               </a:ext>
             </a:extLst>
           </p:spPr>
@@ -6340,7 +6340,7 @@
             <a:effectLst/>
             <a:extLst>
               <a:ext uri="{C572A759-6A51-4108-AA02-DFA0A04FC94B}">
-                <ma14:wrappingTextBoxFlag xmlns:ma14="http://schemas.microsoft.com/office/mac/drawingml/2011/main" xmlns:a14="http://schemas.microsoft.com/office/drawing/2010/main" xmlns:m="http://schemas.openxmlformats.org/officeDocument/2006/math" xmlns="" val="1"/>
+                <ma14:wrappingTextBoxFlag xmlns="" xmlns:m="http://schemas.openxmlformats.org/officeDocument/2006/math" xmlns:a14="http://schemas.microsoft.com/office/drawing/2010/main" xmlns:ma14="http://schemas.microsoft.com/office/mac/drawingml/2011/main" val="1"/>
               </a:ext>
             </a:extLst>
           </p:spPr>
@@ -6519,7 +6519,7 @@
         </p:nvGrpSpPr>
         <p:grpSpPr>
           <a:xfrm>
-            <a:off x="5004963" y="2174288"/>
+            <a:off x="5004963" y="2016864"/>
             <a:ext cx="2372374" cy="279286"/>
             <a:chOff x="0" y="0"/>
             <a:chExt cx="2372372" cy="279285"/>
@@ -6601,7 +6601,7 @@
             <a:effectLst/>
             <a:extLst>
               <a:ext uri="{C572A759-6A51-4108-AA02-DFA0A04FC94B}">
-                <ma14:wrappingTextBoxFlag xmlns:ma14="http://schemas.microsoft.com/office/mac/drawingml/2011/main" xmlns:a14="http://schemas.microsoft.com/office/drawing/2010/main" xmlns:m="http://schemas.openxmlformats.org/officeDocument/2006/math" xmlns="" val="1"/>
+                <ma14:wrappingTextBoxFlag xmlns="" xmlns:m="http://schemas.openxmlformats.org/officeDocument/2006/math" xmlns:a14="http://schemas.microsoft.com/office/drawing/2010/main" xmlns:ma14="http://schemas.microsoft.com/office/mac/drawingml/2011/main" val="1"/>
               </a:ext>
             </a:extLst>
           </p:spPr>
@@ -6664,7 +6664,7 @@
         </p:nvGrpSpPr>
         <p:grpSpPr>
           <a:xfrm>
-            <a:off x="3126095" y="3098606"/>
+            <a:off x="3126095" y="3251154"/>
             <a:ext cx="4536702" cy="280053"/>
             <a:chOff x="0" y="0"/>
             <a:chExt cx="4536701" cy="280052"/>
@@ -6744,7 +6744,7 @@
             <a:effectLst/>
             <a:extLst>
               <a:ext uri="{C572A759-6A51-4108-AA02-DFA0A04FC94B}">
-                <ma14:wrappingTextBoxFlag xmlns:ma14="http://schemas.microsoft.com/office/mac/drawingml/2011/main" xmlns:a14="http://schemas.microsoft.com/office/drawing/2010/main" xmlns:m="http://schemas.openxmlformats.org/officeDocument/2006/math" xmlns="" val="1"/>
+                <ma14:wrappingTextBoxFlag xmlns="" xmlns:m="http://schemas.openxmlformats.org/officeDocument/2006/math" xmlns:a14="http://schemas.microsoft.com/office/drawing/2010/main" xmlns:ma14="http://schemas.microsoft.com/office/mac/drawingml/2011/main" val="1"/>
               </a:ext>
             </a:extLst>
           </p:spPr>
@@ -6872,7 +6872,7 @@
               <a:effectLst/>
               <a:extLst>
                 <a:ext uri="{C572A759-6A51-4108-AA02-DFA0A04FC94B}">
-                  <ma14:wrappingTextBoxFlag xmlns:ma14="http://schemas.microsoft.com/office/mac/drawingml/2011/main" xmlns:a14="http://schemas.microsoft.com/office/drawing/2010/main" xmlns:m="http://schemas.openxmlformats.org/officeDocument/2006/math" xmlns="" val="1"/>
+                  <ma14:wrappingTextBoxFlag xmlns="" xmlns:m="http://schemas.openxmlformats.org/officeDocument/2006/math" xmlns:a14="http://schemas.microsoft.com/office/drawing/2010/main" xmlns:ma14="http://schemas.microsoft.com/office/mac/drawingml/2011/main" val="1"/>
                 </a:ext>
               </a:extLst>
             </p:spPr>
@@ -6984,7 +6984,7 @@
               <a:effectLst/>
               <a:extLst>
                 <a:ext uri="{C572A759-6A51-4108-AA02-DFA0A04FC94B}">
-                  <ma14:wrappingTextBoxFlag xmlns:ma14="http://schemas.microsoft.com/office/mac/drawingml/2011/main" xmlns:a14="http://schemas.microsoft.com/office/drawing/2010/main" xmlns:m="http://schemas.openxmlformats.org/officeDocument/2006/math" xmlns="" val="1"/>
+                  <ma14:wrappingTextBoxFlag xmlns="" xmlns:m="http://schemas.openxmlformats.org/officeDocument/2006/math" xmlns:a14="http://schemas.microsoft.com/office/drawing/2010/main" xmlns:ma14="http://schemas.microsoft.com/office/mac/drawingml/2011/main" val="1"/>
                 </a:ext>
               </a:extLst>
             </p:spPr>
@@ -7036,7 +7036,7 @@
             <a:effectLst/>
             <a:extLst>
               <a:ext uri="{C572A759-6A51-4108-AA02-DFA0A04FC94B}">
-                <ma14:wrappingTextBoxFlag xmlns:ma14="http://schemas.microsoft.com/office/mac/drawingml/2011/main" xmlns:a14="http://schemas.microsoft.com/office/drawing/2010/main" xmlns:m="http://schemas.openxmlformats.org/officeDocument/2006/math" xmlns="" val="1"/>
+                <ma14:wrappingTextBoxFlag xmlns="" xmlns:m="http://schemas.openxmlformats.org/officeDocument/2006/math" xmlns:a14="http://schemas.microsoft.com/office/drawing/2010/main" xmlns:ma14="http://schemas.microsoft.com/office/mac/drawingml/2011/main" val="1"/>
               </a:ext>
             </a:extLst>
           </p:spPr>
@@ -7078,7 +7078,7 @@
         </p:nvGrpSpPr>
         <p:grpSpPr>
           <a:xfrm>
-            <a:off x="4623808" y="2636066"/>
+            <a:off x="4623808" y="2427786"/>
             <a:ext cx="2907466" cy="280048"/>
             <a:chOff x="0" y="0"/>
             <a:chExt cx="2907465" cy="280047"/>
@@ -7158,7 +7158,7 @@
             <a:effectLst/>
             <a:extLst>
               <a:ext uri="{C572A759-6A51-4108-AA02-DFA0A04FC94B}">
-                <ma14:wrappingTextBoxFlag xmlns:ma14="http://schemas.microsoft.com/office/mac/drawingml/2011/main" xmlns:a14="http://schemas.microsoft.com/office/drawing/2010/main" xmlns:m="http://schemas.openxmlformats.org/officeDocument/2006/math" xmlns="" val="1"/>
+                <ma14:wrappingTextBoxFlag xmlns="" xmlns:m="http://schemas.openxmlformats.org/officeDocument/2006/math" xmlns:a14="http://schemas.microsoft.com/office/drawing/2010/main" xmlns:ma14="http://schemas.microsoft.com/office/mac/drawingml/2011/main" val="1"/>
               </a:ext>
             </a:extLst>
           </p:spPr>
@@ -7217,7 +7217,7 @@
             <a:effectLst/>
             <a:extLst>
               <a:ext uri="{C572A759-6A51-4108-AA02-DFA0A04FC94B}">
-                <ma14:wrappingTextBoxFlag xmlns:ma14="http://schemas.microsoft.com/office/mac/drawingml/2011/main" xmlns:a14="http://schemas.microsoft.com/office/drawing/2010/main" xmlns:m="http://schemas.openxmlformats.org/officeDocument/2006/math" xmlns="" val="1"/>
+                <ma14:wrappingTextBoxFlag xmlns="" xmlns:m="http://schemas.openxmlformats.org/officeDocument/2006/math" xmlns:a14="http://schemas.microsoft.com/office/drawing/2010/main" xmlns:ma14="http://schemas.microsoft.com/office/mac/drawingml/2011/main" val="1"/>
               </a:ext>
             </a:extLst>
           </p:spPr>
@@ -7259,7 +7259,7 @@
         </p:nvGrpSpPr>
         <p:grpSpPr>
           <a:xfrm>
-            <a:off x="4619195" y="1713274"/>
+            <a:off x="4619195" y="1606705"/>
             <a:ext cx="3175125" cy="278523"/>
             <a:chOff x="0" y="0"/>
             <a:chExt cx="3175124" cy="278521"/>
@@ -7339,7 +7339,7 @@
             <a:effectLst/>
             <a:extLst>
               <a:ext uri="{C572A759-6A51-4108-AA02-DFA0A04FC94B}">
-                <ma14:wrappingTextBoxFlag xmlns:ma14="http://schemas.microsoft.com/office/mac/drawingml/2011/main" xmlns:a14="http://schemas.microsoft.com/office/drawing/2010/main" xmlns:m="http://schemas.openxmlformats.org/officeDocument/2006/math" xmlns="" val="1"/>
+                <ma14:wrappingTextBoxFlag xmlns="" xmlns:m="http://schemas.openxmlformats.org/officeDocument/2006/math" xmlns:a14="http://schemas.microsoft.com/office/drawing/2010/main" xmlns:ma14="http://schemas.microsoft.com/office/mac/drawingml/2011/main" val="1"/>
               </a:ext>
             </a:extLst>
           </p:spPr>
@@ -7395,7 +7395,7 @@
             <a:effectLst/>
             <a:extLst>
               <a:ext uri="{C572A759-6A51-4108-AA02-DFA0A04FC94B}">
-                <ma14:wrappingTextBoxFlag xmlns:ma14="http://schemas.microsoft.com/office/mac/drawingml/2011/main" xmlns:a14="http://schemas.microsoft.com/office/drawing/2010/main" xmlns:m="http://schemas.openxmlformats.org/officeDocument/2006/math" xmlns="" val="1"/>
+                <ma14:wrappingTextBoxFlag xmlns="" xmlns:m="http://schemas.openxmlformats.org/officeDocument/2006/math" xmlns:a14="http://schemas.microsoft.com/office/drawing/2010/main" xmlns:ma14="http://schemas.microsoft.com/office/mac/drawingml/2011/main" val="1"/>
               </a:ext>
             </a:extLst>
           </p:spPr>
@@ -7437,7 +7437,7 @@
         </p:nvGrpSpPr>
         <p:grpSpPr>
           <a:xfrm>
-            <a:off x="4619194" y="1248917"/>
+            <a:off x="4619194" y="1198067"/>
             <a:ext cx="1936985" cy="277002"/>
             <a:chOff x="0" y="0"/>
             <a:chExt cx="1936984" cy="277001"/>
@@ -7517,7 +7517,7 @@
             <a:effectLst/>
             <a:extLst>
               <a:ext uri="{C572A759-6A51-4108-AA02-DFA0A04FC94B}">
-                <ma14:wrappingTextBoxFlag xmlns:ma14="http://schemas.microsoft.com/office/mac/drawingml/2011/main" xmlns:a14="http://schemas.microsoft.com/office/drawing/2010/main" xmlns:m="http://schemas.openxmlformats.org/officeDocument/2006/math" xmlns="" val="1"/>
+                <ma14:wrappingTextBoxFlag xmlns="" xmlns:m="http://schemas.openxmlformats.org/officeDocument/2006/math" xmlns:a14="http://schemas.microsoft.com/office/drawing/2010/main" xmlns:ma14="http://schemas.microsoft.com/office/mac/drawingml/2011/main" val="1"/>
               </a:ext>
             </a:extLst>
           </p:spPr>
@@ -7568,7 +7568,7 @@
             <a:effectLst/>
             <a:extLst>
               <a:ext uri="{C572A759-6A51-4108-AA02-DFA0A04FC94B}">
-                <ma14:wrappingTextBoxFlag xmlns:ma14="http://schemas.microsoft.com/office/mac/drawingml/2011/main" xmlns:a14="http://schemas.microsoft.com/office/drawing/2010/main" xmlns:m="http://schemas.openxmlformats.org/officeDocument/2006/math" xmlns="" val="1"/>
+                <ma14:wrappingTextBoxFlag xmlns="" xmlns:m="http://schemas.openxmlformats.org/officeDocument/2006/math" xmlns:a14="http://schemas.microsoft.com/office/drawing/2010/main" xmlns:ma14="http://schemas.microsoft.com/office/mac/drawingml/2011/main" val="1"/>
               </a:ext>
             </a:extLst>
           </p:spPr>
@@ -7694,7 +7694,7 @@
             <a:effectLst/>
             <a:extLst>
               <a:ext uri="{C572A759-6A51-4108-AA02-DFA0A04FC94B}">
-                <ma14:wrappingTextBoxFlag xmlns:ma14="http://schemas.microsoft.com/office/mac/drawingml/2011/main" xmlns:a14="http://schemas.microsoft.com/office/drawing/2010/main" xmlns:m="http://schemas.openxmlformats.org/officeDocument/2006/math" xmlns="" val="1"/>
+                <ma14:wrappingTextBoxFlag xmlns="" xmlns:m="http://schemas.openxmlformats.org/officeDocument/2006/math" xmlns:a14="http://schemas.microsoft.com/office/drawing/2010/main" xmlns:ma14="http://schemas.microsoft.com/office/mac/drawingml/2011/main" val="1"/>
               </a:ext>
             </a:extLst>
           </p:spPr>
@@ -7750,7 +7750,7 @@
             <a:effectLst/>
             <a:extLst>
               <a:ext uri="{C572A759-6A51-4108-AA02-DFA0A04FC94B}">
-                <ma14:wrappingTextBoxFlag xmlns:ma14="http://schemas.microsoft.com/office/mac/drawingml/2011/main" xmlns:a14="http://schemas.microsoft.com/office/drawing/2010/main" xmlns:m="http://schemas.openxmlformats.org/officeDocument/2006/math" xmlns="" val="1"/>
+                <ma14:wrappingTextBoxFlag xmlns="" xmlns:m="http://schemas.openxmlformats.org/officeDocument/2006/math" xmlns:a14="http://schemas.microsoft.com/office/drawing/2010/main" xmlns:ma14="http://schemas.microsoft.com/office/mac/drawingml/2011/main" val="1"/>
               </a:ext>
             </a:extLst>
           </p:spPr>
@@ -7792,7 +7792,7 @@
         </p:nvGrpSpPr>
         <p:grpSpPr>
           <a:xfrm>
-            <a:off x="3126093" y="3561146"/>
+            <a:off x="3126093" y="3662843"/>
             <a:ext cx="4696411" cy="280053"/>
             <a:chOff x="0" y="0"/>
             <a:chExt cx="4696410" cy="280052"/>
@@ -7872,7 +7872,7 @@
             <a:effectLst/>
             <a:extLst>
               <a:ext uri="{C572A759-6A51-4108-AA02-DFA0A04FC94B}">
-                <ma14:wrappingTextBoxFlag xmlns:ma14="http://schemas.microsoft.com/office/mac/drawingml/2011/main" xmlns:a14="http://schemas.microsoft.com/office/drawing/2010/main" xmlns:m="http://schemas.openxmlformats.org/officeDocument/2006/math" xmlns="" val="1"/>
+                <ma14:wrappingTextBoxFlag xmlns="" xmlns:m="http://schemas.openxmlformats.org/officeDocument/2006/math" xmlns:a14="http://schemas.microsoft.com/office/drawing/2010/main" xmlns:ma14="http://schemas.microsoft.com/office/mac/drawingml/2011/main" val="1"/>
               </a:ext>
             </a:extLst>
           </p:spPr>
@@ -7995,7 +7995,7 @@
               <a:effectLst/>
               <a:extLst>
                 <a:ext uri="{C572A759-6A51-4108-AA02-DFA0A04FC94B}">
-                  <ma14:wrappingTextBoxFlag xmlns:ma14="http://schemas.microsoft.com/office/mac/drawingml/2011/main" xmlns:a14="http://schemas.microsoft.com/office/drawing/2010/main" xmlns:m="http://schemas.openxmlformats.org/officeDocument/2006/math" xmlns="" val="1"/>
+                  <ma14:wrappingTextBoxFlag xmlns="" xmlns:m="http://schemas.openxmlformats.org/officeDocument/2006/math" xmlns:a14="http://schemas.microsoft.com/office/drawing/2010/main" xmlns:ma14="http://schemas.microsoft.com/office/mac/drawingml/2011/main" val="1"/>
                 </a:ext>
               </a:extLst>
             </p:spPr>
@@ -8107,7 +8107,7 @@
               <a:effectLst/>
               <a:extLst>
                 <a:ext uri="{C572A759-6A51-4108-AA02-DFA0A04FC94B}">
-                  <ma14:wrappingTextBoxFlag xmlns:ma14="http://schemas.microsoft.com/office/mac/drawingml/2011/main" xmlns:a14="http://schemas.microsoft.com/office/drawing/2010/main" xmlns:m="http://schemas.openxmlformats.org/officeDocument/2006/math" xmlns="" val="1"/>
+                  <ma14:wrappingTextBoxFlag xmlns="" xmlns:m="http://schemas.openxmlformats.org/officeDocument/2006/math" xmlns:a14="http://schemas.microsoft.com/office/drawing/2010/main" xmlns:ma14="http://schemas.microsoft.com/office/mac/drawingml/2011/main" val="1"/>
                 </a:ext>
               </a:extLst>
             </p:spPr>
@@ -8158,7 +8158,7 @@
             <a:effectLst/>
             <a:extLst>
               <a:ext uri="{C572A759-6A51-4108-AA02-DFA0A04FC94B}">
-                <ma14:wrappingTextBoxFlag xmlns:ma14="http://schemas.microsoft.com/office/mac/drawingml/2011/main" xmlns:a14="http://schemas.microsoft.com/office/drawing/2010/main" xmlns:m="http://schemas.openxmlformats.org/officeDocument/2006/math" xmlns="" val="1"/>
+                <ma14:wrappingTextBoxFlag xmlns="" xmlns:m="http://schemas.openxmlformats.org/officeDocument/2006/math" xmlns:a14="http://schemas.microsoft.com/office/drawing/2010/main" xmlns:ma14="http://schemas.microsoft.com/office/mac/drawingml/2011/main" val="1"/>
               </a:ext>
             </a:extLst>
           </p:spPr>
@@ -8200,7 +8200,7 @@
         </p:nvGrpSpPr>
         <p:grpSpPr>
           <a:xfrm>
-            <a:off x="3126092" y="4023686"/>
+            <a:off x="3126092" y="4074532"/>
             <a:ext cx="3252787" cy="280053"/>
             <a:chOff x="0" y="0"/>
             <a:chExt cx="3252785" cy="280052"/>
@@ -8280,7 +8280,7 @@
             <a:effectLst/>
             <a:extLst>
               <a:ext uri="{C572A759-6A51-4108-AA02-DFA0A04FC94B}">
-                <ma14:wrappingTextBoxFlag xmlns:ma14="http://schemas.microsoft.com/office/mac/drawingml/2011/main" xmlns:a14="http://schemas.microsoft.com/office/drawing/2010/main" xmlns:m="http://schemas.openxmlformats.org/officeDocument/2006/math" xmlns="" val="1"/>
+                <ma14:wrappingTextBoxFlag xmlns="" xmlns:m="http://schemas.openxmlformats.org/officeDocument/2006/math" xmlns:a14="http://schemas.microsoft.com/office/drawing/2010/main" xmlns:ma14="http://schemas.microsoft.com/office/mac/drawingml/2011/main" val="1"/>
               </a:ext>
             </a:extLst>
           </p:spPr>
@@ -8391,7 +8391,7 @@
               <a:effectLst/>
               <a:extLst>
                 <a:ext uri="{C572A759-6A51-4108-AA02-DFA0A04FC94B}">
-                  <ma14:wrappingTextBoxFlag xmlns:ma14="http://schemas.microsoft.com/office/mac/drawingml/2011/main" xmlns:a14="http://schemas.microsoft.com/office/drawing/2010/main" xmlns:m="http://schemas.openxmlformats.org/officeDocument/2006/math" xmlns="" val="1"/>
+                  <ma14:wrappingTextBoxFlag xmlns="" xmlns:m="http://schemas.openxmlformats.org/officeDocument/2006/math" xmlns:a14="http://schemas.microsoft.com/office/drawing/2010/main" xmlns:ma14="http://schemas.microsoft.com/office/mac/drawingml/2011/main" val="1"/>
                 </a:ext>
               </a:extLst>
             </p:spPr>
@@ -8502,7 +8502,7 @@
               <a:effectLst/>
               <a:extLst>
                 <a:ext uri="{C572A759-6A51-4108-AA02-DFA0A04FC94B}">
-                  <ma14:wrappingTextBoxFlag xmlns:ma14="http://schemas.microsoft.com/office/mac/drawingml/2011/main" xmlns:a14="http://schemas.microsoft.com/office/drawing/2010/main" xmlns:m="http://schemas.openxmlformats.org/officeDocument/2006/math" xmlns="" val="1"/>
+                  <ma14:wrappingTextBoxFlag xmlns="" xmlns:m="http://schemas.openxmlformats.org/officeDocument/2006/math" xmlns:a14="http://schemas.microsoft.com/office/drawing/2010/main" xmlns:ma14="http://schemas.microsoft.com/office/mac/drawingml/2011/main" val="1"/>
                 </a:ext>
               </a:extLst>
             </p:spPr>
@@ -8553,7 +8553,7 @@
             <a:effectLst/>
             <a:extLst>
               <a:ext uri="{C572A759-6A51-4108-AA02-DFA0A04FC94B}">
-                <ma14:wrappingTextBoxFlag xmlns:ma14="http://schemas.microsoft.com/office/mac/drawingml/2011/main" xmlns:a14="http://schemas.microsoft.com/office/drawing/2010/main" xmlns:m="http://schemas.openxmlformats.org/officeDocument/2006/math" xmlns="" val="1"/>
+                <ma14:wrappingTextBoxFlag xmlns="" xmlns:m="http://schemas.openxmlformats.org/officeDocument/2006/math" xmlns:a14="http://schemas.microsoft.com/office/drawing/2010/main" xmlns:ma14="http://schemas.microsoft.com/office/mac/drawingml/2011/main" val="1"/>
               </a:ext>
             </a:extLst>
           </p:spPr>
@@ -8675,7 +8675,7 @@
             <a:effectLst/>
             <a:extLst>
               <a:ext uri="{C572A759-6A51-4108-AA02-DFA0A04FC94B}">
-                <ma14:wrappingTextBoxFlag xmlns:ma14="http://schemas.microsoft.com/office/mac/drawingml/2011/main" xmlns:a14="http://schemas.microsoft.com/office/drawing/2010/main" xmlns:m="http://schemas.openxmlformats.org/officeDocument/2006/math" xmlns="" val="1"/>
+                <ma14:wrappingTextBoxFlag xmlns="" xmlns:m="http://schemas.openxmlformats.org/officeDocument/2006/math" xmlns:a14="http://schemas.microsoft.com/office/drawing/2010/main" xmlns:ma14="http://schemas.microsoft.com/office/mac/drawingml/2011/main" val="1"/>
               </a:ext>
             </a:extLst>
           </p:spPr>
@@ -8799,7 +8799,7 @@
               <a:effectLst/>
               <a:extLst>
                 <a:ext uri="{C572A759-6A51-4108-AA02-DFA0A04FC94B}">
-                  <ma14:wrappingTextBoxFlag xmlns:ma14="http://schemas.microsoft.com/office/mac/drawingml/2011/main" xmlns:a14="http://schemas.microsoft.com/office/drawing/2010/main" xmlns:m="http://schemas.openxmlformats.org/officeDocument/2006/math" xmlns="" val="1"/>
+                  <ma14:wrappingTextBoxFlag xmlns="" xmlns:m="http://schemas.openxmlformats.org/officeDocument/2006/math" xmlns:a14="http://schemas.microsoft.com/office/drawing/2010/main" xmlns:ma14="http://schemas.microsoft.com/office/mac/drawingml/2011/main" val="1"/>
                 </a:ext>
               </a:extLst>
             </p:spPr>
@@ -8910,7 +8910,7 @@
               <a:effectLst/>
               <a:extLst>
                 <a:ext uri="{C572A759-6A51-4108-AA02-DFA0A04FC94B}">
-                  <ma14:wrappingTextBoxFlag xmlns:ma14="http://schemas.microsoft.com/office/mac/drawingml/2011/main" xmlns:a14="http://schemas.microsoft.com/office/drawing/2010/main" xmlns:m="http://schemas.openxmlformats.org/officeDocument/2006/math" xmlns="" val="1"/>
+                  <ma14:wrappingTextBoxFlag xmlns="" xmlns:m="http://schemas.openxmlformats.org/officeDocument/2006/math" xmlns:a14="http://schemas.microsoft.com/office/drawing/2010/main" xmlns:ma14="http://schemas.microsoft.com/office/mac/drawingml/2011/main" val="1"/>
                 </a:ext>
               </a:extLst>
             </p:spPr>
@@ -8961,7 +8961,7 @@
             <a:effectLst/>
             <a:extLst>
               <a:ext uri="{C572A759-6A51-4108-AA02-DFA0A04FC94B}">
-                <ma14:wrappingTextBoxFlag xmlns:ma14="http://schemas.microsoft.com/office/mac/drawingml/2011/main" xmlns:a14="http://schemas.microsoft.com/office/drawing/2010/main" xmlns:m="http://schemas.openxmlformats.org/officeDocument/2006/math" xmlns="" val="1"/>
+                <ma14:wrappingTextBoxFlag xmlns="" xmlns:m="http://schemas.openxmlformats.org/officeDocument/2006/math" xmlns:a14="http://schemas.microsoft.com/office/drawing/2010/main" xmlns:ma14="http://schemas.microsoft.com/office/mac/drawingml/2011/main" val="1"/>
               </a:ext>
             </a:extLst>
           </p:spPr>
@@ -9014,7 +9014,7 @@
           </a:ln>
           <a:extLst>
             <a:ext uri="{C572A759-6A51-4108-AA02-DFA0A04FC94B}">
-              <ma14:wrappingTextBoxFlag xmlns:ma14="http://schemas.microsoft.com/office/mac/drawingml/2011/main" xmlns:a14="http://schemas.microsoft.com/office/drawing/2010/main" xmlns:m="http://schemas.openxmlformats.org/officeDocument/2006/math" xmlns="" val="1"/>
+              <ma14:wrappingTextBoxFlag xmlns="" xmlns:m="http://schemas.openxmlformats.org/officeDocument/2006/math" xmlns:a14="http://schemas.microsoft.com/office/drawing/2010/main" xmlns:ma14="http://schemas.microsoft.com/office/mac/drawingml/2011/main" val="1"/>
             </a:ext>
           </a:extLst>
         </p:spPr>
@@ -9171,7 +9171,7 @@
           </a:ln>
           <a:extLst>
             <a:ext uri="{C572A759-6A51-4108-AA02-DFA0A04FC94B}">
-              <ma14:wrappingTextBoxFlag xmlns:ma14="http://schemas.microsoft.com/office/mac/drawingml/2011/main" xmlns:a14="http://schemas.microsoft.com/office/drawing/2010/main" xmlns:m="http://schemas.openxmlformats.org/officeDocument/2006/math" xmlns="" val="1"/>
+              <ma14:wrappingTextBoxFlag xmlns="" xmlns:m="http://schemas.openxmlformats.org/officeDocument/2006/math" xmlns:a14="http://schemas.microsoft.com/office/drawing/2010/main" xmlns:ma14="http://schemas.microsoft.com/office/mac/drawingml/2011/main" val="1"/>
             </a:ext>
           </a:extLst>
         </p:spPr>
@@ -9243,7 +9243,7 @@
           </a:ln>
           <a:extLst>
             <a:ext uri="{C572A759-6A51-4108-AA02-DFA0A04FC94B}">
-              <ma14:wrappingTextBoxFlag xmlns:ma14="http://schemas.microsoft.com/office/mac/drawingml/2011/main" xmlns:a14="http://schemas.microsoft.com/office/drawing/2010/main" xmlns:m="http://schemas.openxmlformats.org/officeDocument/2006/math" xmlns="" val="1"/>
+              <ma14:wrappingTextBoxFlag xmlns="" xmlns:m="http://schemas.openxmlformats.org/officeDocument/2006/math" xmlns:a14="http://schemas.microsoft.com/office/drawing/2010/main" xmlns:ma14="http://schemas.microsoft.com/office/mac/drawingml/2011/main" val="1"/>
             </a:ext>
           </a:extLst>
         </p:spPr>
@@ -9315,7 +9315,7 @@
           </a:ln>
           <a:extLst>
             <a:ext uri="{C572A759-6A51-4108-AA02-DFA0A04FC94B}">
-              <ma14:wrappingTextBoxFlag xmlns:ma14="http://schemas.microsoft.com/office/mac/drawingml/2011/main" xmlns:a14="http://schemas.microsoft.com/office/drawing/2010/main" xmlns:m="http://schemas.openxmlformats.org/officeDocument/2006/math" xmlns="" val="1"/>
+              <ma14:wrappingTextBoxFlag xmlns="" xmlns:m="http://schemas.openxmlformats.org/officeDocument/2006/math" xmlns:a14="http://schemas.microsoft.com/office/drawing/2010/main" xmlns:ma14="http://schemas.microsoft.com/office/mac/drawingml/2011/main" val="1"/>
             </a:ext>
           </a:extLst>
         </p:spPr>
@@ -9500,7 +9500,7 @@
           </a:ln>
           <a:extLst>
             <a:ext uri="{C572A759-6A51-4108-AA02-DFA0A04FC94B}">
-              <ma14:wrappingTextBoxFlag xmlns:ma14="http://schemas.microsoft.com/office/mac/drawingml/2011/main" xmlns:a14="http://schemas.microsoft.com/office/drawing/2010/main" xmlns:m="http://schemas.openxmlformats.org/officeDocument/2006/math" xmlns="" val="1"/>
+              <ma14:wrappingTextBoxFlag xmlns="" xmlns:m="http://schemas.openxmlformats.org/officeDocument/2006/math" xmlns:a14="http://schemas.microsoft.com/office/drawing/2010/main" xmlns:ma14="http://schemas.microsoft.com/office/mac/drawingml/2011/main" val="1"/>
             </a:ext>
           </a:extLst>
         </p:spPr>
@@ -9590,7 +9590,7 @@
           </a:ln>
           <a:extLst>
             <a:ext uri="{C572A759-6A51-4108-AA02-DFA0A04FC94B}">
-              <ma14:wrappingTextBoxFlag xmlns:ma14="http://schemas.microsoft.com/office/mac/drawingml/2011/main" xmlns:a14="http://schemas.microsoft.com/office/drawing/2010/main" xmlns:m="http://schemas.openxmlformats.org/officeDocument/2006/math" xmlns="" val="1"/>
+              <ma14:wrappingTextBoxFlag xmlns="" xmlns:m="http://schemas.openxmlformats.org/officeDocument/2006/math" xmlns:a14="http://schemas.microsoft.com/office/drawing/2010/main" xmlns:ma14="http://schemas.microsoft.com/office/mac/drawingml/2011/main" val="1"/>
             </a:ext>
           </a:extLst>
         </p:spPr>
@@ -9639,7 +9639,7 @@
           </a:ln>
           <a:extLst>
             <a:ext uri="{C572A759-6A51-4108-AA02-DFA0A04FC94B}">
-              <ma14:wrappingTextBoxFlag xmlns:ma14="http://schemas.microsoft.com/office/mac/drawingml/2011/main" xmlns:a14="http://schemas.microsoft.com/office/drawing/2010/main" xmlns:m="http://schemas.openxmlformats.org/officeDocument/2006/math" xmlns="" val="1"/>
+              <ma14:wrappingTextBoxFlag xmlns="" xmlns:m="http://schemas.openxmlformats.org/officeDocument/2006/math" xmlns:a14="http://schemas.microsoft.com/office/drawing/2010/main" xmlns:ma14="http://schemas.microsoft.com/office/mac/drawingml/2011/main" val="1"/>
             </a:ext>
           </a:extLst>
         </p:spPr>
@@ -9688,7 +9688,7 @@
           </a:ln>
           <a:extLst>
             <a:ext uri="{C572A759-6A51-4108-AA02-DFA0A04FC94B}">
-              <ma14:wrappingTextBoxFlag xmlns:ma14="http://schemas.microsoft.com/office/mac/drawingml/2011/main" xmlns:a14="http://schemas.microsoft.com/office/drawing/2010/main" xmlns:m="http://schemas.openxmlformats.org/officeDocument/2006/math" xmlns="" val="1"/>
+              <ma14:wrappingTextBoxFlag xmlns="" xmlns:m="http://schemas.openxmlformats.org/officeDocument/2006/math" xmlns:a14="http://schemas.microsoft.com/office/drawing/2010/main" xmlns:ma14="http://schemas.microsoft.com/office/mac/drawingml/2011/main" val="1"/>
             </a:ext>
           </a:extLst>
         </p:spPr>
@@ -9743,7 +9743,7 @@
           </a:ln>
           <a:extLst>
             <a:ext uri="{C572A759-6A51-4108-AA02-DFA0A04FC94B}">
-              <ma14:wrappingTextBoxFlag xmlns:ma14="http://schemas.microsoft.com/office/mac/drawingml/2011/main" xmlns:a14="http://schemas.microsoft.com/office/drawing/2010/main" xmlns:m="http://schemas.openxmlformats.org/officeDocument/2006/math" xmlns="" val="1"/>
+              <ma14:wrappingTextBoxFlag xmlns="" xmlns:m="http://schemas.openxmlformats.org/officeDocument/2006/math" xmlns:a14="http://schemas.microsoft.com/office/drawing/2010/main" xmlns:ma14="http://schemas.microsoft.com/office/mac/drawingml/2011/main" val="1"/>
             </a:ext>
           </a:extLst>
         </p:spPr>
@@ -9880,6 +9880,241 @@
           </a:prstGeom>
         </p:spPr>
       </p:pic>
+      <p:grpSp>
+        <p:nvGrpSpPr>
+          <p:cNvPr id="80" name="Grupo 7">
+            <a:extLst>
+              <a:ext uri="{FF2B5EF4-FFF2-40B4-BE49-F238E27FC236}">
+                <a16:creationId xmlns:a16="http://schemas.microsoft.com/office/drawing/2014/main" id="{73F60D97-8574-4B28-96B8-7EB1B9536749}"/>
+              </a:ext>
+            </a:extLst>
+          </p:cNvPr>
+          <p:cNvGrpSpPr/>
+          <p:nvPr/>
+        </p:nvGrpSpPr>
+        <p:grpSpPr>
+          <a:xfrm>
+            <a:off x="4619194" y="2839470"/>
+            <a:ext cx="3128888" cy="280048"/>
+            <a:chOff x="137" y="0"/>
+            <a:chExt cx="3128887" cy="280047"/>
+          </a:xfrm>
+        </p:grpSpPr>
+        <p:sp>
+          <p:nvSpPr>
+            <p:cNvPr id="81" name="Rectángulo redondeado">
+              <a:extLst>
+                <a:ext uri="{FF2B5EF4-FFF2-40B4-BE49-F238E27FC236}">
+                  <a16:creationId xmlns:a16="http://schemas.microsoft.com/office/drawing/2014/main" id="{48E050D6-570C-4629-ACB4-AFFCCD3DBB49}"/>
+                </a:ext>
+              </a:extLst>
+            </p:cNvPr>
+            <p:cNvSpPr/>
+            <p:nvPr/>
+          </p:nvSpPr>
+          <p:spPr>
+            <a:xfrm>
+              <a:off x="381154" y="0"/>
+              <a:ext cx="305412" cy="277001"/>
+            </a:xfrm>
+            <a:prstGeom prst="roundRect">
+              <a:avLst>
+                <a:gd name="adj" fmla="val 16044"/>
+              </a:avLst>
+            </a:prstGeom>
+            <a:solidFill>
+              <a:srgbClr val="00DAD7"/>
+            </a:solidFill>
+            <a:ln w="12700" cap="flat">
+              <a:noFill/>
+              <a:miter lim="400000"/>
+            </a:ln>
+            <a:effectLst/>
+          </p:spPr>
+          <p:txBody>
+            <a:bodyPr wrap="square" lIns="45719" tIns="45719" rIns="45719" bIns="45719" numCol="1" anchor="ctr">
+              <a:noAutofit/>
+            </a:bodyPr>
+            <a:lstStyle/>
+            <a:p>
+              <a:pPr algn="ctr">
+                <a:defRPr sz="1000">
+                  <a:solidFill>
+                    <a:srgbClr val="FFFFFF"/>
+                  </a:solidFill>
+                  <a:latin typeface="Open Sans"/>
+                  <a:ea typeface="Open Sans"/>
+                  <a:cs typeface="Open Sans"/>
+                  <a:sym typeface="Open Sans"/>
+                </a:defRPr>
+              </a:pPr>
+              <a:r>
+                <a:rPr lang="es-ES" dirty="0"/>
+                <a:t>5.1</a:t>
+              </a:r>
+              <a:endParaRPr dirty="0"/>
+            </a:p>
+          </p:txBody>
+        </p:sp>
+        <p:sp>
+          <p:nvSpPr>
+            <p:cNvPr id="82" name="Rectángulo 57">
+              <a:extLst>
+                <a:ext uri="{FF2B5EF4-FFF2-40B4-BE49-F238E27FC236}">
+                  <a16:creationId xmlns:a16="http://schemas.microsoft.com/office/drawing/2014/main" id="{2025DD66-BBD5-42F7-9394-2BB00F72F4A1}"/>
+                </a:ext>
+              </a:extLst>
+            </p:cNvPr>
+            <p:cNvSpPr/>
+            <p:nvPr/>
+          </p:nvSpPr>
+          <p:spPr>
+            <a:xfrm>
+              <a:off x="803175" y="3051"/>
+              <a:ext cx="2325849" cy="276996"/>
+            </a:xfrm>
+            <a:prstGeom prst="rect">
+              <a:avLst/>
+            </a:prstGeom>
+            <a:solidFill>
+              <a:srgbClr val="A6A6A6"/>
+            </a:solidFill>
+            <a:ln w="12700" cap="flat">
+              <a:noFill/>
+              <a:miter lim="400000"/>
+            </a:ln>
+            <a:effectLst/>
+            <a:extLst>
+              <a:ext uri="{C572A759-6A51-4108-AA02-DFA0A04FC94B}">
+                <ma14:wrappingTextBoxFlag xmlns="" xmlns:m="http://schemas.openxmlformats.org/officeDocument/2006/math" xmlns:a14="http://schemas.microsoft.com/office/drawing/2010/main" xmlns:ma14="http://schemas.microsoft.com/office/mac/drawingml/2011/main" val="1"/>
+              </a:ext>
+            </a:extLst>
+          </p:spPr>
+          <p:txBody>
+            <a:bodyPr wrap="square" lIns="45719" tIns="45719" rIns="45719" bIns="45719" numCol="1" anchor="t">
+              <a:spAutoFit/>
+            </a:bodyPr>
+            <a:lstStyle>
+              <a:lvl1pPr>
+                <a:defRPr sz="1200">
+                  <a:solidFill>
+                    <a:srgbClr val="FFFFFF"/>
+                  </a:solidFill>
+                  <a:latin typeface="Open Sans"/>
+                  <a:ea typeface="Open Sans"/>
+                  <a:cs typeface="Open Sans"/>
+                  <a:sym typeface="Open Sans"/>
+                </a:defRPr>
+              </a:lvl1pPr>
+            </a:lstStyle>
+            <a:p>
+              <a:r>
+                <a:rPr lang="es-ES" dirty="0" err="1"/>
+                <a:t>Map</a:t>
+              </a:r>
+              <a:r>
+                <a:rPr lang="es-ES" dirty="0"/>
+                <a:t>, </a:t>
+              </a:r>
+              <a:r>
+                <a:rPr lang="es-ES" dirty="0" err="1"/>
+                <a:t>filter</a:t>
+              </a:r>
+              <a:r>
+                <a:rPr lang="es-ES" dirty="0"/>
+                <a:t>, reduce, </a:t>
+              </a:r>
+              <a:r>
+                <a:rPr lang="es-ES" dirty="0" err="1"/>
+                <a:t>forEach</a:t>
+              </a:r>
+              <a:r>
+                <a:rPr lang="es-ES" dirty="0"/>
+                <a:t>, </a:t>
+              </a:r>
+              <a:r>
+                <a:rPr lang="es-ES" dirty="0" err="1"/>
+                <a:t>etc</a:t>
+              </a:r>
+              <a:endParaRPr dirty="0"/>
+            </a:p>
+          </p:txBody>
+        </p:sp>
+        <p:sp>
+          <p:nvSpPr>
+            <p:cNvPr id="83" name="Rectangle: Rounded Corners 8">
+              <a:extLst>
+                <a:ext uri="{FF2B5EF4-FFF2-40B4-BE49-F238E27FC236}">
+                  <a16:creationId xmlns:a16="http://schemas.microsoft.com/office/drawing/2014/main" id="{55D462B2-378C-4569-BE43-B764B31CECCD}"/>
+                </a:ext>
+              </a:extLst>
+            </p:cNvPr>
+            <p:cNvSpPr txBox="1"/>
+            <p:nvPr/>
+          </p:nvSpPr>
+          <p:spPr>
+            <a:xfrm>
+              <a:off x="137" y="62596"/>
+              <a:ext cx="294953" cy="153887"/>
+            </a:xfrm>
+            <a:prstGeom prst="rect">
+              <a:avLst/>
+            </a:prstGeom>
+            <a:noFill/>
+            <a:ln w="12700" cap="flat">
+              <a:noFill/>
+              <a:miter lim="400000"/>
+            </a:ln>
+            <a:effectLst/>
+            <a:extLst>
+              <a:ext uri="{C572A759-6A51-4108-AA02-DFA0A04FC94B}">
+                <ma14:wrappingTextBoxFlag xmlns="" xmlns:m="http://schemas.openxmlformats.org/officeDocument/2006/math" xmlns:a14="http://schemas.microsoft.com/office/drawing/2010/main" xmlns:ma14="http://schemas.microsoft.com/office/mac/drawingml/2011/main" val="1"/>
+              </a:ext>
+            </a:extLst>
+          </p:spPr>
+          <p:txBody>
+            <a:bodyPr wrap="none" lIns="0" tIns="0" rIns="0" bIns="0" numCol="1" anchor="ctr">
+              <a:spAutoFit/>
+            </a:bodyPr>
+            <a:lstStyle>
+              <a:lvl1pPr algn="ctr">
+                <a:defRPr sz="1000" b="1">
+                  <a:solidFill>
+                    <a:srgbClr val="5567D5"/>
+                  </a:solidFill>
+                  <a:latin typeface="Open Sans"/>
+                  <a:ea typeface="Open Sans"/>
+                  <a:cs typeface="Open Sans"/>
+                  <a:sym typeface="Open Sans"/>
+                </a:defRPr>
+              </a:lvl1pPr>
+            </a:lstStyle>
+            <a:p>
+              <a:r>
+                <a:rPr dirty="0">
+                  <a:solidFill>
+                    <a:srgbClr val="006A7B"/>
+                  </a:solidFill>
+                </a:rPr>
+                <a:t>20</a:t>
+              </a:r>
+              <a:r>
+                <a:rPr lang="es-ES" dirty="0">
+                  <a:solidFill>
+                    <a:srgbClr val="006A7B"/>
+                  </a:solidFill>
+                </a:rPr>
+                <a:t>11</a:t>
+              </a:r>
+              <a:endParaRPr dirty="0">
+                <a:solidFill>
+                  <a:srgbClr val="006A7B"/>
+                </a:solidFill>
+              </a:endParaRPr>
+            </a:p>
+          </p:txBody>
+        </p:sp>
+      </p:grpSp>
     </p:spTree>
   </p:cSld>
   <p:clrMapOvr>
@@ -10317,7 +10552,7 @@
           <a:effectLst/>
           <a:extLst>
             <a:ext uri="{C572A759-6A51-4108-AA02-DFA0A04FC94B}">
-              <ma14:wrappingTextBoxFlag xmlns:ma14="http://schemas.microsoft.com/office/mac/drawingml/2011/main" xmlns:a14="http://schemas.microsoft.com/office/drawing/2010/main" xmlns:m="http://schemas.openxmlformats.org/officeDocument/2006/math" xmlns="" val="1"/>
+              <ma14:wrappingTextBoxFlag xmlns="" xmlns:m="http://schemas.openxmlformats.org/officeDocument/2006/math" xmlns:a14="http://schemas.microsoft.com/office/drawing/2010/main" xmlns:ma14="http://schemas.microsoft.com/office/mac/drawingml/2011/main" val="1"/>
             </a:ext>
           </a:extLst>
         </p:spPr>
@@ -10366,7 +10601,7 @@
           </a:ln>
           <a:extLst>
             <a:ext uri="{C572A759-6A51-4108-AA02-DFA0A04FC94B}">
-              <ma14:wrappingTextBoxFlag xmlns:ma14="http://schemas.microsoft.com/office/mac/drawingml/2011/main" xmlns:a14="http://schemas.microsoft.com/office/drawing/2010/main" xmlns:m="http://schemas.openxmlformats.org/officeDocument/2006/math" xmlns="" val="1"/>
+              <ma14:wrappingTextBoxFlag xmlns="" xmlns:m="http://schemas.openxmlformats.org/officeDocument/2006/math" xmlns:a14="http://schemas.microsoft.com/office/drawing/2010/main" xmlns:ma14="http://schemas.microsoft.com/office/mac/drawingml/2011/main" val="1"/>
             </a:ext>
           </a:extLst>
         </p:spPr>
@@ -10439,7 +10674,7 @@
           <a:effectLst/>
           <a:extLst>
             <a:ext uri="{C572A759-6A51-4108-AA02-DFA0A04FC94B}">
-              <ma14:wrappingTextBoxFlag xmlns:ma14="http://schemas.microsoft.com/office/mac/drawingml/2011/main" xmlns:a14="http://schemas.microsoft.com/office/drawing/2010/main" xmlns:m="http://schemas.openxmlformats.org/officeDocument/2006/math" xmlns="" val="1"/>
+              <ma14:wrappingTextBoxFlag xmlns="" xmlns:m="http://schemas.openxmlformats.org/officeDocument/2006/math" xmlns:a14="http://schemas.microsoft.com/office/drawing/2010/main" xmlns:ma14="http://schemas.microsoft.com/office/mac/drawingml/2011/main" val="1"/>
             </a:ext>
           </a:extLst>
         </p:spPr>
@@ -10773,7 +11008,7 @@
           </a:ln>
           <a:extLst>
             <a:ext uri="{C572A759-6A51-4108-AA02-DFA0A04FC94B}">
-              <ma14:wrappingTextBoxFlag xmlns:ma14="http://schemas.microsoft.com/office/mac/drawingml/2011/main" xmlns:a14="http://schemas.microsoft.com/office/drawing/2010/main" xmlns:m="http://schemas.openxmlformats.org/officeDocument/2006/math" xmlns="" val="1"/>
+              <ma14:wrappingTextBoxFlag xmlns="" xmlns:m="http://schemas.openxmlformats.org/officeDocument/2006/math" xmlns:a14="http://schemas.microsoft.com/office/drawing/2010/main" xmlns:ma14="http://schemas.microsoft.com/office/mac/drawingml/2011/main" val="1"/>
             </a:ext>
           </a:extLst>
         </p:spPr>
@@ -11070,7 +11305,7 @@
           </a:ln>
           <a:extLst>
             <a:ext uri="{C572A759-6A51-4108-AA02-DFA0A04FC94B}">
-              <ma14:wrappingTextBoxFlag xmlns:ma14="http://schemas.microsoft.com/office/mac/drawingml/2011/main" xmlns:a14="http://schemas.microsoft.com/office/drawing/2010/main" xmlns:m="http://schemas.openxmlformats.org/officeDocument/2006/math" xmlns="" val="1"/>
+              <ma14:wrappingTextBoxFlag xmlns="" xmlns:m="http://schemas.openxmlformats.org/officeDocument/2006/math" xmlns:a14="http://schemas.microsoft.com/office/drawing/2010/main" xmlns:ma14="http://schemas.microsoft.com/office/mac/drawingml/2011/main" val="1"/>
             </a:ext>
           </a:extLst>
         </p:spPr>
@@ -11604,7 +11839,7 @@
           </a:ln>
           <a:extLst>
             <a:ext uri="{C572A759-6A51-4108-AA02-DFA0A04FC94B}">
-              <ma14:wrappingTextBoxFlag xmlns:ma14="http://schemas.microsoft.com/office/mac/drawingml/2011/main" xmlns:a14="http://schemas.microsoft.com/office/drawing/2010/main" xmlns:m="http://schemas.openxmlformats.org/officeDocument/2006/math" xmlns="" val="1"/>
+              <ma14:wrappingTextBoxFlag xmlns="" xmlns:m="http://schemas.openxmlformats.org/officeDocument/2006/math" xmlns:a14="http://schemas.microsoft.com/office/drawing/2010/main" xmlns:ma14="http://schemas.microsoft.com/office/mac/drawingml/2011/main" val="1"/>
             </a:ext>
           </a:extLst>
         </p:spPr>
@@ -11877,7 +12112,7 @@
             <a:effectLst/>
             <a:extLst>
               <a:ext uri="{C572A759-6A51-4108-AA02-DFA0A04FC94B}">
-                <ma14:wrappingTextBoxFlag xmlns:ma14="http://schemas.microsoft.com/office/mac/drawingml/2011/main" xmlns:a14="http://schemas.microsoft.com/office/drawing/2010/main" xmlns:m="http://schemas.openxmlformats.org/officeDocument/2006/math" xmlns="" val="1"/>
+                <ma14:wrappingTextBoxFlag xmlns="" xmlns:m="http://schemas.openxmlformats.org/officeDocument/2006/math" xmlns:a14="http://schemas.microsoft.com/office/drawing/2010/main" xmlns:ma14="http://schemas.microsoft.com/office/mac/drawingml/2011/main" val="1"/>
               </a:ext>
             </a:extLst>
           </p:spPr>
@@ -11927,7 +12162,7 @@
             <a:effectLst/>
             <a:extLst>
               <a:ext uri="{C572A759-6A51-4108-AA02-DFA0A04FC94B}">
-                <ma14:wrappingTextBoxFlag xmlns:ma14="http://schemas.microsoft.com/office/mac/drawingml/2011/main" xmlns:a14="http://schemas.microsoft.com/office/drawing/2010/main" xmlns:m="http://schemas.openxmlformats.org/officeDocument/2006/math" xmlns="" val="1"/>
+                <ma14:wrappingTextBoxFlag xmlns="" xmlns:m="http://schemas.openxmlformats.org/officeDocument/2006/math" xmlns:a14="http://schemas.microsoft.com/office/drawing/2010/main" xmlns:ma14="http://schemas.microsoft.com/office/mac/drawingml/2011/main" val="1"/>
               </a:ext>
             </a:extLst>
           </p:spPr>
@@ -11977,7 +12212,7 @@
             <a:effectLst/>
             <a:extLst>
               <a:ext uri="{C572A759-6A51-4108-AA02-DFA0A04FC94B}">
-                <ma14:wrappingTextBoxFlag xmlns:ma14="http://schemas.microsoft.com/office/mac/drawingml/2011/main" xmlns:a14="http://schemas.microsoft.com/office/drawing/2010/main" xmlns:m="http://schemas.openxmlformats.org/officeDocument/2006/math" xmlns="" val="1"/>
+                <ma14:wrappingTextBoxFlag xmlns="" xmlns:m="http://schemas.openxmlformats.org/officeDocument/2006/math" xmlns:a14="http://schemas.microsoft.com/office/drawing/2010/main" xmlns:ma14="http://schemas.microsoft.com/office/mac/drawingml/2011/main" val="1"/>
               </a:ext>
             </a:extLst>
           </p:spPr>
@@ -12027,7 +12262,7 @@
             <a:effectLst/>
             <a:extLst>
               <a:ext uri="{C572A759-6A51-4108-AA02-DFA0A04FC94B}">
-                <ma14:wrappingTextBoxFlag xmlns:ma14="http://schemas.microsoft.com/office/mac/drawingml/2011/main" xmlns:a14="http://schemas.microsoft.com/office/drawing/2010/main" xmlns:m="http://schemas.openxmlformats.org/officeDocument/2006/math" xmlns="" val="1"/>
+                <ma14:wrappingTextBoxFlag xmlns="" xmlns:m="http://schemas.openxmlformats.org/officeDocument/2006/math" xmlns:a14="http://schemas.microsoft.com/office/drawing/2010/main" xmlns:ma14="http://schemas.microsoft.com/office/mac/drawingml/2011/main" val="1"/>
               </a:ext>
             </a:extLst>
           </p:spPr>

--- a/02-languages/01-teoria/01 Introducción a Javascript.pptx
+++ b/02-languages/01-teoria/01 Introducción a Javascript.pptx
@@ -2211,7 +2211,7 @@
           </a:ln>
           <a:extLst>
             <a:ext uri="{C572A759-6A51-4108-AA02-DFA0A04FC94B}">
-              <ma14:wrappingTextBoxFlag xmlns="" xmlns:m="http://schemas.openxmlformats.org/officeDocument/2006/math" xmlns:a14="http://schemas.microsoft.com/office/drawing/2010/main" xmlns:ma14="http://schemas.microsoft.com/office/mac/drawingml/2011/main" val="1"/>
+              <ma14:wrappingTextBoxFlag xmlns:ma14="http://schemas.microsoft.com/office/mac/drawingml/2011/main" xmlns:a14="http://schemas.microsoft.com/office/drawing/2010/main" xmlns:m="http://schemas.openxmlformats.org/officeDocument/2006/math" xmlns="" val="1"/>
             </a:ext>
           </a:extLst>
         </p:spPr>
@@ -2250,7 +2250,7 @@
           </a:ln>
           <a:extLst>
             <a:ext uri="{C572A759-6A51-4108-AA02-DFA0A04FC94B}">
-              <ma14:wrappingTextBoxFlag xmlns="" xmlns:m="http://schemas.openxmlformats.org/officeDocument/2006/math" xmlns:a14="http://schemas.microsoft.com/office/drawing/2010/main" xmlns:ma14="http://schemas.microsoft.com/office/mac/drawingml/2011/main" val="1"/>
+              <ma14:wrappingTextBoxFlag xmlns:ma14="http://schemas.microsoft.com/office/mac/drawingml/2011/main" xmlns:a14="http://schemas.microsoft.com/office/drawing/2010/main" xmlns:m="http://schemas.openxmlformats.org/officeDocument/2006/math" xmlns="" val="1"/>
             </a:ext>
           </a:extLst>
         </p:spPr>
@@ -3208,7 +3208,7 @@
           </a:ln>
           <a:extLst>
             <a:ext uri="{C572A759-6A51-4108-AA02-DFA0A04FC94B}">
-              <ma14:wrappingTextBoxFlag xmlns="" xmlns:m="http://schemas.openxmlformats.org/officeDocument/2006/math" xmlns:a14="http://schemas.microsoft.com/office/drawing/2010/main" xmlns:ma14="http://schemas.microsoft.com/office/mac/drawingml/2011/main" val="1"/>
+              <ma14:wrappingTextBoxFlag xmlns:ma14="http://schemas.microsoft.com/office/mac/drawingml/2011/main" xmlns:a14="http://schemas.microsoft.com/office/drawing/2010/main" xmlns:m="http://schemas.openxmlformats.org/officeDocument/2006/math" xmlns="" val="1"/>
             </a:ext>
           </a:extLst>
         </p:spPr>
@@ -3258,7 +3258,7 @@
           </a:ln>
           <a:extLst>
             <a:ext uri="{C572A759-6A51-4108-AA02-DFA0A04FC94B}">
-              <ma14:wrappingTextBoxFlag xmlns="" xmlns:m="http://schemas.openxmlformats.org/officeDocument/2006/math" xmlns:a14="http://schemas.microsoft.com/office/drawing/2010/main" xmlns:ma14="http://schemas.microsoft.com/office/mac/drawingml/2011/main" val="1"/>
+              <ma14:wrappingTextBoxFlag xmlns:ma14="http://schemas.microsoft.com/office/mac/drawingml/2011/main" xmlns:a14="http://schemas.microsoft.com/office/drawing/2010/main" xmlns:m="http://schemas.openxmlformats.org/officeDocument/2006/math" xmlns="" val="1"/>
             </a:ext>
           </a:extLst>
         </p:spPr>
@@ -3527,7 +3527,7 @@
             <a:effectLst/>
             <a:extLst>
               <a:ext uri="{C572A759-6A51-4108-AA02-DFA0A04FC94B}">
-                <ma14:wrappingTextBoxFlag xmlns="" xmlns:m="http://schemas.openxmlformats.org/officeDocument/2006/math" xmlns:a14="http://schemas.microsoft.com/office/drawing/2010/main" xmlns:ma14="http://schemas.microsoft.com/office/mac/drawingml/2011/main" val="1"/>
+                <ma14:wrappingTextBoxFlag xmlns:ma14="http://schemas.microsoft.com/office/mac/drawingml/2011/main" xmlns:a14="http://schemas.microsoft.com/office/drawing/2010/main" xmlns:m="http://schemas.openxmlformats.org/officeDocument/2006/math" xmlns="" val="1"/>
               </a:ext>
             </a:extLst>
           </p:spPr>
@@ -3640,7 +3640,7 @@
             <a:effectLst/>
             <a:extLst>
               <a:ext uri="{C572A759-6A51-4108-AA02-DFA0A04FC94B}">
-                <ma14:wrappingTextBoxFlag xmlns="" xmlns:m="http://schemas.openxmlformats.org/officeDocument/2006/math" xmlns:a14="http://schemas.microsoft.com/office/drawing/2010/main" xmlns:ma14="http://schemas.microsoft.com/office/mac/drawingml/2011/main" val="1"/>
+                <ma14:wrappingTextBoxFlag xmlns:ma14="http://schemas.microsoft.com/office/mac/drawingml/2011/main" xmlns:a14="http://schemas.microsoft.com/office/drawing/2010/main" xmlns:m="http://schemas.openxmlformats.org/officeDocument/2006/math" xmlns="" val="1"/>
               </a:ext>
             </a:extLst>
           </p:spPr>
@@ -3755,7 +3755,7 @@
             <a:effectLst/>
             <a:extLst>
               <a:ext uri="{C572A759-6A51-4108-AA02-DFA0A04FC94B}">
-                <ma14:wrappingTextBoxFlag xmlns="" xmlns:m="http://schemas.openxmlformats.org/officeDocument/2006/math" xmlns:a14="http://schemas.microsoft.com/office/drawing/2010/main" xmlns:ma14="http://schemas.microsoft.com/office/mac/drawingml/2011/main" val="1"/>
+                <ma14:wrappingTextBoxFlag xmlns:ma14="http://schemas.microsoft.com/office/mac/drawingml/2011/main" xmlns:a14="http://schemas.microsoft.com/office/drawing/2010/main" xmlns:m="http://schemas.openxmlformats.org/officeDocument/2006/math" xmlns="" val="1"/>
               </a:ext>
             </a:extLst>
           </p:spPr>
@@ -3866,7 +3866,7 @@
             <a:effectLst/>
             <a:extLst>
               <a:ext uri="{C572A759-6A51-4108-AA02-DFA0A04FC94B}">
-                <ma14:wrappingTextBoxFlag xmlns="" xmlns:m="http://schemas.openxmlformats.org/officeDocument/2006/math" xmlns:a14="http://schemas.microsoft.com/office/drawing/2010/main" xmlns:ma14="http://schemas.microsoft.com/office/mac/drawingml/2011/main" val="1"/>
+                <ma14:wrappingTextBoxFlag xmlns:ma14="http://schemas.microsoft.com/office/mac/drawingml/2011/main" xmlns:a14="http://schemas.microsoft.com/office/drawing/2010/main" xmlns:m="http://schemas.openxmlformats.org/officeDocument/2006/math" xmlns="" val="1"/>
               </a:ext>
             </a:extLst>
           </p:spPr>
@@ -3980,7 +3980,7 @@
             <a:effectLst/>
             <a:extLst>
               <a:ext uri="{C572A759-6A51-4108-AA02-DFA0A04FC94B}">
-                <ma14:wrappingTextBoxFlag xmlns="" xmlns:m="http://schemas.openxmlformats.org/officeDocument/2006/math" xmlns:a14="http://schemas.microsoft.com/office/drawing/2010/main" xmlns:ma14="http://schemas.microsoft.com/office/mac/drawingml/2011/main" val="1"/>
+                <ma14:wrappingTextBoxFlag xmlns:ma14="http://schemas.microsoft.com/office/mac/drawingml/2011/main" xmlns:a14="http://schemas.microsoft.com/office/drawing/2010/main" xmlns:m="http://schemas.openxmlformats.org/officeDocument/2006/math" xmlns="" val="1"/>
               </a:ext>
             </a:extLst>
           </p:spPr>
@@ -4091,7 +4091,7 @@
             <a:effectLst/>
             <a:extLst>
               <a:ext uri="{C572A759-6A51-4108-AA02-DFA0A04FC94B}">
-                <ma14:wrappingTextBoxFlag xmlns="" xmlns:m="http://schemas.openxmlformats.org/officeDocument/2006/math" xmlns:a14="http://schemas.microsoft.com/office/drawing/2010/main" xmlns:ma14="http://schemas.microsoft.com/office/mac/drawingml/2011/main" val="1"/>
+                <ma14:wrappingTextBoxFlag xmlns:ma14="http://schemas.microsoft.com/office/mac/drawingml/2011/main" xmlns:a14="http://schemas.microsoft.com/office/drawing/2010/main" xmlns:m="http://schemas.openxmlformats.org/officeDocument/2006/math" xmlns="" val="1"/>
               </a:ext>
             </a:extLst>
           </p:spPr>
@@ -4278,7 +4278,7 @@
           </a:ln>
           <a:extLst>
             <a:ext uri="{C572A759-6A51-4108-AA02-DFA0A04FC94B}">
-              <ma14:wrappingTextBoxFlag xmlns="" xmlns:m="http://schemas.openxmlformats.org/officeDocument/2006/math" xmlns:a14="http://schemas.microsoft.com/office/drawing/2010/main" xmlns:ma14="http://schemas.microsoft.com/office/mac/drawingml/2011/main" val="1"/>
+              <ma14:wrappingTextBoxFlag xmlns:ma14="http://schemas.microsoft.com/office/mac/drawingml/2011/main" xmlns:a14="http://schemas.microsoft.com/office/drawing/2010/main" xmlns:m="http://schemas.openxmlformats.org/officeDocument/2006/math" xmlns="" val="1"/>
             </a:ext>
           </a:extLst>
         </p:spPr>
@@ -4334,7 +4334,7 @@
           </a:ln>
           <a:extLst>
             <a:ext uri="{C572A759-6A51-4108-AA02-DFA0A04FC94B}">
-              <ma14:wrappingTextBoxFlag xmlns="" xmlns:m="http://schemas.openxmlformats.org/officeDocument/2006/math" xmlns:a14="http://schemas.microsoft.com/office/drawing/2010/main" xmlns:ma14="http://schemas.microsoft.com/office/mac/drawingml/2011/main" val="1"/>
+              <ma14:wrappingTextBoxFlag xmlns:ma14="http://schemas.microsoft.com/office/mac/drawingml/2011/main" xmlns:a14="http://schemas.microsoft.com/office/drawing/2010/main" xmlns:m="http://schemas.openxmlformats.org/officeDocument/2006/math" xmlns="" val="1"/>
             </a:ext>
           </a:extLst>
         </p:spPr>
@@ -4436,7 +4436,7 @@
           </a:ln>
           <a:extLst>
             <a:ext uri="{C572A759-6A51-4108-AA02-DFA0A04FC94B}">
-              <ma14:wrappingTextBoxFlag xmlns="" xmlns:m="http://schemas.openxmlformats.org/officeDocument/2006/math" xmlns:a14="http://schemas.microsoft.com/office/drawing/2010/main" xmlns:ma14="http://schemas.microsoft.com/office/mac/drawingml/2011/main" val="1"/>
+              <ma14:wrappingTextBoxFlag xmlns:ma14="http://schemas.microsoft.com/office/mac/drawingml/2011/main" xmlns:a14="http://schemas.microsoft.com/office/drawing/2010/main" xmlns:m="http://schemas.openxmlformats.org/officeDocument/2006/math" xmlns="" val="1"/>
             </a:ext>
           </a:extLst>
         </p:spPr>
@@ -4486,7 +4486,7 @@
           </a:ln>
           <a:extLst>
             <a:ext uri="{C572A759-6A51-4108-AA02-DFA0A04FC94B}">
-              <ma14:wrappingTextBoxFlag xmlns="" xmlns:m="http://schemas.openxmlformats.org/officeDocument/2006/math" xmlns:a14="http://schemas.microsoft.com/office/drawing/2010/main" xmlns:ma14="http://schemas.microsoft.com/office/mac/drawingml/2011/main" val="1"/>
+              <ma14:wrappingTextBoxFlag xmlns:ma14="http://schemas.microsoft.com/office/mac/drawingml/2011/main" xmlns:a14="http://schemas.microsoft.com/office/drawing/2010/main" xmlns:m="http://schemas.openxmlformats.org/officeDocument/2006/math" xmlns="" val="1"/>
             </a:ext>
           </a:extLst>
         </p:spPr>
@@ -4561,7 +4561,7 @@
           </a:ln>
           <a:extLst>
             <a:ext uri="{C572A759-6A51-4108-AA02-DFA0A04FC94B}">
-              <ma14:wrappingTextBoxFlag xmlns="" xmlns:m="http://schemas.openxmlformats.org/officeDocument/2006/math" xmlns:a14="http://schemas.microsoft.com/office/drawing/2010/main" xmlns:ma14="http://schemas.microsoft.com/office/mac/drawingml/2011/main" val="1"/>
+              <ma14:wrappingTextBoxFlag xmlns:ma14="http://schemas.microsoft.com/office/mac/drawingml/2011/main" xmlns:a14="http://schemas.microsoft.com/office/drawing/2010/main" xmlns:m="http://schemas.openxmlformats.org/officeDocument/2006/math" xmlns="" val="1"/>
             </a:ext>
           </a:extLst>
         </p:spPr>
@@ -4648,7 +4648,7 @@
           </a:ln>
           <a:extLst>
             <a:ext uri="{C572A759-6A51-4108-AA02-DFA0A04FC94B}">
-              <ma14:wrappingTextBoxFlag xmlns="" xmlns:m="http://schemas.openxmlformats.org/officeDocument/2006/math" xmlns:a14="http://schemas.microsoft.com/office/drawing/2010/main" xmlns:ma14="http://schemas.microsoft.com/office/mac/drawingml/2011/main" val="1"/>
+              <ma14:wrappingTextBoxFlag xmlns:ma14="http://schemas.microsoft.com/office/mac/drawingml/2011/main" xmlns:a14="http://schemas.microsoft.com/office/drawing/2010/main" xmlns:m="http://schemas.openxmlformats.org/officeDocument/2006/math" xmlns="" val="1"/>
             </a:ext>
           </a:extLst>
         </p:spPr>
@@ -4708,7 +4708,7 @@
           </a:ln>
           <a:extLst>
             <a:ext uri="{C572A759-6A51-4108-AA02-DFA0A04FC94B}">
-              <ma14:wrappingTextBoxFlag xmlns="" xmlns:m="http://schemas.openxmlformats.org/officeDocument/2006/math" xmlns:a14="http://schemas.microsoft.com/office/drawing/2010/main" xmlns:ma14="http://schemas.microsoft.com/office/mac/drawingml/2011/main" val="1"/>
+              <ma14:wrappingTextBoxFlag xmlns:ma14="http://schemas.microsoft.com/office/mac/drawingml/2011/main" xmlns:a14="http://schemas.microsoft.com/office/drawing/2010/main" xmlns:m="http://schemas.openxmlformats.org/officeDocument/2006/math" xmlns="" val="1"/>
             </a:ext>
           </a:extLst>
         </p:spPr>
@@ -4761,7 +4761,7 @@
           </a:ln>
           <a:extLst>
             <a:ext uri="{C572A759-6A51-4108-AA02-DFA0A04FC94B}">
-              <ma14:wrappingTextBoxFlag xmlns="" xmlns:m="http://schemas.openxmlformats.org/officeDocument/2006/math" xmlns:a14="http://schemas.microsoft.com/office/drawing/2010/main" xmlns:ma14="http://schemas.microsoft.com/office/mac/drawingml/2011/main" val="1"/>
+              <ma14:wrappingTextBoxFlag xmlns:ma14="http://schemas.microsoft.com/office/mac/drawingml/2011/main" xmlns:a14="http://schemas.microsoft.com/office/drawing/2010/main" xmlns:m="http://schemas.openxmlformats.org/officeDocument/2006/math" xmlns="" val="1"/>
             </a:ext>
           </a:extLst>
         </p:spPr>
@@ -4811,7 +4811,7 @@
           </a:ln>
           <a:extLst>
             <a:ext uri="{C572A759-6A51-4108-AA02-DFA0A04FC94B}">
-              <ma14:wrappingTextBoxFlag xmlns="" xmlns:m="http://schemas.openxmlformats.org/officeDocument/2006/math" xmlns:a14="http://schemas.microsoft.com/office/drawing/2010/main" xmlns:ma14="http://schemas.microsoft.com/office/mac/drawingml/2011/main" val="1"/>
+              <ma14:wrappingTextBoxFlag xmlns:ma14="http://schemas.microsoft.com/office/mac/drawingml/2011/main" xmlns:a14="http://schemas.microsoft.com/office/drawing/2010/main" xmlns:m="http://schemas.openxmlformats.org/officeDocument/2006/math" xmlns="" val="1"/>
             </a:ext>
           </a:extLst>
         </p:spPr>
@@ -4861,7 +4861,7 @@
           </a:ln>
           <a:extLst>
             <a:ext uri="{C572A759-6A51-4108-AA02-DFA0A04FC94B}">
-              <ma14:wrappingTextBoxFlag xmlns="" xmlns:m="http://schemas.openxmlformats.org/officeDocument/2006/math" xmlns:a14="http://schemas.microsoft.com/office/drawing/2010/main" xmlns:ma14="http://schemas.microsoft.com/office/mac/drawingml/2011/main" val="1"/>
+              <ma14:wrappingTextBoxFlag xmlns:ma14="http://schemas.microsoft.com/office/mac/drawingml/2011/main" xmlns:a14="http://schemas.microsoft.com/office/drawing/2010/main" xmlns:m="http://schemas.openxmlformats.org/officeDocument/2006/math" xmlns="" val="1"/>
             </a:ext>
           </a:extLst>
         </p:spPr>
@@ -5040,7 +5040,7 @@
             <a:effectLst/>
             <a:extLst>
               <a:ext uri="{C572A759-6A51-4108-AA02-DFA0A04FC94B}">
-                <ma14:wrappingTextBoxFlag xmlns="" xmlns:m="http://schemas.openxmlformats.org/officeDocument/2006/math" xmlns:a14="http://schemas.microsoft.com/office/drawing/2010/main" xmlns:ma14="http://schemas.microsoft.com/office/mac/drawingml/2011/main" val="1"/>
+                <ma14:wrappingTextBoxFlag xmlns:ma14="http://schemas.microsoft.com/office/mac/drawingml/2011/main" xmlns:a14="http://schemas.microsoft.com/office/drawing/2010/main" xmlns:m="http://schemas.openxmlformats.org/officeDocument/2006/math" xmlns="" val="1"/>
               </a:ext>
             </a:extLst>
           </p:spPr>
@@ -5092,7 +5092,7 @@
             <a:effectLst/>
             <a:extLst>
               <a:ext uri="{C572A759-6A51-4108-AA02-DFA0A04FC94B}">
-                <ma14:wrappingTextBoxFlag xmlns="" xmlns:m="http://schemas.openxmlformats.org/officeDocument/2006/math" xmlns:a14="http://schemas.microsoft.com/office/drawing/2010/main" xmlns:ma14="http://schemas.microsoft.com/office/mac/drawingml/2011/main" val="1"/>
+                <ma14:wrappingTextBoxFlag xmlns:ma14="http://schemas.microsoft.com/office/mac/drawingml/2011/main" xmlns:a14="http://schemas.microsoft.com/office/drawing/2010/main" xmlns:m="http://schemas.openxmlformats.org/officeDocument/2006/math" xmlns="" val="1"/>
               </a:ext>
             </a:extLst>
           </p:spPr>
@@ -5195,7 +5195,7 @@
             <a:effectLst/>
             <a:extLst>
               <a:ext uri="{C572A759-6A51-4108-AA02-DFA0A04FC94B}">
-                <ma14:wrappingTextBoxFlag xmlns="" xmlns:m="http://schemas.openxmlformats.org/officeDocument/2006/math" xmlns:a14="http://schemas.microsoft.com/office/drawing/2010/main" xmlns:ma14="http://schemas.microsoft.com/office/mac/drawingml/2011/main" val="1"/>
+                <ma14:wrappingTextBoxFlag xmlns:ma14="http://schemas.microsoft.com/office/mac/drawingml/2011/main" xmlns:a14="http://schemas.microsoft.com/office/drawing/2010/main" xmlns:m="http://schemas.openxmlformats.org/officeDocument/2006/math" xmlns="" val="1"/>
               </a:ext>
             </a:extLst>
           </p:spPr>
@@ -5245,7 +5245,7 @@
             <a:effectLst/>
             <a:extLst>
               <a:ext uri="{C572A759-6A51-4108-AA02-DFA0A04FC94B}">
-                <ma14:wrappingTextBoxFlag xmlns="" xmlns:m="http://schemas.openxmlformats.org/officeDocument/2006/math" xmlns:a14="http://schemas.microsoft.com/office/drawing/2010/main" xmlns:ma14="http://schemas.microsoft.com/office/mac/drawingml/2011/main" val="1"/>
+                <ma14:wrappingTextBoxFlag xmlns:ma14="http://schemas.microsoft.com/office/mac/drawingml/2011/main" xmlns:a14="http://schemas.microsoft.com/office/drawing/2010/main" xmlns:m="http://schemas.openxmlformats.org/officeDocument/2006/math" xmlns="" val="1"/>
               </a:ext>
             </a:extLst>
           </p:spPr>
@@ -5348,7 +5348,7 @@
             <a:effectLst/>
             <a:extLst>
               <a:ext uri="{C572A759-6A51-4108-AA02-DFA0A04FC94B}">
-                <ma14:wrappingTextBoxFlag xmlns="" xmlns:m="http://schemas.openxmlformats.org/officeDocument/2006/math" xmlns:a14="http://schemas.microsoft.com/office/drawing/2010/main" xmlns:ma14="http://schemas.microsoft.com/office/mac/drawingml/2011/main" val="1"/>
+                <ma14:wrappingTextBoxFlag xmlns:ma14="http://schemas.microsoft.com/office/mac/drawingml/2011/main" xmlns:a14="http://schemas.microsoft.com/office/drawing/2010/main" xmlns:m="http://schemas.openxmlformats.org/officeDocument/2006/math" xmlns="" val="1"/>
               </a:ext>
             </a:extLst>
           </p:spPr>
@@ -5397,7 +5397,7 @@
             <a:effectLst/>
             <a:extLst>
               <a:ext uri="{C572A759-6A51-4108-AA02-DFA0A04FC94B}">
-                <ma14:wrappingTextBoxFlag xmlns="" xmlns:m="http://schemas.openxmlformats.org/officeDocument/2006/math" xmlns:a14="http://schemas.microsoft.com/office/drawing/2010/main" xmlns:ma14="http://schemas.microsoft.com/office/mac/drawingml/2011/main" val="1"/>
+                <ma14:wrappingTextBoxFlag xmlns:ma14="http://schemas.microsoft.com/office/mac/drawingml/2011/main" xmlns:a14="http://schemas.microsoft.com/office/drawing/2010/main" xmlns:m="http://schemas.openxmlformats.org/officeDocument/2006/math" xmlns="" val="1"/>
               </a:ext>
             </a:extLst>
           </p:spPr>
@@ -5525,7 +5525,7 @@
             <a:effectLst/>
             <a:extLst>
               <a:ext uri="{C572A759-6A51-4108-AA02-DFA0A04FC94B}">
-                <ma14:wrappingTextBoxFlag xmlns="" xmlns:m="http://schemas.openxmlformats.org/officeDocument/2006/math" xmlns:a14="http://schemas.microsoft.com/office/drawing/2010/main" xmlns:ma14="http://schemas.microsoft.com/office/mac/drawingml/2011/main" val="1"/>
+                <ma14:wrappingTextBoxFlag xmlns:ma14="http://schemas.microsoft.com/office/mac/drawingml/2011/main" xmlns:a14="http://schemas.microsoft.com/office/drawing/2010/main" xmlns:m="http://schemas.openxmlformats.org/officeDocument/2006/math" xmlns="" val="1"/>
               </a:ext>
             </a:extLst>
           </p:spPr>
@@ -5575,7 +5575,7 @@
             <a:effectLst/>
             <a:extLst>
               <a:ext uri="{C572A759-6A51-4108-AA02-DFA0A04FC94B}">
-                <ma14:wrappingTextBoxFlag xmlns="" xmlns:m="http://schemas.openxmlformats.org/officeDocument/2006/math" xmlns:a14="http://schemas.microsoft.com/office/drawing/2010/main" xmlns:ma14="http://schemas.microsoft.com/office/mac/drawingml/2011/main" val="1"/>
+                <ma14:wrappingTextBoxFlag xmlns:ma14="http://schemas.microsoft.com/office/mac/drawingml/2011/main" xmlns:a14="http://schemas.microsoft.com/office/drawing/2010/main" xmlns:m="http://schemas.openxmlformats.org/officeDocument/2006/math" xmlns="" val="1"/>
               </a:ext>
             </a:extLst>
           </p:spPr>
@@ -5678,7 +5678,7 @@
             <a:effectLst/>
             <a:extLst>
               <a:ext uri="{C572A759-6A51-4108-AA02-DFA0A04FC94B}">
-                <ma14:wrappingTextBoxFlag xmlns="" xmlns:m="http://schemas.openxmlformats.org/officeDocument/2006/math" xmlns:a14="http://schemas.microsoft.com/office/drawing/2010/main" xmlns:ma14="http://schemas.microsoft.com/office/mac/drawingml/2011/main" val="1"/>
+                <ma14:wrappingTextBoxFlag xmlns:ma14="http://schemas.microsoft.com/office/mac/drawingml/2011/main" xmlns:a14="http://schemas.microsoft.com/office/drawing/2010/main" xmlns:m="http://schemas.openxmlformats.org/officeDocument/2006/math" xmlns="" val="1"/>
               </a:ext>
             </a:extLst>
           </p:spPr>
@@ -5728,7 +5728,7 @@
             <a:effectLst/>
             <a:extLst>
               <a:ext uri="{C572A759-6A51-4108-AA02-DFA0A04FC94B}">
-                <ma14:wrappingTextBoxFlag xmlns="" xmlns:m="http://schemas.openxmlformats.org/officeDocument/2006/math" xmlns:a14="http://schemas.microsoft.com/office/drawing/2010/main" xmlns:ma14="http://schemas.microsoft.com/office/mac/drawingml/2011/main" val="1"/>
+                <ma14:wrappingTextBoxFlag xmlns:ma14="http://schemas.microsoft.com/office/mac/drawingml/2011/main" xmlns:a14="http://schemas.microsoft.com/office/drawing/2010/main" xmlns:m="http://schemas.openxmlformats.org/officeDocument/2006/math" xmlns="" val="1"/>
               </a:ext>
             </a:extLst>
           </p:spPr>
@@ -5832,7 +5832,7 @@
             <a:effectLst/>
             <a:extLst>
               <a:ext uri="{C572A759-6A51-4108-AA02-DFA0A04FC94B}">
-                <ma14:wrappingTextBoxFlag xmlns="" xmlns:m="http://schemas.openxmlformats.org/officeDocument/2006/math" xmlns:a14="http://schemas.microsoft.com/office/drawing/2010/main" xmlns:ma14="http://schemas.microsoft.com/office/mac/drawingml/2011/main" val="1"/>
+                <ma14:wrappingTextBoxFlag xmlns:ma14="http://schemas.microsoft.com/office/mac/drawingml/2011/main" xmlns:a14="http://schemas.microsoft.com/office/drawing/2010/main" xmlns:m="http://schemas.openxmlformats.org/officeDocument/2006/math" xmlns="" val="1"/>
               </a:ext>
             </a:extLst>
           </p:spPr>
@@ -5882,7 +5882,7 @@
             <a:effectLst/>
             <a:extLst>
               <a:ext uri="{C572A759-6A51-4108-AA02-DFA0A04FC94B}">
-                <ma14:wrappingTextBoxFlag xmlns="" xmlns:m="http://schemas.openxmlformats.org/officeDocument/2006/math" xmlns:a14="http://schemas.microsoft.com/office/drawing/2010/main" xmlns:ma14="http://schemas.microsoft.com/office/mac/drawingml/2011/main" val="1"/>
+                <ma14:wrappingTextBoxFlag xmlns:ma14="http://schemas.microsoft.com/office/mac/drawingml/2011/main" xmlns:a14="http://schemas.microsoft.com/office/drawing/2010/main" xmlns:m="http://schemas.openxmlformats.org/officeDocument/2006/math" xmlns="" val="1"/>
               </a:ext>
             </a:extLst>
           </p:spPr>
@@ -5985,7 +5985,7 @@
             <a:effectLst/>
             <a:extLst>
               <a:ext uri="{C572A759-6A51-4108-AA02-DFA0A04FC94B}">
-                <ma14:wrappingTextBoxFlag xmlns="" xmlns:m="http://schemas.openxmlformats.org/officeDocument/2006/math" xmlns:a14="http://schemas.microsoft.com/office/drawing/2010/main" xmlns:ma14="http://schemas.microsoft.com/office/mac/drawingml/2011/main" val="1"/>
+                <ma14:wrappingTextBoxFlag xmlns:ma14="http://schemas.microsoft.com/office/mac/drawingml/2011/main" xmlns:a14="http://schemas.microsoft.com/office/drawing/2010/main" xmlns:m="http://schemas.openxmlformats.org/officeDocument/2006/math" xmlns="" val="1"/>
               </a:ext>
             </a:extLst>
           </p:spPr>
@@ -6035,7 +6035,7 @@
             <a:effectLst/>
             <a:extLst>
               <a:ext uri="{C572A759-6A51-4108-AA02-DFA0A04FC94B}">
-                <ma14:wrappingTextBoxFlag xmlns="" xmlns:m="http://schemas.openxmlformats.org/officeDocument/2006/math" xmlns:a14="http://schemas.microsoft.com/office/drawing/2010/main" xmlns:ma14="http://schemas.microsoft.com/office/mac/drawingml/2011/main" val="1"/>
+                <ma14:wrappingTextBoxFlag xmlns:ma14="http://schemas.microsoft.com/office/mac/drawingml/2011/main" xmlns:a14="http://schemas.microsoft.com/office/drawing/2010/main" xmlns:m="http://schemas.openxmlformats.org/officeDocument/2006/math" xmlns="" val="1"/>
               </a:ext>
             </a:extLst>
           </p:spPr>
@@ -6138,7 +6138,7 @@
             <a:effectLst/>
             <a:extLst>
               <a:ext uri="{C572A759-6A51-4108-AA02-DFA0A04FC94B}">
-                <ma14:wrappingTextBoxFlag xmlns="" xmlns:m="http://schemas.openxmlformats.org/officeDocument/2006/math" xmlns:a14="http://schemas.microsoft.com/office/drawing/2010/main" xmlns:ma14="http://schemas.microsoft.com/office/mac/drawingml/2011/main" val="1"/>
+                <ma14:wrappingTextBoxFlag xmlns:ma14="http://schemas.microsoft.com/office/mac/drawingml/2011/main" xmlns:a14="http://schemas.microsoft.com/office/drawing/2010/main" xmlns:m="http://schemas.openxmlformats.org/officeDocument/2006/math" xmlns="" val="1"/>
               </a:ext>
             </a:extLst>
           </p:spPr>
@@ -6188,7 +6188,7 @@
             <a:effectLst/>
             <a:extLst>
               <a:ext uri="{C572A759-6A51-4108-AA02-DFA0A04FC94B}">
-                <ma14:wrappingTextBoxFlag xmlns="" xmlns:m="http://schemas.openxmlformats.org/officeDocument/2006/math" xmlns:a14="http://schemas.microsoft.com/office/drawing/2010/main" xmlns:ma14="http://schemas.microsoft.com/office/mac/drawingml/2011/main" val="1"/>
+                <ma14:wrappingTextBoxFlag xmlns:ma14="http://schemas.microsoft.com/office/mac/drawingml/2011/main" xmlns:a14="http://schemas.microsoft.com/office/drawing/2010/main" xmlns:m="http://schemas.openxmlformats.org/officeDocument/2006/math" xmlns="" val="1"/>
               </a:ext>
             </a:extLst>
           </p:spPr>
@@ -6291,7 +6291,7 @@
             <a:effectLst/>
             <a:extLst>
               <a:ext uri="{C572A759-6A51-4108-AA02-DFA0A04FC94B}">
-                <ma14:wrappingTextBoxFlag xmlns="" xmlns:m="http://schemas.openxmlformats.org/officeDocument/2006/math" xmlns:a14="http://schemas.microsoft.com/office/drawing/2010/main" xmlns:ma14="http://schemas.microsoft.com/office/mac/drawingml/2011/main" val="1"/>
+                <ma14:wrappingTextBoxFlag xmlns:ma14="http://schemas.microsoft.com/office/mac/drawingml/2011/main" xmlns:a14="http://schemas.microsoft.com/office/drawing/2010/main" xmlns:m="http://schemas.openxmlformats.org/officeDocument/2006/math" xmlns="" val="1"/>
               </a:ext>
             </a:extLst>
           </p:spPr>
@@ -6340,7 +6340,7 @@
             <a:effectLst/>
             <a:extLst>
               <a:ext uri="{C572A759-6A51-4108-AA02-DFA0A04FC94B}">
-                <ma14:wrappingTextBoxFlag xmlns="" xmlns:m="http://schemas.openxmlformats.org/officeDocument/2006/math" xmlns:a14="http://schemas.microsoft.com/office/drawing/2010/main" xmlns:ma14="http://schemas.microsoft.com/office/mac/drawingml/2011/main" val="1"/>
+                <ma14:wrappingTextBoxFlag xmlns:ma14="http://schemas.microsoft.com/office/mac/drawingml/2011/main" xmlns:a14="http://schemas.microsoft.com/office/drawing/2010/main" xmlns:m="http://schemas.openxmlformats.org/officeDocument/2006/math" xmlns="" val="1"/>
               </a:ext>
             </a:extLst>
           </p:spPr>
@@ -6601,7 +6601,7 @@
             <a:effectLst/>
             <a:extLst>
               <a:ext uri="{C572A759-6A51-4108-AA02-DFA0A04FC94B}">
-                <ma14:wrappingTextBoxFlag xmlns="" xmlns:m="http://schemas.openxmlformats.org/officeDocument/2006/math" xmlns:a14="http://schemas.microsoft.com/office/drawing/2010/main" xmlns:ma14="http://schemas.microsoft.com/office/mac/drawingml/2011/main" val="1"/>
+                <ma14:wrappingTextBoxFlag xmlns:ma14="http://schemas.microsoft.com/office/mac/drawingml/2011/main" xmlns:a14="http://schemas.microsoft.com/office/drawing/2010/main" xmlns:m="http://schemas.openxmlformats.org/officeDocument/2006/math" xmlns="" val="1"/>
               </a:ext>
             </a:extLst>
           </p:spPr>
@@ -6744,7 +6744,7 @@
             <a:effectLst/>
             <a:extLst>
               <a:ext uri="{C572A759-6A51-4108-AA02-DFA0A04FC94B}">
-                <ma14:wrappingTextBoxFlag xmlns="" xmlns:m="http://schemas.openxmlformats.org/officeDocument/2006/math" xmlns:a14="http://schemas.microsoft.com/office/drawing/2010/main" xmlns:ma14="http://schemas.microsoft.com/office/mac/drawingml/2011/main" val="1"/>
+                <ma14:wrappingTextBoxFlag xmlns:ma14="http://schemas.microsoft.com/office/mac/drawingml/2011/main" xmlns:a14="http://schemas.microsoft.com/office/drawing/2010/main" xmlns:m="http://schemas.openxmlformats.org/officeDocument/2006/math" xmlns="" val="1"/>
               </a:ext>
             </a:extLst>
           </p:spPr>
@@ -6872,7 +6872,7 @@
               <a:effectLst/>
               <a:extLst>
                 <a:ext uri="{C572A759-6A51-4108-AA02-DFA0A04FC94B}">
-                  <ma14:wrappingTextBoxFlag xmlns="" xmlns:m="http://schemas.openxmlformats.org/officeDocument/2006/math" xmlns:a14="http://schemas.microsoft.com/office/drawing/2010/main" xmlns:ma14="http://schemas.microsoft.com/office/mac/drawingml/2011/main" val="1"/>
+                  <ma14:wrappingTextBoxFlag xmlns:ma14="http://schemas.microsoft.com/office/mac/drawingml/2011/main" xmlns:a14="http://schemas.microsoft.com/office/drawing/2010/main" xmlns:m="http://schemas.openxmlformats.org/officeDocument/2006/math" xmlns="" val="1"/>
                 </a:ext>
               </a:extLst>
             </p:spPr>
@@ -6984,7 +6984,7 @@
               <a:effectLst/>
               <a:extLst>
                 <a:ext uri="{C572A759-6A51-4108-AA02-DFA0A04FC94B}">
-                  <ma14:wrappingTextBoxFlag xmlns="" xmlns:m="http://schemas.openxmlformats.org/officeDocument/2006/math" xmlns:a14="http://schemas.microsoft.com/office/drawing/2010/main" xmlns:ma14="http://schemas.microsoft.com/office/mac/drawingml/2011/main" val="1"/>
+                  <ma14:wrappingTextBoxFlag xmlns:ma14="http://schemas.microsoft.com/office/mac/drawingml/2011/main" xmlns:a14="http://schemas.microsoft.com/office/drawing/2010/main" xmlns:m="http://schemas.openxmlformats.org/officeDocument/2006/math" xmlns="" val="1"/>
                 </a:ext>
               </a:extLst>
             </p:spPr>
@@ -7036,7 +7036,7 @@
             <a:effectLst/>
             <a:extLst>
               <a:ext uri="{C572A759-6A51-4108-AA02-DFA0A04FC94B}">
-                <ma14:wrappingTextBoxFlag xmlns="" xmlns:m="http://schemas.openxmlformats.org/officeDocument/2006/math" xmlns:a14="http://schemas.microsoft.com/office/drawing/2010/main" xmlns:ma14="http://schemas.microsoft.com/office/mac/drawingml/2011/main" val="1"/>
+                <ma14:wrappingTextBoxFlag xmlns:ma14="http://schemas.microsoft.com/office/mac/drawingml/2011/main" xmlns:a14="http://schemas.microsoft.com/office/drawing/2010/main" xmlns:m="http://schemas.openxmlformats.org/officeDocument/2006/math" xmlns="" val="1"/>
               </a:ext>
             </a:extLst>
           </p:spPr>
@@ -7079,9 +7079,9 @@
         <p:grpSpPr>
           <a:xfrm>
             <a:off x="4623808" y="2427786"/>
-            <a:ext cx="2907466" cy="280048"/>
+            <a:ext cx="3537698" cy="280048"/>
             <a:chOff x="0" y="0"/>
-            <a:chExt cx="2907465" cy="280047"/>
+            <a:chExt cx="3537697" cy="280047"/>
           </a:xfrm>
         </p:grpSpPr>
         <p:sp>
@@ -7143,7 +7143,7 @@
           <p:spPr>
             <a:xfrm>
               <a:off x="803175" y="3051"/>
-              <a:ext cx="2104290" cy="276996"/>
+              <a:ext cx="2734522" cy="276996"/>
             </a:xfrm>
             <a:prstGeom prst="rect">
               <a:avLst/>
@@ -7158,7 +7158,7 @@
             <a:effectLst/>
             <a:extLst>
               <a:ext uri="{C572A759-6A51-4108-AA02-DFA0A04FC94B}">
-                <ma14:wrappingTextBoxFlag xmlns="" xmlns:m="http://schemas.openxmlformats.org/officeDocument/2006/math" xmlns:a14="http://schemas.microsoft.com/office/drawing/2010/main" xmlns:ma14="http://schemas.microsoft.com/office/mac/drawingml/2011/main" val="1"/>
+                <ma14:wrappingTextBoxFlag xmlns:ma14="http://schemas.microsoft.com/office/mac/drawingml/2011/main" xmlns:a14="http://schemas.microsoft.com/office/drawing/2010/main" xmlns:m="http://schemas.openxmlformats.org/officeDocument/2006/math" xmlns="" val="1"/>
               </a:ext>
             </a:extLst>
           </p:spPr>
@@ -7182,16 +7182,33 @@
             <a:p>
               <a:r>
                 <a:rPr dirty="0"/>
-                <a:t>Modo </a:t>
+                <a:t>“strict mode”</a:t>
               </a:r>
               <a:r>
-                <a:rPr dirty="0" err="1"/>
-                <a:t>estricto</a:t>
+                <a:rPr lang="es-ES" dirty="0"/>
+                <a:t>, </a:t>
               </a:r>
               <a:r>
-                <a:rPr dirty="0"/>
-                <a:t>, “strict mode”</a:t>
+                <a:rPr lang="es-ES" dirty="0" err="1"/>
+                <a:t>map</a:t>
               </a:r>
+              <a:r>
+                <a:rPr lang="es-ES" dirty="0"/>
+                <a:t>, </a:t>
+              </a:r>
+              <a:r>
+                <a:rPr lang="es-ES" dirty="0" err="1"/>
+                <a:t>filter</a:t>
+              </a:r>
+              <a:r>
+                <a:rPr lang="es-ES" dirty="0"/>
+                <a:t>, reduce, </a:t>
+              </a:r>
+              <a:r>
+                <a:rPr lang="es-ES" dirty="0" err="1"/>
+                <a:t>etc</a:t>
+              </a:r>
+              <a:endParaRPr dirty="0"/>
             </a:p>
           </p:txBody>
         </p:sp>
@@ -7217,7 +7234,7 @@
             <a:effectLst/>
             <a:extLst>
               <a:ext uri="{C572A759-6A51-4108-AA02-DFA0A04FC94B}">
-                <ma14:wrappingTextBoxFlag xmlns="" xmlns:m="http://schemas.openxmlformats.org/officeDocument/2006/math" xmlns:a14="http://schemas.microsoft.com/office/drawing/2010/main" xmlns:ma14="http://schemas.microsoft.com/office/mac/drawingml/2011/main" val="1"/>
+                <ma14:wrappingTextBoxFlag xmlns:ma14="http://schemas.microsoft.com/office/mac/drawingml/2011/main" xmlns:a14="http://schemas.microsoft.com/office/drawing/2010/main" xmlns:m="http://schemas.openxmlformats.org/officeDocument/2006/math" xmlns="" val="1"/>
               </a:ext>
             </a:extLst>
           </p:spPr>
@@ -7339,7 +7356,7 @@
             <a:effectLst/>
             <a:extLst>
               <a:ext uri="{C572A759-6A51-4108-AA02-DFA0A04FC94B}">
-                <ma14:wrappingTextBoxFlag xmlns="" xmlns:m="http://schemas.openxmlformats.org/officeDocument/2006/math" xmlns:a14="http://schemas.microsoft.com/office/drawing/2010/main" xmlns:ma14="http://schemas.microsoft.com/office/mac/drawingml/2011/main" val="1"/>
+                <ma14:wrappingTextBoxFlag xmlns:ma14="http://schemas.microsoft.com/office/mac/drawingml/2011/main" xmlns:a14="http://schemas.microsoft.com/office/drawing/2010/main" xmlns:m="http://schemas.openxmlformats.org/officeDocument/2006/math" xmlns="" val="1"/>
               </a:ext>
             </a:extLst>
           </p:spPr>
@@ -7395,7 +7412,7 @@
             <a:effectLst/>
             <a:extLst>
               <a:ext uri="{C572A759-6A51-4108-AA02-DFA0A04FC94B}">
-                <ma14:wrappingTextBoxFlag xmlns="" xmlns:m="http://schemas.openxmlformats.org/officeDocument/2006/math" xmlns:a14="http://schemas.microsoft.com/office/drawing/2010/main" xmlns:ma14="http://schemas.microsoft.com/office/mac/drawingml/2011/main" val="1"/>
+                <ma14:wrappingTextBoxFlag xmlns:ma14="http://schemas.microsoft.com/office/mac/drawingml/2011/main" xmlns:a14="http://schemas.microsoft.com/office/drawing/2010/main" xmlns:m="http://schemas.openxmlformats.org/officeDocument/2006/math" xmlns="" val="1"/>
               </a:ext>
             </a:extLst>
           </p:spPr>
@@ -7517,7 +7534,7 @@
             <a:effectLst/>
             <a:extLst>
               <a:ext uri="{C572A759-6A51-4108-AA02-DFA0A04FC94B}">
-                <ma14:wrappingTextBoxFlag xmlns="" xmlns:m="http://schemas.openxmlformats.org/officeDocument/2006/math" xmlns:a14="http://schemas.microsoft.com/office/drawing/2010/main" xmlns:ma14="http://schemas.microsoft.com/office/mac/drawingml/2011/main" val="1"/>
+                <ma14:wrappingTextBoxFlag xmlns:ma14="http://schemas.microsoft.com/office/mac/drawingml/2011/main" xmlns:a14="http://schemas.microsoft.com/office/drawing/2010/main" xmlns:m="http://schemas.openxmlformats.org/officeDocument/2006/math" xmlns="" val="1"/>
               </a:ext>
             </a:extLst>
           </p:spPr>
@@ -7568,7 +7585,7 @@
             <a:effectLst/>
             <a:extLst>
               <a:ext uri="{C572A759-6A51-4108-AA02-DFA0A04FC94B}">
-                <ma14:wrappingTextBoxFlag xmlns="" xmlns:m="http://schemas.openxmlformats.org/officeDocument/2006/math" xmlns:a14="http://schemas.microsoft.com/office/drawing/2010/main" xmlns:ma14="http://schemas.microsoft.com/office/mac/drawingml/2011/main" val="1"/>
+                <ma14:wrappingTextBoxFlag xmlns:ma14="http://schemas.microsoft.com/office/mac/drawingml/2011/main" xmlns:a14="http://schemas.microsoft.com/office/drawing/2010/main" xmlns:m="http://schemas.openxmlformats.org/officeDocument/2006/math" xmlns="" val="1"/>
               </a:ext>
             </a:extLst>
           </p:spPr>
@@ -7694,7 +7711,7 @@
             <a:effectLst/>
             <a:extLst>
               <a:ext uri="{C572A759-6A51-4108-AA02-DFA0A04FC94B}">
-                <ma14:wrappingTextBoxFlag xmlns="" xmlns:m="http://schemas.openxmlformats.org/officeDocument/2006/math" xmlns:a14="http://schemas.microsoft.com/office/drawing/2010/main" xmlns:ma14="http://schemas.microsoft.com/office/mac/drawingml/2011/main" val="1"/>
+                <ma14:wrappingTextBoxFlag xmlns:ma14="http://schemas.microsoft.com/office/mac/drawingml/2011/main" xmlns:a14="http://schemas.microsoft.com/office/drawing/2010/main" xmlns:m="http://schemas.openxmlformats.org/officeDocument/2006/math" xmlns="" val="1"/>
               </a:ext>
             </a:extLst>
           </p:spPr>
@@ -7750,7 +7767,7 @@
             <a:effectLst/>
             <a:extLst>
               <a:ext uri="{C572A759-6A51-4108-AA02-DFA0A04FC94B}">
-                <ma14:wrappingTextBoxFlag xmlns="" xmlns:m="http://schemas.openxmlformats.org/officeDocument/2006/math" xmlns:a14="http://schemas.microsoft.com/office/drawing/2010/main" xmlns:ma14="http://schemas.microsoft.com/office/mac/drawingml/2011/main" val="1"/>
+                <ma14:wrappingTextBoxFlag xmlns:ma14="http://schemas.microsoft.com/office/mac/drawingml/2011/main" xmlns:a14="http://schemas.microsoft.com/office/drawing/2010/main" xmlns:m="http://schemas.openxmlformats.org/officeDocument/2006/math" xmlns="" val="1"/>
               </a:ext>
             </a:extLst>
           </p:spPr>
@@ -7872,7 +7889,7 @@
             <a:effectLst/>
             <a:extLst>
               <a:ext uri="{C572A759-6A51-4108-AA02-DFA0A04FC94B}">
-                <ma14:wrappingTextBoxFlag xmlns="" xmlns:m="http://schemas.openxmlformats.org/officeDocument/2006/math" xmlns:a14="http://schemas.microsoft.com/office/drawing/2010/main" xmlns:ma14="http://schemas.microsoft.com/office/mac/drawingml/2011/main" val="1"/>
+                <ma14:wrappingTextBoxFlag xmlns:ma14="http://schemas.microsoft.com/office/mac/drawingml/2011/main" xmlns:a14="http://schemas.microsoft.com/office/drawing/2010/main" xmlns:m="http://schemas.openxmlformats.org/officeDocument/2006/math" xmlns="" val="1"/>
               </a:ext>
             </a:extLst>
           </p:spPr>
@@ -7995,7 +8012,7 @@
               <a:effectLst/>
               <a:extLst>
                 <a:ext uri="{C572A759-6A51-4108-AA02-DFA0A04FC94B}">
-                  <ma14:wrappingTextBoxFlag xmlns="" xmlns:m="http://schemas.openxmlformats.org/officeDocument/2006/math" xmlns:a14="http://schemas.microsoft.com/office/drawing/2010/main" xmlns:ma14="http://schemas.microsoft.com/office/mac/drawingml/2011/main" val="1"/>
+                  <ma14:wrappingTextBoxFlag xmlns:ma14="http://schemas.microsoft.com/office/mac/drawingml/2011/main" xmlns:a14="http://schemas.microsoft.com/office/drawing/2010/main" xmlns:m="http://schemas.openxmlformats.org/officeDocument/2006/math" xmlns="" val="1"/>
                 </a:ext>
               </a:extLst>
             </p:spPr>
@@ -8107,7 +8124,7 @@
               <a:effectLst/>
               <a:extLst>
                 <a:ext uri="{C572A759-6A51-4108-AA02-DFA0A04FC94B}">
-                  <ma14:wrappingTextBoxFlag xmlns="" xmlns:m="http://schemas.openxmlformats.org/officeDocument/2006/math" xmlns:a14="http://schemas.microsoft.com/office/drawing/2010/main" xmlns:ma14="http://schemas.microsoft.com/office/mac/drawingml/2011/main" val="1"/>
+                  <ma14:wrappingTextBoxFlag xmlns:ma14="http://schemas.microsoft.com/office/mac/drawingml/2011/main" xmlns:a14="http://schemas.microsoft.com/office/drawing/2010/main" xmlns:m="http://schemas.openxmlformats.org/officeDocument/2006/math" xmlns="" val="1"/>
                 </a:ext>
               </a:extLst>
             </p:spPr>
@@ -8158,7 +8175,7 @@
             <a:effectLst/>
             <a:extLst>
               <a:ext uri="{C572A759-6A51-4108-AA02-DFA0A04FC94B}">
-                <ma14:wrappingTextBoxFlag xmlns="" xmlns:m="http://schemas.openxmlformats.org/officeDocument/2006/math" xmlns:a14="http://schemas.microsoft.com/office/drawing/2010/main" xmlns:ma14="http://schemas.microsoft.com/office/mac/drawingml/2011/main" val="1"/>
+                <ma14:wrappingTextBoxFlag xmlns:ma14="http://schemas.microsoft.com/office/mac/drawingml/2011/main" xmlns:a14="http://schemas.microsoft.com/office/drawing/2010/main" xmlns:m="http://schemas.openxmlformats.org/officeDocument/2006/math" xmlns="" val="1"/>
               </a:ext>
             </a:extLst>
           </p:spPr>
@@ -8280,7 +8297,7 @@
             <a:effectLst/>
             <a:extLst>
               <a:ext uri="{C572A759-6A51-4108-AA02-DFA0A04FC94B}">
-                <ma14:wrappingTextBoxFlag xmlns="" xmlns:m="http://schemas.openxmlformats.org/officeDocument/2006/math" xmlns:a14="http://schemas.microsoft.com/office/drawing/2010/main" xmlns:ma14="http://schemas.microsoft.com/office/mac/drawingml/2011/main" val="1"/>
+                <ma14:wrappingTextBoxFlag xmlns:ma14="http://schemas.microsoft.com/office/mac/drawingml/2011/main" xmlns:a14="http://schemas.microsoft.com/office/drawing/2010/main" xmlns:m="http://schemas.openxmlformats.org/officeDocument/2006/math" xmlns="" val="1"/>
               </a:ext>
             </a:extLst>
           </p:spPr>
@@ -8391,7 +8408,7 @@
               <a:effectLst/>
               <a:extLst>
                 <a:ext uri="{C572A759-6A51-4108-AA02-DFA0A04FC94B}">
-                  <ma14:wrappingTextBoxFlag xmlns="" xmlns:m="http://schemas.openxmlformats.org/officeDocument/2006/math" xmlns:a14="http://schemas.microsoft.com/office/drawing/2010/main" xmlns:ma14="http://schemas.microsoft.com/office/mac/drawingml/2011/main" val="1"/>
+                  <ma14:wrappingTextBoxFlag xmlns:ma14="http://schemas.microsoft.com/office/mac/drawingml/2011/main" xmlns:a14="http://schemas.microsoft.com/office/drawing/2010/main" xmlns:m="http://schemas.openxmlformats.org/officeDocument/2006/math" xmlns="" val="1"/>
                 </a:ext>
               </a:extLst>
             </p:spPr>
@@ -8502,7 +8519,7 @@
               <a:effectLst/>
               <a:extLst>
                 <a:ext uri="{C572A759-6A51-4108-AA02-DFA0A04FC94B}">
-                  <ma14:wrappingTextBoxFlag xmlns="" xmlns:m="http://schemas.openxmlformats.org/officeDocument/2006/math" xmlns:a14="http://schemas.microsoft.com/office/drawing/2010/main" xmlns:ma14="http://schemas.microsoft.com/office/mac/drawingml/2011/main" val="1"/>
+                  <ma14:wrappingTextBoxFlag xmlns:ma14="http://schemas.microsoft.com/office/mac/drawingml/2011/main" xmlns:a14="http://schemas.microsoft.com/office/drawing/2010/main" xmlns:m="http://schemas.openxmlformats.org/officeDocument/2006/math" xmlns="" val="1"/>
                 </a:ext>
               </a:extLst>
             </p:spPr>
@@ -8553,7 +8570,7 @@
             <a:effectLst/>
             <a:extLst>
               <a:ext uri="{C572A759-6A51-4108-AA02-DFA0A04FC94B}">
-                <ma14:wrappingTextBoxFlag xmlns="" xmlns:m="http://schemas.openxmlformats.org/officeDocument/2006/math" xmlns:a14="http://schemas.microsoft.com/office/drawing/2010/main" xmlns:ma14="http://schemas.microsoft.com/office/mac/drawingml/2011/main" val="1"/>
+                <ma14:wrappingTextBoxFlag xmlns:ma14="http://schemas.microsoft.com/office/mac/drawingml/2011/main" xmlns:a14="http://schemas.microsoft.com/office/drawing/2010/main" xmlns:m="http://schemas.openxmlformats.org/officeDocument/2006/math" xmlns="" val="1"/>
               </a:ext>
             </a:extLst>
           </p:spPr>
@@ -8675,7 +8692,7 @@
             <a:effectLst/>
             <a:extLst>
               <a:ext uri="{C572A759-6A51-4108-AA02-DFA0A04FC94B}">
-                <ma14:wrappingTextBoxFlag xmlns="" xmlns:m="http://schemas.openxmlformats.org/officeDocument/2006/math" xmlns:a14="http://schemas.microsoft.com/office/drawing/2010/main" xmlns:ma14="http://schemas.microsoft.com/office/mac/drawingml/2011/main" val="1"/>
+                <ma14:wrappingTextBoxFlag xmlns:ma14="http://schemas.microsoft.com/office/mac/drawingml/2011/main" xmlns:a14="http://schemas.microsoft.com/office/drawing/2010/main" xmlns:m="http://schemas.openxmlformats.org/officeDocument/2006/math" xmlns="" val="1"/>
               </a:ext>
             </a:extLst>
           </p:spPr>
@@ -8799,7 +8816,7 @@
               <a:effectLst/>
               <a:extLst>
                 <a:ext uri="{C572A759-6A51-4108-AA02-DFA0A04FC94B}">
-                  <ma14:wrappingTextBoxFlag xmlns="" xmlns:m="http://schemas.openxmlformats.org/officeDocument/2006/math" xmlns:a14="http://schemas.microsoft.com/office/drawing/2010/main" xmlns:ma14="http://schemas.microsoft.com/office/mac/drawingml/2011/main" val="1"/>
+                  <ma14:wrappingTextBoxFlag xmlns:ma14="http://schemas.microsoft.com/office/mac/drawingml/2011/main" xmlns:a14="http://schemas.microsoft.com/office/drawing/2010/main" xmlns:m="http://schemas.openxmlformats.org/officeDocument/2006/math" xmlns="" val="1"/>
                 </a:ext>
               </a:extLst>
             </p:spPr>
@@ -8910,7 +8927,7 @@
               <a:effectLst/>
               <a:extLst>
                 <a:ext uri="{C572A759-6A51-4108-AA02-DFA0A04FC94B}">
-                  <ma14:wrappingTextBoxFlag xmlns="" xmlns:m="http://schemas.openxmlformats.org/officeDocument/2006/math" xmlns:a14="http://schemas.microsoft.com/office/drawing/2010/main" xmlns:ma14="http://schemas.microsoft.com/office/mac/drawingml/2011/main" val="1"/>
+                  <ma14:wrappingTextBoxFlag xmlns:ma14="http://schemas.microsoft.com/office/mac/drawingml/2011/main" xmlns:a14="http://schemas.microsoft.com/office/drawing/2010/main" xmlns:m="http://schemas.openxmlformats.org/officeDocument/2006/math" xmlns="" val="1"/>
                 </a:ext>
               </a:extLst>
             </p:spPr>
@@ -8961,7 +8978,7 @@
             <a:effectLst/>
             <a:extLst>
               <a:ext uri="{C572A759-6A51-4108-AA02-DFA0A04FC94B}">
-                <ma14:wrappingTextBoxFlag xmlns="" xmlns:m="http://schemas.openxmlformats.org/officeDocument/2006/math" xmlns:a14="http://schemas.microsoft.com/office/drawing/2010/main" xmlns:ma14="http://schemas.microsoft.com/office/mac/drawingml/2011/main" val="1"/>
+                <ma14:wrappingTextBoxFlag xmlns:ma14="http://schemas.microsoft.com/office/mac/drawingml/2011/main" xmlns:a14="http://schemas.microsoft.com/office/drawing/2010/main" xmlns:m="http://schemas.openxmlformats.org/officeDocument/2006/math" xmlns="" val="1"/>
               </a:ext>
             </a:extLst>
           </p:spPr>
@@ -9014,7 +9031,7 @@
           </a:ln>
           <a:extLst>
             <a:ext uri="{C572A759-6A51-4108-AA02-DFA0A04FC94B}">
-              <ma14:wrappingTextBoxFlag xmlns="" xmlns:m="http://schemas.openxmlformats.org/officeDocument/2006/math" xmlns:a14="http://schemas.microsoft.com/office/drawing/2010/main" xmlns:ma14="http://schemas.microsoft.com/office/mac/drawingml/2011/main" val="1"/>
+              <ma14:wrappingTextBoxFlag xmlns:ma14="http://schemas.microsoft.com/office/mac/drawingml/2011/main" xmlns:a14="http://schemas.microsoft.com/office/drawing/2010/main" xmlns:m="http://schemas.openxmlformats.org/officeDocument/2006/math" xmlns="" val="1"/>
             </a:ext>
           </a:extLst>
         </p:spPr>
@@ -9171,7 +9188,7 @@
           </a:ln>
           <a:extLst>
             <a:ext uri="{C572A759-6A51-4108-AA02-DFA0A04FC94B}">
-              <ma14:wrappingTextBoxFlag xmlns="" xmlns:m="http://schemas.openxmlformats.org/officeDocument/2006/math" xmlns:a14="http://schemas.microsoft.com/office/drawing/2010/main" xmlns:ma14="http://schemas.microsoft.com/office/mac/drawingml/2011/main" val="1"/>
+              <ma14:wrappingTextBoxFlag xmlns:ma14="http://schemas.microsoft.com/office/mac/drawingml/2011/main" xmlns:a14="http://schemas.microsoft.com/office/drawing/2010/main" xmlns:m="http://schemas.openxmlformats.org/officeDocument/2006/math" xmlns="" val="1"/>
             </a:ext>
           </a:extLst>
         </p:spPr>
@@ -9243,7 +9260,7 @@
           </a:ln>
           <a:extLst>
             <a:ext uri="{C572A759-6A51-4108-AA02-DFA0A04FC94B}">
-              <ma14:wrappingTextBoxFlag xmlns="" xmlns:m="http://schemas.openxmlformats.org/officeDocument/2006/math" xmlns:a14="http://schemas.microsoft.com/office/drawing/2010/main" xmlns:ma14="http://schemas.microsoft.com/office/mac/drawingml/2011/main" val="1"/>
+              <ma14:wrappingTextBoxFlag xmlns:ma14="http://schemas.microsoft.com/office/mac/drawingml/2011/main" xmlns:a14="http://schemas.microsoft.com/office/drawing/2010/main" xmlns:m="http://schemas.openxmlformats.org/officeDocument/2006/math" xmlns="" val="1"/>
             </a:ext>
           </a:extLst>
         </p:spPr>
@@ -9315,7 +9332,7 @@
           </a:ln>
           <a:extLst>
             <a:ext uri="{C572A759-6A51-4108-AA02-DFA0A04FC94B}">
-              <ma14:wrappingTextBoxFlag xmlns="" xmlns:m="http://schemas.openxmlformats.org/officeDocument/2006/math" xmlns:a14="http://schemas.microsoft.com/office/drawing/2010/main" xmlns:ma14="http://schemas.microsoft.com/office/mac/drawingml/2011/main" val="1"/>
+              <ma14:wrappingTextBoxFlag xmlns:ma14="http://schemas.microsoft.com/office/mac/drawingml/2011/main" xmlns:a14="http://schemas.microsoft.com/office/drawing/2010/main" xmlns:m="http://schemas.openxmlformats.org/officeDocument/2006/math" xmlns="" val="1"/>
             </a:ext>
           </a:extLst>
         </p:spPr>
@@ -9500,7 +9517,7 @@
           </a:ln>
           <a:extLst>
             <a:ext uri="{C572A759-6A51-4108-AA02-DFA0A04FC94B}">
-              <ma14:wrappingTextBoxFlag xmlns="" xmlns:m="http://schemas.openxmlformats.org/officeDocument/2006/math" xmlns:a14="http://schemas.microsoft.com/office/drawing/2010/main" xmlns:ma14="http://schemas.microsoft.com/office/mac/drawingml/2011/main" val="1"/>
+              <ma14:wrappingTextBoxFlag xmlns:ma14="http://schemas.microsoft.com/office/mac/drawingml/2011/main" xmlns:a14="http://schemas.microsoft.com/office/drawing/2010/main" xmlns:m="http://schemas.openxmlformats.org/officeDocument/2006/math" xmlns="" val="1"/>
             </a:ext>
           </a:extLst>
         </p:spPr>
@@ -9590,7 +9607,7 @@
           </a:ln>
           <a:extLst>
             <a:ext uri="{C572A759-6A51-4108-AA02-DFA0A04FC94B}">
-              <ma14:wrappingTextBoxFlag xmlns="" xmlns:m="http://schemas.openxmlformats.org/officeDocument/2006/math" xmlns:a14="http://schemas.microsoft.com/office/drawing/2010/main" xmlns:ma14="http://schemas.microsoft.com/office/mac/drawingml/2011/main" val="1"/>
+              <ma14:wrappingTextBoxFlag xmlns:ma14="http://schemas.microsoft.com/office/mac/drawingml/2011/main" xmlns:a14="http://schemas.microsoft.com/office/drawing/2010/main" xmlns:m="http://schemas.openxmlformats.org/officeDocument/2006/math" xmlns="" val="1"/>
             </a:ext>
           </a:extLst>
         </p:spPr>
@@ -9639,7 +9656,7 @@
           </a:ln>
           <a:extLst>
             <a:ext uri="{C572A759-6A51-4108-AA02-DFA0A04FC94B}">
-              <ma14:wrappingTextBoxFlag xmlns="" xmlns:m="http://schemas.openxmlformats.org/officeDocument/2006/math" xmlns:a14="http://schemas.microsoft.com/office/drawing/2010/main" xmlns:ma14="http://schemas.microsoft.com/office/mac/drawingml/2011/main" val="1"/>
+              <ma14:wrappingTextBoxFlag xmlns:ma14="http://schemas.microsoft.com/office/mac/drawingml/2011/main" xmlns:a14="http://schemas.microsoft.com/office/drawing/2010/main" xmlns:m="http://schemas.openxmlformats.org/officeDocument/2006/math" xmlns="" val="1"/>
             </a:ext>
           </a:extLst>
         </p:spPr>
@@ -9688,7 +9705,7 @@
           </a:ln>
           <a:extLst>
             <a:ext uri="{C572A759-6A51-4108-AA02-DFA0A04FC94B}">
-              <ma14:wrappingTextBoxFlag xmlns="" xmlns:m="http://schemas.openxmlformats.org/officeDocument/2006/math" xmlns:a14="http://schemas.microsoft.com/office/drawing/2010/main" xmlns:ma14="http://schemas.microsoft.com/office/mac/drawingml/2011/main" val="1"/>
+              <ma14:wrappingTextBoxFlag xmlns:ma14="http://schemas.microsoft.com/office/mac/drawingml/2011/main" xmlns:a14="http://schemas.microsoft.com/office/drawing/2010/main" xmlns:m="http://schemas.openxmlformats.org/officeDocument/2006/math" xmlns="" val="1"/>
             </a:ext>
           </a:extLst>
         </p:spPr>
@@ -9743,7 +9760,7 @@
           </a:ln>
           <a:extLst>
             <a:ext uri="{C572A759-6A51-4108-AA02-DFA0A04FC94B}">
-              <ma14:wrappingTextBoxFlag xmlns="" xmlns:m="http://schemas.openxmlformats.org/officeDocument/2006/math" xmlns:a14="http://schemas.microsoft.com/office/drawing/2010/main" xmlns:ma14="http://schemas.microsoft.com/office/mac/drawingml/2011/main" val="1"/>
+              <ma14:wrappingTextBoxFlag xmlns:ma14="http://schemas.microsoft.com/office/mac/drawingml/2011/main" xmlns:a14="http://schemas.microsoft.com/office/drawing/2010/main" xmlns:m="http://schemas.openxmlformats.org/officeDocument/2006/math" xmlns="" val="1"/>
             </a:ext>
           </a:extLst>
         </p:spPr>
@@ -9895,9 +9912,9 @@
         <p:grpSpPr>
           <a:xfrm>
             <a:off x="4619194" y="2839470"/>
-            <a:ext cx="3128888" cy="280048"/>
+            <a:ext cx="2753393" cy="280048"/>
             <a:chOff x="137" y="0"/>
-            <a:chExt cx="3128887" cy="280047"/>
+            <a:chExt cx="2753392" cy="280047"/>
           </a:xfrm>
         </p:grpSpPr>
         <p:sp>
@@ -9971,7 +9988,7 @@
           <p:spPr>
             <a:xfrm>
               <a:off x="803175" y="3051"/>
-              <a:ext cx="2325849" cy="276996"/>
+              <a:ext cx="1950354" cy="276996"/>
             </a:xfrm>
             <a:prstGeom prst="rect">
               <a:avLst/>
@@ -9986,7 +10003,7 @@
             <a:effectLst/>
             <a:extLst>
               <a:ext uri="{C572A759-6A51-4108-AA02-DFA0A04FC94B}">
-                <ma14:wrappingTextBoxFlag xmlns="" xmlns:m="http://schemas.openxmlformats.org/officeDocument/2006/math" xmlns:a14="http://schemas.microsoft.com/office/drawing/2010/main" xmlns:ma14="http://schemas.microsoft.com/office/mac/drawingml/2011/main" val="1"/>
+                <ma14:wrappingTextBoxFlag xmlns:ma14="http://schemas.microsoft.com/office/mac/drawingml/2011/main" xmlns:a14="http://schemas.microsoft.com/office/drawing/2010/main" xmlns:m="http://schemas.openxmlformats.org/officeDocument/2006/math" xmlns="" val="1"/>
               </a:ext>
             </a:extLst>
           </p:spPr>
@@ -10009,32 +10026,12 @@
             </a:lstStyle>
             <a:p>
               <a:r>
-                <a:rPr lang="es-ES" dirty="0" err="1"/>
-                <a:t>Map</a:t>
-              </a:r>
-              <a:r>
                 <a:rPr lang="es-ES" dirty="0"/>
-                <a:t>, </a:t>
+                <a:t>Mantenimiento, </a:t>
               </a:r>
               <a:r>
                 <a:rPr lang="es-ES" dirty="0" err="1"/>
-                <a:t>filter</a:t>
-              </a:r>
-              <a:r>
-                <a:rPr lang="es-ES" dirty="0"/>
-                <a:t>, reduce, </a:t>
-              </a:r>
-              <a:r>
-                <a:rPr lang="es-ES" dirty="0" err="1"/>
-                <a:t>forEach</a:t>
-              </a:r>
-              <a:r>
-                <a:rPr lang="es-ES" dirty="0"/>
-                <a:t>, </a:t>
-              </a:r>
-              <a:r>
-                <a:rPr lang="es-ES" dirty="0" err="1"/>
-                <a:t>etc</a:t>
+                <a:t>bugfixing</a:t>
               </a:r>
               <a:endParaRPr dirty="0"/>
             </a:p>
@@ -10068,7 +10065,7 @@
             <a:effectLst/>
             <a:extLst>
               <a:ext uri="{C572A759-6A51-4108-AA02-DFA0A04FC94B}">
-                <ma14:wrappingTextBoxFlag xmlns="" xmlns:m="http://schemas.openxmlformats.org/officeDocument/2006/math" xmlns:a14="http://schemas.microsoft.com/office/drawing/2010/main" xmlns:ma14="http://schemas.microsoft.com/office/mac/drawingml/2011/main" val="1"/>
+                <ma14:wrappingTextBoxFlag xmlns:ma14="http://schemas.microsoft.com/office/mac/drawingml/2011/main" xmlns:a14="http://schemas.microsoft.com/office/drawing/2010/main" xmlns:m="http://schemas.openxmlformats.org/officeDocument/2006/math" xmlns="" val="1"/>
               </a:ext>
             </a:extLst>
           </p:spPr>
@@ -10552,7 +10549,7 @@
           <a:effectLst/>
           <a:extLst>
             <a:ext uri="{C572A759-6A51-4108-AA02-DFA0A04FC94B}">
-              <ma14:wrappingTextBoxFlag xmlns="" xmlns:m="http://schemas.openxmlformats.org/officeDocument/2006/math" xmlns:a14="http://schemas.microsoft.com/office/drawing/2010/main" xmlns:ma14="http://schemas.microsoft.com/office/mac/drawingml/2011/main" val="1"/>
+              <ma14:wrappingTextBoxFlag xmlns:ma14="http://schemas.microsoft.com/office/mac/drawingml/2011/main" xmlns:a14="http://schemas.microsoft.com/office/drawing/2010/main" xmlns:m="http://schemas.openxmlformats.org/officeDocument/2006/math" xmlns="" val="1"/>
             </a:ext>
           </a:extLst>
         </p:spPr>
@@ -10601,7 +10598,7 @@
           </a:ln>
           <a:extLst>
             <a:ext uri="{C572A759-6A51-4108-AA02-DFA0A04FC94B}">
-              <ma14:wrappingTextBoxFlag xmlns="" xmlns:m="http://schemas.openxmlformats.org/officeDocument/2006/math" xmlns:a14="http://schemas.microsoft.com/office/drawing/2010/main" xmlns:ma14="http://schemas.microsoft.com/office/mac/drawingml/2011/main" val="1"/>
+              <ma14:wrappingTextBoxFlag xmlns:ma14="http://schemas.microsoft.com/office/mac/drawingml/2011/main" xmlns:a14="http://schemas.microsoft.com/office/drawing/2010/main" xmlns:m="http://schemas.openxmlformats.org/officeDocument/2006/math" xmlns="" val="1"/>
             </a:ext>
           </a:extLst>
         </p:spPr>
@@ -10674,7 +10671,7 @@
           <a:effectLst/>
           <a:extLst>
             <a:ext uri="{C572A759-6A51-4108-AA02-DFA0A04FC94B}">
-              <ma14:wrappingTextBoxFlag xmlns="" xmlns:m="http://schemas.openxmlformats.org/officeDocument/2006/math" xmlns:a14="http://schemas.microsoft.com/office/drawing/2010/main" xmlns:ma14="http://schemas.microsoft.com/office/mac/drawingml/2011/main" val="1"/>
+              <ma14:wrappingTextBoxFlag xmlns:ma14="http://schemas.microsoft.com/office/mac/drawingml/2011/main" xmlns:a14="http://schemas.microsoft.com/office/drawing/2010/main" xmlns:m="http://schemas.openxmlformats.org/officeDocument/2006/math" xmlns="" val="1"/>
             </a:ext>
           </a:extLst>
         </p:spPr>
@@ -11008,7 +11005,7 @@
           </a:ln>
           <a:extLst>
             <a:ext uri="{C572A759-6A51-4108-AA02-DFA0A04FC94B}">
-              <ma14:wrappingTextBoxFlag xmlns="" xmlns:m="http://schemas.openxmlformats.org/officeDocument/2006/math" xmlns:a14="http://schemas.microsoft.com/office/drawing/2010/main" xmlns:ma14="http://schemas.microsoft.com/office/mac/drawingml/2011/main" val="1"/>
+              <ma14:wrappingTextBoxFlag xmlns:ma14="http://schemas.microsoft.com/office/mac/drawingml/2011/main" xmlns:a14="http://schemas.microsoft.com/office/drawing/2010/main" xmlns:m="http://schemas.openxmlformats.org/officeDocument/2006/math" xmlns="" val="1"/>
             </a:ext>
           </a:extLst>
         </p:spPr>
@@ -11305,7 +11302,7 @@
           </a:ln>
           <a:extLst>
             <a:ext uri="{C572A759-6A51-4108-AA02-DFA0A04FC94B}">
-              <ma14:wrappingTextBoxFlag xmlns="" xmlns:m="http://schemas.openxmlformats.org/officeDocument/2006/math" xmlns:a14="http://schemas.microsoft.com/office/drawing/2010/main" xmlns:ma14="http://schemas.microsoft.com/office/mac/drawingml/2011/main" val="1"/>
+              <ma14:wrappingTextBoxFlag xmlns:ma14="http://schemas.microsoft.com/office/mac/drawingml/2011/main" xmlns:a14="http://schemas.microsoft.com/office/drawing/2010/main" xmlns:m="http://schemas.openxmlformats.org/officeDocument/2006/math" xmlns="" val="1"/>
             </a:ext>
           </a:extLst>
         </p:spPr>
@@ -11839,7 +11836,7 @@
           </a:ln>
           <a:extLst>
             <a:ext uri="{C572A759-6A51-4108-AA02-DFA0A04FC94B}">
-              <ma14:wrappingTextBoxFlag xmlns="" xmlns:m="http://schemas.openxmlformats.org/officeDocument/2006/math" xmlns:a14="http://schemas.microsoft.com/office/drawing/2010/main" xmlns:ma14="http://schemas.microsoft.com/office/mac/drawingml/2011/main" val="1"/>
+              <ma14:wrappingTextBoxFlag xmlns:ma14="http://schemas.microsoft.com/office/mac/drawingml/2011/main" xmlns:a14="http://schemas.microsoft.com/office/drawing/2010/main" xmlns:m="http://schemas.openxmlformats.org/officeDocument/2006/math" xmlns="" val="1"/>
             </a:ext>
           </a:extLst>
         </p:spPr>
@@ -12112,7 +12109,7 @@
             <a:effectLst/>
             <a:extLst>
               <a:ext uri="{C572A759-6A51-4108-AA02-DFA0A04FC94B}">
-                <ma14:wrappingTextBoxFlag xmlns="" xmlns:m="http://schemas.openxmlformats.org/officeDocument/2006/math" xmlns:a14="http://schemas.microsoft.com/office/drawing/2010/main" xmlns:ma14="http://schemas.microsoft.com/office/mac/drawingml/2011/main" val="1"/>
+                <ma14:wrappingTextBoxFlag xmlns:ma14="http://schemas.microsoft.com/office/mac/drawingml/2011/main" xmlns:a14="http://schemas.microsoft.com/office/drawing/2010/main" xmlns:m="http://schemas.openxmlformats.org/officeDocument/2006/math" xmlns="" val="1"/>
               </a:ext>
             </a:extLst>
           </p:spPr>
@@ -12162,7 +12159,7 @@
             <a:effectLst/>
             <a:extLst>
               <a:ext uri="{C572A759-6A51-4108-AA02-DFA0A04FC94B}">
-                <ma14:wrappingTextBoxFlag xmlns="" xmlns:m="http://schemas.openxmlformats.org/officeDocument/2006/math" xmlns:a14="http://schemas.microsoft.com/office/drawing/2010/main" xmlns:ma14="http://schemas.microsoft.com/office/mac/drawingml/2011/main" val="1"/>
+                <ma14:wrappingTextBoxFlag xmlns:ma14="http://schemas.microsoft.com/office/mac/drawingml/2011/main" xmlns:a14="http://schemas.microsoft.com/office/drawing/2010/main" xmlns:m="http://schemas.openxmlformats.org/officeDocument/2006/math" xmlns="" val="1"/>
               </a:ext>
             </a:extLst>
           </p:spPr>
@@ -12212,7 +12209,7 @@
             <a:effectLst/>
             <a:extLst>
               <a:ext uri="{C572A759-6A51-4108-AA02-DFA0A04FC94B}">
-                <ma14:wrappingTextBoxFlag xmlns="" xmlns:m="http://schemas.openxmlformats.org/officeDocument/2006/math" xmlns:a14="http://schemas.microsoft.com/office/drawing/2010/main" xmlns:ma14="http://schemas.microsoft.com/office/mac/drawingml/2011/main" val="1"/>
+                <ma14:wrappingTextBoxFlag xmlns:ma14="http://schemas.microsoft.com/office/mac/drawingml/2011/main" xmlns:a14="http://schemas.microsoft.com/office/drawing/2010/main" xmlns:m="http://schemas.openxmlformats.org/officeDocument/2006/math" xmlns="" val="1"/>
               </a:ext>
             </a:extLst>
           </p:spPr>
@@ -12262,7 +12259,7 @@
             <a:effectLst/>
             <a:extLst>
               <a:ext uri="{C572A759-6A51-4108-AA02-DFA0A04FC94B}">
-                <ma14:wrappingTextBoxFlag xmlns="" xmlns:m="http://schemas.openxmlformats.org/officeDocument/2006/math" xmlns:a14="http://schemas.microsoft.com/office/drawing/2010/main" xmlns:ma14="http://schemas.microsoft.com/office/mac/drawingml/2011/main" val="1"/>
+                <ma14:wrappingTextBoxFlag xmlns:ma14="http://schemas.microsoft.com/office/mac/drawingml/2011/main" xmlns:a14="http://schemas.microsoft.com/office/drawing/2010/main" xmlns:m="http://schemas.openxmlformats.org/officeDocument/2006/math" xmlns="" val="1"/>
               </a:ext>
             </a:extLst>
           </p:spPr>

--- a/02-languages/01-teoria/01 Introducción a Javascript.pptx
+++ b/02-languages/01-teoria/01 Introducción a Javascript.pptx
@@ -2211,7 +2211,7 @@
           </a:ln>
           <a:extLst>
             <a:ext uri="{C572A759-6A51-4108-AA02-DFA0A04FC94B}">
-              <ma14:wrappingTextBoxFlag xmlns:ma14="http://schemas.microsoft.com/office/mac/drawingml/2011/main" xmlns:a14="http://schemas.microsoft.com/office/drawing/2010/main" xmlns:m="http://schemas.openxmlformats.org/officeDocument/2006/math" xmlns="" val="1"/>
+              <ma14:wrappingTextBoxFlag xmlns="" xmlns:m="http://schemas.openxmlformats.org/officeDocument/2006/math" xmlns:a14="http://schemas.microsoft.com/office/drawing/2010/main" xmlns:ma14="http://schemas.microsoft.com/office/mac/drawingml/2011/main" val="1"/>
             </a:ext>
           </a:extLst>
         </p:spPr>
@@ -2250,7 +2250,7 @@
           </a:ln>
           <a:extLst>
             <a:ext uri="{C572A759-6A51-4108-AA02-DFA0A04FC94B}">
-              <ma14:wrappingTextBoxFlag xmlns:ma14="http://schemas.microsoft.com/office/mac/drawingml/2011/main" xmlns:a14="http://schemas.microsoft.com/office/drawing/2010/main" xmlns:m="http://schemas.openxmlformats.org/officeDocument/2006/math" xmlns="" val="1"/>
+              <ma14:wrappingTextBoxFlag xmlns="" xmlns:m="http://schemas.openxmlformats.org/officeDocument/2006/math" xmlns:a14="http://schemas.microsoft.com/office/drawing/2010/main" xmlns:ma14="http://schemas.microsoft.com/office/mac/drawingml/2011/main" val="1"/>
             </a:ext>
           </a:extLst>
         </p:spPr>
@@ -3208,7 +3208,7 @@
           </a:ln>
           <a:extLst>
             <a:ext uri="{C572A759-6A51-4108-AA02-DFA0A04FC94B}">
-              <ma14:wrappingTextBoxFlag xmlns:ma14="http://schemas.microsoft.com/office/mac/drawingml/2011/main" xmlns:a14="http://schemas.microsoft.com/office/drawing/2010/main" xmlns:m="http://schemas.openxmlformats.org/officeDocument/2006/math" xmlns="" val="1"/>
+              <ma14:wrappingTextBoxFlag xmlns="" xmlns:m="http://schemas.openxmlformats.org/officeDocument/2006/math" xmlns:a14="http://schemas.microsoft.com/office/drawing/2010/main" xmlns:ma14="http://schemas.microsoft.com/office/mac/drawingml/2011/main" val="1"/>
             </a:ext>
           </a:extLst>
         </p:spPr>
@@ -3258,7 +3258,7 @@
           </a:ln>
           <a:extLst>
             <a:ext uri="{C572A759-6A51-4108-AA02-DFA0A04FC94B}">
-              <ma14:wrappingTextBoxFlag xmlns:ma14="http://schemas.microsoft.com/office/mac/drawingml/2011/main" xmlns:a14="http://schemas.microsoft.com/office/drawing/2010/main" xmlns:m="http://schemas.openxmlformats.org/officeDocument/2006/math" xmlns="" val="1"/>
+              <ma14:wrappingTextBoxFlag xmlns="" xmlns:m="http://schemas.openxmlformats.org/officeDocument/2006/math" xmlns:a14="http://schemas.microsoft.com/office/drawing/2010/main" xmlns:ma14="http://schemas.microsoft.com/office/mac/drawingml/2011/main" val="1"/>
             </a:ext>
           </a:extLst>
         </p:spPr>
@@ -3527,7 +3527,7 @@
             <a:effectLst/>
             <a:extLst>
               <a:ext uri="{C572A759-6A51-4108-AA02-DFA0A04FC94B}">
-                <ma14:wrappingTextBoxFlag xmlns:ma14="http://schemas.microsoft.com/office/mac/drawingml/2011/main" xmlns:a14="http://schemas.microsoft.com/office/drawing/2010/main" xmlns:m="http://schemas.openxmlformats.org/officeDocument/2006/math" xmlns="" val="1"/>
+                <ma14:wrappingTextBoxFlag xmlns="" xmlns:m="http://schemas.openxmlformats.org/officeDocument/2006/math" xmlns:a14="http://schemas.microsoft.com/office/drawing/2010/main" xmlns:ma14="http://schemas.microsoft.com/office/mac/drawingml/2011/main" val="1"/>
               </a:ext>
             </a:extLst>
           </p:spPr>
@@ -3640,7 +3640,7 @@
             <a:effectLst/>
             <a:extLst>
               <a:ext uri="{C572A759-6A51-4108-AA02-DFA0A04FC94B}">
-                <ma14:wrappingTextBoxFlag xmlns:ma14="http://schemas.microsoft.com/office/mac/drawingml/2011/main" xmlns:a14="http://schemas.microsoft.com/office/drawing/2010/main" xmlns:m="http://schemas.openxmlformats.org/officeDocument/2006/math" xmlns="" val="1"/>
+                <ma14:wrappingTextBoxFlag xmlns="" xmlns:m="http://schemas.openxmlformats.org/officeDocument/2006/math" xmlns:a14="http://schemas.microsoft.com/office/drawing/2010/main" xmlns:ma14="http://schemas.microsoft.com/office/mac/drawingml/2011/main" val="1"/>
               </a:ext>
             </a:extLst>
           </p:spPr>
@@ -3755,7 +3755,7 @@
             <a:effectLst/>
             <a:extLst>
               <a:ext uri="{C572A759-6A51-4108-AA02-DFA0A04FC94B}">
-                <ma14:wrappingTextBoxFlag xmlns:ma14="http://schemas.microsoft.com/office/mac/drawingml/2011/main" xmlns:a14="http://schemas.microsoft.com/office/drawing/2010/main" xmlns:m="http://schemas.openxmlformats.org/officeDocument/2006/math" xmlns="" val="1"/>
+                <ma14:wrappingTextBoxFlag xmlns="" xmlns:m="http://schemas.openxmlformats.org/officeDocument/2006/math" xmlns:a14="http://schemas.microsoft.com/office/drawing/2010/main" xmlns:ma14="http://schemas.microsoft.com/office/mac/drawingml/2011/main" val="1"/>
               </a:ext>
             </a:extLst>
           </p:spPr>
@@ -3866,7 +3866,7 @@
             <a:effectLst/>
             <a:extLst>
               <a:ext uri="{C572A759-6A51-4108-AA02-DFA0A04FC94B}">
-                <ma14:wrappingTextBoxFlag xmlns:ma14="http://schemas.microsoft.com/office/mac/drawingml/2011/main" xmlns:a14="http://schemas.microsoft.com/office/drawing/2010/main" xmlns:m="http://schemas.openxmlformats.org/officeDocument/2006/math" xmlns="" val="1"/>
+                <ma14:wrappingTextBoxFlag xmlns="" xmlns:m="http://schemas.openxmlformats.org/officeDocument/2006/math" xmlns:a14="http://schemas.microsoft.com/office/drawing/2010/main" xmlns:ma14="http://schemas.microsoft.com/office/mac/drawingml/2011/main" val="1"/>
               </a:ext>
             </a:extLst>
           </p:spPr>
@@ -3980,7 +3980,7 @@
             <a:effectLst/>
             <a:extLst>
               <a:ext uri="{C572A759-6A51-4108-AA02-DFA0A04FC94B}">
-                <ma14:wrappingTextBoxFlag xmlns:ma14="http://schemas.microsoft.com/office/mac/drawingml/2011/main" xmlns:a14="http://schemas.microsoft.com/office/drawing/2010/main" xmlns:m="http://schemas.openxmlformats.org/officeDocument/2006/math" xmlns="" val="1"/>
+                <ma14:wrappingTextBoxFlag xmlns="" xmlns:m="http://schemas.openxmlformats.org/officeDocument/2006/math" xmlns:a14="http://schemas.microsoft.com/office/drawing/2010/main" xmlns:ma14="http://schemas.microsoft.com/office/mac/drawingml/2011/main" val="1"/>
               </a:ext>
             </a:extLst>
           </p:spPr>
@@ -4091,7 +4091,7 @@
             <a:effectLst/>
             <a:extLst>
               <a:ext uri="{C572A759-6A51-4108-AA02-DFA0A04FC94B}">
-                <ma14:wrappingTextBoxFlag xmlns:ma14="http://schemas.microsoft.com/office/mac/drawingml/2011/main" xmlns:a14="http://schemas.microsoft.com/office/drawing/2010/main" xmlns:m="http://schemas.openxmlformats.org/officeDocument/2006/math" xmlns="" val="1"/>
+                <ma14:wrappingTextBoxFlag xmlns="" xmlns:m="http://schemas.openxmlformats.org/officeDocument/2006/math" xmlns:a14="http://schemas.microsoft.com/office/drawing/2010/main" xmlns:ma14="http://schemas.microsoft.com/office/mac/drawingml/2011/main" val="1"/>
               </a:ext>
             </a:extLst>
           </p:spPr>
@@ -4278,7 +4278,7 @@
           </a:ln>
           <a:extLst>
             <a:ext uri="{C572A759-6A51-4108-AA02-DFA0A04FC94B}">
-              <ma14:wrappingTextBoxFlag xmlns:ma14="http://schemas.microsoft.com/office/mac/drawingml/2011/main" xmlns:a14="http://schemas.microsoft.com/office/drawing/2010/main" xmlns:m="http://schemas.openxmlformats.org/officeDocument/2006/math" xmlns="" val="1"/>
+              <ma14:wrappingTextBoxFlag xmlns="" xmlns:m="http://schemas.openxmlformats.org/officeDocument/2006/math" xmlns:a14="http://schemas.microsoft.com/office/drawing/2010/main" xmlns:ma14="http://schemas.microsoft.com/office/mac/drawingml/2011/main" val="1"/>
             </a:ext>
           </a:extLst>
         </p:spPr>
@@ -4334,7 +4334,7 @@
           </a:ln>
           <a:extLst>
             <a:ext uri="{C572A759-6A51-4108-AA02-DFA0A04FC94B}">
-              <ma14:wrappingTextBoxFlag xmlns:ma14="http://schemas.microsoft.com/office/mac/drawingml/2011/main" xmlns:a14="http://schemas.microsoft.com/office/drawing/2010/main" xmlns:m="http://schemas.openxmlformats.org/officeDocument/2006/math" xmlns="" val="1"/>
+              <ma14:wrappingTextBoxFlag xmlns="" xmlns:m="http://schemas.openxmlformats.org/officeDocument/2006/math" xmlns:a14="http://schemas.microsoft.com/office/drawing/2010/main" xmlns:ma14="http://schemas.microsoft.com/office/mac/drawingml/2011/main" val="1"/>
             </a:ext>
           </a:extLst>
         </p:spPr>
@@ -4436,7 +4436,7 @@
           </a:ln>
           <a:extLst>
             <a:ext uri="{C572A759-6A51-4108-AA02-DFA0A04FC94B}">
-              <ma14:wrappingTextBoxFlag xmlns:ma14="http://schemas.microsoft.com/office/mac/drawingml/2011/main" xmlns:a14="http://schemas.microsoft.com/office/drawing/2010/main" xmlns:m="http://schemas.openxmlformats.org/officeDocument/2006/math" xmlns="" val="1"/>
+              <ma14:wrappingTextBoxFlag xmlns="" xmlns:m="http://schemas.openxmlformats.org/officeDocument/2006/math" xmlns:a14="http://schemas.microsoft.com/office/drawing/2010/main" xmlns:ma14="http://schemas.microsoft.com/office/mac/drawingml/2011/main" val="1"/>
             </a:ext>
           </a:extLst>
         </p:spPr>
@@ -4486,7 +4486,7 @@
           </a:ln>
           <a:extLst>
             <a:ext uri="{C572A759-6A51-4108-AA02-DFA0A04FC94B}">
-              <ma14:wrappingTextBoxFlag xmlns:ma14="http://schemas.microsoft.com/office/mac/drawingml/2011/main" xmlns:a14="http://schemas.microsoft.com/office/drawing/2010/main" xmlns:m="http://schemas.openxmlformats.org/officeDocument/2006/math" xmlns="" val="1"/>
+              <ma14:wrappingTextBoxFlag xmlns="" xmlns:m="http://schemas.openxmlformats.org/officeDocument/2006/math" xmlns:a14="http://schemas.microsoft.com/office/drawing/2010/main" xmlns:ma14="http://schemas.microsoft.com/office/mac/drawingml/2011/main" val="1"/>
             </a:ext>
           </a:extLst>
         </p:spPr>
@@ -4561,7 +4561,7 @@
           </a:ln>
           <a:extLst>
             <a:ext uri="{C572A759-6A51-4108-AA02-DFA0A04FC94B}">
-              <ma14:wrappingTextBoxFlag xmlns:ma14="http://schemas.microsoft.com/office/mac/drawingml/2011/main" xmlns:a14="http://schemas.microsoft.com/office/drawing/2010/main" xmlns:m="http://schemas.openxmlformats.org/officeDocument/2006/math" xmlns="" val="1"/>
+              <ma14:wrappingTextBoxFlag xmlns="" xmlns:m="http://schemas.openxmlformats.org/officeDocument/2006/math" xmlns:a14="http://schemas.microsoft.com/office/drawing/2010/main" xmlns:ma14="http://schemas.microsoft.com/office/mac/drawingml/2011/main" val="1"/>
             </a:ext>
           </a:extLst>
         </p:spPr>
@@ -4648,7 +4648,7 @@
           </a:ln>
           <a:extLst>
             <a:ext uri="{C572A759-6A51-4108-AA02-DFA0A04FC94B}">
-              <ma14:wrappingTextBoxFlag xmlns:ma14="http://schemas.microsoft.com/office/mac/drawingml/2011/main" xmlns:a14="http://schemas.microsoft.com/office/drawing/2010/main" xmlns:m="http://schemas.openxmlformats.org/officeDocument/2006/math" xmlns="" val="1"/>
+              <ma14:wrappingTextBoxFlag xmlns="" xmlns:m="http://schemas.openxmlformats.org/officeDocument/2006/math" xmlns:a14="http://schemas.microsoft.com/office/drawing/2010/main" xmlns:ma14="http://schemas.microsoft.com/office/mac/drawingml/2011/main" val="1"/>
             </a:ext>
           </a:extLst>
         </p:spPr>
@@ -4708,7 +4708,7 @@
           </a:ln>
           <a:extLst>
             <a:ext uri="{C572A759-6A51-4108-AA02-DFA0A04FC94B}">
-              <ma14:wrappingTextBoxFlag xmlns:ma14="http://schemas.microsoft.com/office/mac/drawingml/2011/main" xmlns:a14="http://schemas.microsoft.com/office/drawing/2010/main" xmlns:m="http://schemas.openxmlformats.org/officeDocument/2006/math" xmlns="" val="1"/>
+              <ma14:wrappingTextBoxFlag xmlns="" xmlns:m="http://schemas.openxmlformats.org/officeDocument/2006/math" xmlns:a14="http://schemas.microsoft.com/office/drawing/2010/main" xmlns:ma14="http://schemas.microsoft.com/office/mac/drawingml/2011/main" val="1"/>
             </a:ext>
           </a:extLst>
         </p:spPr>
@@ -4761,7 +4761,7 @@
           </a:ln>
           <a:extLst>
             <a:ext uri="{C572A759-6A51-4108-AA02-DFA0A04FC94B}">
-              <ma14:wrappingTextBoxFlag xmlns:ma14="http://schemas.microsoft.com/office/mac/drawingml/2011/main" xmlns:a14="http://schemas.microsoft.com/office/drawing/2010/main" xmlns:m="http://schemas.openxmlformats.org/officeDocument/2006/math" xmlns="" val="1"/>
+              <ma14:wrappingTextBoxFlag xmlns="" xmlns:m="http://schemas.openxmlformats.org/officeDocument/2006/math" xmlns:a14="http://schemas.microsoft.com/office/drawing/2010/main" xmlns:ma14="http://schemas.microsoft.com/office/mac/drawingml/2011/main" val="1"/>
             </a:ext>
           </a:extLst>
         </p:spPr>
@@ -4811,7 +4811,7 @@
           </a:ln>
           <a:extLst>
             <a:ext uri="{C572A759-6A51-4108-AA02-DFA0A04FC94B}">
-              <ma14:wrappingTextBoxFlag xmlns:ma14="http://schemas.microsoft.com/office/mac/drawingml/2011/main" xmlns:a14="http://schemas.microsoft.com/office/drawing/2010/main" xmlns:m="http://schemas.openxmlformats.org/officeDocument/2006/math" xmlns="" val="1"/>
+              <ma14:wrappingTextBoxFlag xmlns="" xmlns:m="http://schemas.openxmlformats.org/officeDocument/2006/math" xmlns:a14="http://schemas.microsoft.com/office/drawing/2010/main" xmlns:ma14="http://schemas.microsoft.com/office/mac/drawingml/2011/main" val="1"/>
             </a:ext>
           </a:extLst>
         </p:spPr>
@@ -4861,7 +4861,7 @@
           </a:ln>
           <a:extLst>
             <a:ext uri="{C572A759-6A51-4108-AA02-DFA0A04FC94B}">
-              <ma14:wrappingTextBoxFlag xmlns:ma14="http://schemas.microsoft.com/office/mac/drawingml/2011/main" xmlns:a14="http://schemas.microsoft.com/office/drawing/2010/main" xmlns:m="http://schemas.openxmlformats.org/officeDocument/2006/math" xmlns="" val="1"/>
+              <ma14:wrappingTextBoxFlag xmlns="" xmlns:m="http://schemas.openxmlformats.org/officeDocument/2006/math" xmlns:a14="http://schemas.microsoft.com/office/drawing/2010/main" xmlns:ma14="http://schemas.microsoft.com/office/mac/drawingml/2011/main" val="1"/>
             </a:ext>
           </a:extLst>
         </p:spPr>
@@ -5040,7 +5040,7 @@
             <a:effectLst/>
             <a:extLst>
               <a:ext uri="{C572A759-6A51-4108-AA02-DFA0A04FC94B}">
-                <ma14:wrappingTextBoxFlag xmlns:ma14="http://schemas.microsoft.com/office/mac/drawingml/2011/main" xmlns:a14="http://schemas.microsoft.com/office/drawing/2010/main" xmlns:m="http://schemas.openxmlformats.org/officeDocument/2006/math" xmlns="" val="1"/>
+                <ma14:wrappingTextBoxFlag xmlns="" xmlns:m="http://schemas.openxmlformats.org/officeDocument/2006/math" xmlns:a14="http://schemas.microsoft.com/office/drawing/2010/main" xmlns:ma14="http://schemas.microsoft.com/office/mac/drawingml/2011/main" val="1"/>
               </a:ext>
             </a:extLst>
           </p:spPr>
@@ -5092,7 +5092,7 @@
             <a:effectLst/>
             <a:extLst>
               <a:ext uri="{C572A759-6A51-4108-AA02-DFA0A04FC94B}">
-                <ma14:wrappingTextBoxFlag xmlns:ma14="http://schemas.microsoft.com/office/mac/drawingml/2011/main" xmlns:a14="http://schemas.microsoft.com/office/drawing/2010/main" xmlns:m="http://schemas.openxmlformats.org/officeDocument/2006/math" xmlns="" val="1"/>
+                <ma14:wrappingTextBoxFlag xmlns="" xmlns:m="http://schemas.openxmlformats.org/officeDocument/2006/math" xmlns:a14="http://schemas.microsoft.com/office/drawing/2010/main" xmlns:ma14="http://schemas.microsoft.com/office/mac/drawingml/2011/main" val="1"/>
               </a:ext>
             </a:extLst>
           </p:spPr>
@@ -5195,7 +5195,7 @@
             <a:effectLst/>
             <a:extLst>
               <a:ext uri="{C572A759-6A51-4108-AA02-DFA0A04FC94B}">
-                <ma14:wrappingTextBoxFlag xmlns:ma14="http://schemas.microsoft.com/office/mac/drawingml/2011/main" xmlns:a14="http://schemas.microsoft.com/office/drawing/2010/main" xmlns:m="http://schemas.openxmlformats.org/officeDocument/2006/math" xmlns="" val="1"/>
+                <ma14:wrappingTextBoxFlag xmlns="" xmlns:m="http://schemas.openxmlformats.org/officeDocument/2006/math" xmlns:a14="http://schemas.microsoft.com/office/drawing/2010/main" xmlns:ma14="http://schemas.microsoft.com/office/mac/drawingml/2011/main" val="1"/>
               </a:ext>
             </a:extLst>
           </p:spPr>
@@ -5245,7 +5245,7 @@
             <a:effectLst/>
             <a:extLst>
               <a:ext uri="{C572A759-6A51-4108-AA02-DFA0A04FC94B}">
-                <ma14:wrappingTextBoxFlag xmlns:ma14="http://schemas.microsoft.com/office/mac/drawingml/2011/main" xmlns:a14="http://schemas.microsoft.com/office/drawing/2010/main" xmlns:m="http://schemas.openxmlformats.org/officeDocument/2006/math" xmlns="" val="1"/>
+                <ma14:wrappingTextBoxFlag xmlns="" xmlns:m="http://schemas.openxmlformats.org/officeDocument/2006/math" xmlns:a14="http://schemas.microsoft.com/office/drawing/2010/main" xmlns:ma14="http://schemas.microsoft.com/office/mac/drawingml/2011/main" val="1"/>
               </a:ext>
             </a:extLst>
           </p:spPr>
@@ -5348,7 +5348,7 @@
             <a:effectLst/>
             <a:extLst>
               <a:ext uri="{C572A759-6A51-4108-AA02-DFA0A04FC94B}">
-                <ma14:wrappingTextBoxFlag xmlns:ma14="http://schemas.microsoft.com/office/mac/drawingml/2011/main" xmlns:a14="http://schemas.microsoft.com/office/drawing/2010/main" xmlns:m="http://schemas.openxmlformats.org/officeDocument/2006/math" xmlns="" val="1"/>
+                <ma14:wrappingTextBoxFlag xmlns="" xmlns:m="http://schemas.openxmlformats.org/officeDocument/2006/math" xmlns:a14="http://schemas.microsoft.com/office/drawing/2010/main" xmlns:ma14="http://schemas.microsoft.com/office/mac/drawingml/2011/main" val="1"/>
               </a:ext>
             </a:extLst>
           </p:spPr>
@@ -5397,7 +5397,7 @@
             <a:effectLst/>
             <a:extLst>
               <a:ext uri="{C572A759-6A51-4108-AA02-DFA0A04FC94B}">
-                <ma14:wrappingTextBoxFlag xmlns:ma14="http://schemas.microsoft.com/office/mac/drawingml/2011/main" xmlns:a14="http://schemas.microsoft.com/office/drawing/2010/main" xmlns:m="http://schemas.openxmlformats.org/officeDocument/2006/math" xmlns="" val="1"/>
+                <ma14:wrappingTextBoxFlag xmlns="" xmlns:m="http://schemas.openxmlformats.org/officeDocument/2006/math" xmlns:a14="http://schemas.microsoft.com/office/drawing/2010/main" xmlns:ma14="http://schemas.microsoft.com/office/mac/drawingml/2011/main" val="1"/>
               </a:ext>
             </a:extLst>
           </p:spPr>
@@ -5525,7 +5525,7 @@
             <a:effectLst/>
             <a:extLst>
               <a:ext uri="{C572A759-6A51-4108-AA02-DFA0A04FC94B}">
-                <ma14:wrappingTextBoxFlag xmlns:ma14="http://schemas.microsoft.com/office/mac/drawingml/2011/main" xmlns:a14="http://schemas.microsoft.com/office/drawing/2010/main" xmlns:m="http://schemas.openxmlformats.org/officeDocument/2006/math" xmlns="" val="1"/>
+                <ma14:wrappingTextBoxFlag xmlns="" xmlns:m="http://schemas.openxmlformats.org/officeDocument/2006/math" xmlns:a14="http://schemas.microsoft.com/office/drawing/2010/main" xmlns:ma14="http://schemas.microsoft.com/office/mac/drawingml/2011/main" val="1"/>
               </a:ext>
             </a:extLst>
           </p:spPr>
@@ -5575,7 +5575,7 @@
             <a:effectLst/>
             <a:extLst>
               <a:ext uri="{C572A759-6A51-4108-AA02-DFA0A04FC94B}">
-                <ma14:wrappingTextBoxFlag xmlns:ma14="http://schemas.microsoft.com/office/mac/drawingml/2011/main" xmlns:a14="http://schemas.microsoft.com/office/drawing/2010/main" xmlns:m="http://schemas.openxmlformats.org/officeDocument/2006/math" xmlns="" val="1"/>
+                <ma14:wrappingTextBoxFlag xmlns="" xmlns:m="http://schemas.openxmlformats.org/officeDocument/2006/math" xmlns:a14="http://schemas.microsoft.com/office/drawing/2010/main" xmlns:ma14="http://schemas.microsoft.com/office/mac/drawingml/2011/main" val="1"/>
               </a:ext>
             </a:extLst>
           </p:spPr>
@@ -5678,7 +5678,7 @@
             <a:effectLst/>
             <a:extLst>
               <a:ext uri="{C572A759-6A51-4108-AA02-DFA0A04FC94B}">
-                <ma14:wrappingTextBoxFlag xmlns:ma14="http://schemas.microsoft.com/office/mac/drawingml/2011/main" xmlns:a14="http://schemas.microsoft.com/office/drawing/2010/main" xmlns:m="http://schemas.openxmlformats.org/officeDocument/2006/math" xmlns="" val="1"/>
+                <ma14:wrappingTextBoxFlag xmlns="" xmlns:m="http://schemas.openxmlformats.org/officeDocument/2006/math" xmlns:a14="http://schemas.microsoft.com/office/drawing/2010/main" xmlns:ma14="http://schemas.microsoft.com/office/mac/drawingml/2011/main" val="1"/>
               </a:ext>
             </a:extLst>
           </p:spPr>
@@ -5728,7 +5728,7 @@
             <a:effectLst/>
             <a:extLst>
               <a:ext uri="{C572A759-6A51-4108-AA02-DFA0A04FC94B}">
-                <ma14:wrappingTextBoxFlag xmlns:ma14="http://schemas.microsoft.com/office/mac/drawingml/2011/main" xmlns:a14="http://schemas.microsoft.com/office/drawing/2010/main" xmlns:m="http://schemas.openxmlformats.org/officeDocument/2006/math" xmlns="" val="1"/>
+                <ma14:wrappingTextBoxFlag xmlns="" xmlns:m="http://schemas.openxmlformats.org/officeDocument/2006/math" xmlns:a14="http://schemas.microsoft.com/office/drawing/2010/main" xmlns:ma14="http://schemas.microsoft.com/office/mac/drawingml/2011/main" val="1"/>
               </a:ext>
             </a:extLst>
           </p:spPr>
@@ -5832,7 +5832,7 @@
             <a:effectLst/>
             <a:extLst>
               <a:ext uri="{C572A759-6A51-4108-AA02-DFA0A04FC94B}">
-                <ma14:wrappingTextBoxFlag xmlns:ma14="http://schemas.microsoft.com/office/mac/drawingml/2011/main" xmlns:a14="http://schemas.microsoft.com/office/drawing/2010/main" xmlns:m="http://schemas.openxmlformats.org/officeDocument/2006/math" xmlns="" val="1"/>
+                <ma14:wrappingTextBoxFlag xmlns="" xmlns:m="http://schemas.openxmlformats.org/officeDocument/2006/math" xmlns:a14="http://schemas.microsoft.com/office/drawing/2010/main" xmlns:ma14="http://schemas.microsoft.com/office/mac/drawingml/2011/main" val="1"/>
               </a:ext>
             </a:extLst>
           </p:spPr>
@@ -5882,7 +5882,7 @@
             <a:effectLst/>
             <a:extLst>
               <a:ext uri="{C572A759-6A51-4108-AA02-DFA0A04FC94B}">
-                <ma14:wrappingTextBoxFlag xmlns:ma14="http://schemas.microsoft.com/office/mac/drawingml/2011/main" xmlns:a14="http://schemas.microsoft.com/office/drawing/2010/main" xmlns:m="http://schemas.openxmlformats.org/officeDocument/2006/math" xmlns="" val="1"/>
+                <ma14:wrappingTextBoxFlag xmlns="" xmlns:m="http://schemas.openxmlformats.org/officeDocument/2006/math" xmlns:a14="http://schemas.microsoft.com/office/drawing/2010/main" xmlns:ma14="http://schemas.microsoft.com/office/mac/drawingml/2011/main" val="1"/>
               </a:ext>
             </a:extLst>
           </p:spPr>
@@ -5985,7 +5985,7 @@
             <a:effectLst/>
             <a:extLst>
               <a:ext uri="{C572A759-6A51-4108-AA02-DFA0A04FC94B}">
-                <ma14:wrappingTextBoxFlag xmlns:ma14="http://schemas.microsoft.com/office/mac/drawingml/2011/main" xmlns:a14="http://schemas.microsoft.com/office/drawing/2010/main" xmlns:m="http://schemas.openxmlformats.org/officeDocument/2006/math" xmlns="" val="1"/>
+                <ma14:wrappingTextBoxFlag xmlns="" xmlns:m="http://schemas.openxmlformats.org/officeDocument/2006/math" xmlns:a14="http://schemas.microsoft.com/office/drawing/2010/main" xmlns:ma14="http://schemas.microsoft.com/office/mac/drawingml/2011/main" val="1"/>
               </a:ext>
             </a:extLst>
           </p:spPr>
@@ -6035,7 +6035,7 @@
             <a:effectLst/>
             <a:extLst>
               <a:ext uri="{C572A759-6A51-4108-AA02-DFA0A04FC94B}">
-                <ma14:wrappingTextBoxFlag xmlns:ma14="http://schemas.microsoft.com/office/mac/drawingml/2011/main" xmlns:a14="http://schemas.microsoft.com/office/drawing/2010/main" xmlns:m="http://schemas.openxmlformats.org/officeDocument/2006/math" xmlns="" val="1"/>
+                <ma14:wrappingTextBoxFlag xmlns="" xmlns:m="http://schemas.openxmlformats.org/officeDocument/2006/math" xmlns:a14="http://schemas.microsoft.com/office/drawing/2010/main" xmlns:ma14="http://schemas.microsoft.com/office/mac/drawingml/2011/main" val="1"/>
               </a:ext>
             </a:extLst>
           </p:spPr>
@@ -6138,7 +6138,7 @@
             <a:effectLst/>
             <a:extLst>
               <a:ext uri="{C572A759-6A51-4108-AA02-DFA0A04FC94B}">
-                <ma14:wrappingTextBoxFlag xmlns:ma14="http://schemas.microsoft.com/office/mac/drawingml/2011/main" xmlns:a14="http://schemas.microsoft.com/office/drawing/2010/main" xmlns:m="http://schemas.openxmlformats.org/officeDocument/2006/math" xmlns="" val="1"/>
+                <ma14:wrappingTextBoxFlag xmlns="" xmlns:m="http://schemas.openxmlformats.org/officeDocument/2006/math" xmlns:a14="http://schemas.microsoft.com/office/drawing/2010/main" xmlns:ma14="http://schemas.microsoft.com/office/mac/drawingml/2011/main" val="1"/>
               </a:ext>
             </a:extLst>
           </p:spPr>
@@ -6188,7 +6188,7 @@
             <a:effectLst/>
             <a:extLst>
               <a:ext uri="{C572A759-6A51-4108-AA02-DFA0A04FC94B}">
-                <ma14:wrappingTextBoxFlag xmlns:ma14="http://schemas.microsoft.com/office/mac/drawingml/2011/main" xmlns:a14="http://schemas.microsoft.com/office/drawing/2010/main" xmlns:m="http://schemas.openxmlformats.org/officeDocument/2006/math" xmlns="" val="1"/>
+                <ma14:wrappingTextBoxFlag xmlns="" xmlns:m="http://schemas.openxmlformats.org/officeDocument/2006/math" xmlns:a14="http://schemas.microsoft.com/office/drawing/2010/main" xmlns:ma14="http://schemas.microsoft.com/office/mac/drawingml/2011/main" val="1"/>
               </a:ext>
             </a:extLst>
           </p:spPr>
@@ -6291,7 +6291,7 @@
             <a:effectLst/>
             <a:extLst>
               <a:ext uri="{C572A759-6A51-4108-AA02-DFA0A04FC94B}">
-                <ma14:wrappingTextBoxFlag xmlns:ma14="http://schemas.microsoft.com/office/mac/drawingml/2011/main" xmlns:a14="http://schemas.microsoft.com/office/drawing/2010/main" xmlns:m="http://schemas.openxmlformats.org/officeDocument/2006/math" xmlns="" val="1"/>
+                <ma14:wrappingTextBoxFlag xmlns="" xmlns:m="http://schemas.openxmlformats.org/officeDocument/2006/math" xmlns:a14="http://schemas.microsoft.com/office/drawing/2010/main" xmlns:ma14="http://schemas.microsoft.com/office/mac/drawingml/2011/main" val="1"/>
               </a:ext>
             </a:extLst>
           </p:spPr>
@@ -6340,7 +6340,7 @@
             <a:effectLst/>
             <a:extLst>
               <a:ext uri="{C572A759-6A51-4108-AA02-DFA0A04FC94B}">
-                <ma14:wrappingTextBoxFlag xmlns:ma14="http://schemas.microsoft.com/office/mac/drawingml/2011/main" xmlns:a14="http://schemas.microsoft.com/office/drawing/2010/main" xmlns:m="http://schemas.openxmlformats.org/officeDocument/2006/math" xmlns="" val="1"/>
+                <ma14:wrappingTextBoxFlag xmlns="" xmlns:m="http://schemas.openxmlformats.org/officeDocument/2006/math" xmlns:a14="http://schemas.microsoft.com/office/drawing/2010/main" xmlns:ma14="http://schemas.microsoft.com/office/mac/drawingml/2011/main" val="1"/>
               </a:ext>
             </a:extLst>
           </p:spPr>
@@ -6601,7 +6601,7 @@
             <a:effectLst/>
             <a:extLst>
               <a:ext uri="{C572A759-6A51-4108-AA02-DFA0A04FC94B}">
-                <ma14:wrappingTextBoxFlag xmlns:ma14="http://schemas.microsoft.com/office/mac/drawingml/2011/main" xmlns:a14="http://schemas.microsoft.com/office/drawing/2010/main" xmlns:m="http://schemas.openxmlformats.org/officeDocument/2006/math" xmlns="" val="1"/>
+                <ma14:wrappingTextBoxFlag xmlns="" xmlns:m="http://schemas.openxmlformats.org/officeDocument/2006/math" xmlns:a14="http://schemas.microsoft.com/office/drawing/2010/main" xmlns:ma14="http://schemas.microsoft.com/office/mac/drawingml/2011/main" val="1"/>
               </a:ext>
             </a:extLst>
           </p:spPr>
@@ -6744,7 +6744,7 @@
             <a:effectLst/>
             <a:extLst>
               <a:ext uri="{C572A759-6A51-4108-AA02-DFA0A04FC94B}">
-                <ma14:wrappingTextBoxFlag xmlns:ma14="http://schemas.microsoft.com/office/mac/drawingml/2011/main" xmlns:a14="http://schemas.microsoft.com/office/drawing/2010/main" xmlns:m="http://schemas.openxmlformats.org/officeDocument/2006/math" xmlns="" val="1"/>
+                <ma14:wrappingTextBoxFlag xmlns="" xmlns:m="http://schemas.openxmlformats.org/officeDocument/2006/math" xmlns:a14="http://schemas.microsoft.com/office/drawing/2010/main" xmlns:ma14="http://schemas.microsoft.com/office/mac/drawingml/2011/main" val="1"/>
               </a:ext>
             </a:extLst>
           </p:spPr>
@@ -6872,7 +6872,7 @@
               <a:effectLst/>
               <a:extLst>
                 <a:ext uri="{C572A759-6A51-4108-AA02-DFA0A04FC94B}">
-                  <ma14:wrappingTextBoxFlag xmlns:ma14="http://schemas.microsoft.com/office/mac/drawingml/2011/main" xmlns:a14="http://schemas.microsoft.com/office/drawing/2010/main" xmlns:m="http://schemas.openxmlformats.org/officeDocument/2006/math" xmlns="" val="1"/>
+                  <ma14:wrappingTextBoxFlag xmlns="" xmlns:m="http://schemas.openxmlformats.org/officeDocument/2006/math" xmlns:a14="http://schemas.microsoft.com/office/drawing/2010/main" xmlns:ma14="http://schemas.microsoft.com/office/mac/drawingml/2011/main" val="1"/>
                 </a:ext>
               </a:extLst>
             </p:spPr>
@@ -6984,7 +6984,7 @@
               <a:effectLst/>
               <a:extLst>
                 <a:ext uri="{C572A759-6A51-4108-AA02-DFA0A04FC94B}">
-                  <ma14:wrappingTextBoxFlag xmlns:ma14="http://schemas.microsoft.com/office/mac/drawingml/2011/main" xmlns:a14="http://schemas.microsoft.com/office/drawing/2010/main" xmlns:m="http://schemas.openxmlformats.org/officeDocument/2006/math" xmlns="" val="1"/>
+                  <ma14:wrappingTextBoxFlag xmlns="" xmlns:m="http://schemas.openxmlformats.org/officeDocument/2006/math" xmlns:a14="http://schemas.microsoft.com/office/drawing/2010/main" xmlns:ma14="http://schemas.microsoft.com/office/mac/drawingml/2011/main" val="1"/>
                 </a:ext>
               </a:extLst>
             </p:spPr>
@@ -7036,7 +7036,7 @@
             <a:effectLst/>
             <a:extLst>
               <a:ext uri="{C572A759-6A51-4108-AA02-DFA0A04FC94B}">
-                <ma14:wrappingTextBoxFlag xmlns:ma14="http://schemas.microsoft.com/office/mac/drawingml/2011/main" xmlns:a14="http://schemas.microsoft.com/office/drawing/2010/main" xmlns:m="http://schemas.openxmlformats.org/officeDocument/2006/math" xmlns="" val="1"/>
+                <ma14:wrappingTextBoxFlag xmlns="" xmlns:m="http://schemas.openxmlformats.org/officeDocument/2006/math" xmlns:a14="http://schemas.microsoft.com/office/drawing/2010/main" xmlns:ma14="http://schemas.microsoft.com/office/mac/drawingml/2011/main" val="1"/>
               </a:ext>
             </a:extLst>
           </p:spPr>
@@ -7158,7 +7158,7 @@
             <a:effectLst/>
             <a:extLst>
               <a:ext uri="{C572A759-6A51-4108-AA02-DFA0A04FC94B}">
-                <ma14:wrappingTextBoxFlag xmlns:ma14="http://schemas.microsoft.com/office/mac/drawingml/2011/main" xmlns:a14="http://schemas.microsoft.com/office/drawing/2010/main" xmlns:m="http://schemas.openxmlformats.org/officeDocument/2006/math" xmlns="" val="1"/>
+                <ma14:wrappingTextBoxFlag xmlns="" xmlns:m="http://schemas.openxmlformats.org/officeDocument/2006/math" xmlns:a14="http://schemas.microsoft.com/office/drawing/2010/main" xmlns:ma14="http://schemas.microsoft.com/office/mac/drawingml/2011/main" val="1"/>
               </a:ext>
             </a:extLst>
           </p:spPr>
@@ -7234,7 +7234,7 @@
             <a:effectLst/>
             <a:extLst>
               <a:ext uri="{C572A759-6A51-4108-AA02-DFA0A04FC94B}">
-                <ma14:wrappingTextBoxFlag xmlns:ma14="http://schemas.microsoft.com/office/mac/drawingml/2011/main" xmlns:a14="http://schemas.microsoft.com/office/drawing/2010/main" xmlns:m="http://schemas.openxmlformats.org/officeDocument/2006/math" xmlns="" val="1"/>
+                <ma14:wrappingTextBoxFlag xmlns="" xmlns:m="http://schemas.openxmlformats.org/officeDocument/2006/math" xmlns:a14="http://schemas.microsoft.com/office/drawing/2010/main" xmlns:ma14="http://schemas.microsoft.com/office/mac/drawingml/2011/main" val="1"/>
               </a:ext>
             </a:extLst>
           </p:spPr>
@@ -7356,7 +7356,7 @@
             <a:effectLst/>
             <a:extLst>
               <a:ext uri="{C572A759-6A51-4108-AA02-DFA0A04FC94B}">
-                <ma14:wrappingTextBoxFlag xmlns:ma14="http://schemas.microsoft.com/office/mac/drawingml/2011/main" xmlns:a14="http://schemas.microsoft.com/office/drawing/2010/main" xmlns:m="http://schemas.openxmlformats.org/officeDocument/2006/math" xmlns="" val="1"/>
+                <ma14:wrappingTextBoxFlag xmlns="" xmlns:m="http://schemas.openxmlformats.org/officeDocument/2006/math" xmlns:a14="http://schemas.microsoft.com/office/drawing/2010/main" xmlns:ma14="http://schemas.microsoft.com/office/mac/drawingml/2011/main" val="1"/>
               </a:ext>
             </a:extLst>
           </p:spPr>
@@ -7412,7 +7412,7 @@
             <a:effectLst/>
             <a:extLst>
               <a:ext uri="{C572A759-6A51-4108-AA02-DFA0A04FC94B}">
-                <ma14:wrappingTextBoxFlag xmlns:ma14="http://schemas.microsoft.com/office/mac/drawingml/2011/main" xmlns:a14="http://schemas.microsoft.com/office/drawing/2010/main" xmlns:m="http://schemas.openxmlformats.org/officeDocument/2006/math" xmlns="" val="1"/>
+                <ma14:wrappingTextBoxFlag xmlns="" xmlns:m="http://schemas.openxmlformats.org/officeDocument/2006/math" xmlns:a14="http://schemas.microsoft.com/office/drawing/2010/main" xmlns:ma14="http://schemas.microsoft.com/office/mac/drawingml/2011/main" val="1"/>
               </a:ext>
             </a:extLst>
           </p:spPr>
@@ -7534,7 +7534,7 @@
             <a:effectLst/>
             <a:extLst>
               <a:ext uri="{C572A759-6A51-4108-AA02-DFA0A04FC94B}">
-                <ma14:wrappingTextBoxFlag xmlns:ma14="http://schemas.microsoft.com/office/mac/drawingml/2011/main" xmlns:a14="http://schemas.microsoft.com/office/drawing/2010/main" xmlns:m="http://schemas.openxmlformats.org/officeDocument/2006/math" xmlns="" val="1"/>
+                <ma14:wrappingTextBoxFlag xmlns="" xmlns:m="http://schemas.openxmlformats.org/officeDocument/2006/math" xmlns:a14="http://schemas.microsoft.com/office/drawing/2010/main" xmlns:ma14="http://schemas.microsoft.com/office/mac/drawingml/2011/main" val="1"/>
               </a:ext>
             </a:extLst>
           </p:spPr>
@@ -7585,7 +7585,7 @@
             <a:effectLst/>
             <a:extLst>
               <a:ext uri="{C572A759-6A51-4108-AA02-DFA0A04FC94B}">
-                <ma14:wrappingTextBoxFlag xmlns:ma14="http://schemas.microsoft.com/office/mac/drawingml/2011/main" xmlns:a14="http://schemas.microsoft.com/office/drawing/2010/main" xmlns:m="http://schemas.openxmlformats.org/officeDocument/2006/math" xmlns="" val="1"/>
+                <ma14:wrappingTextBoxFlag xmlns="" xmlns:m="http://schemas.openxmlformats.org/officeDocument/2006/math" xmlns:a14="http://schemas.microsoft.com/office/drawing/2010/main" xmlns:ma14="http://schemas.microsoft.com/office/mac/drawingml/2011/main" val="1"/>
               </a:ext>
             </a:extLst>
           </p:spPr>
@@ -7711,7 +7711,7 @@
             <a:effectLst/>
             <a:extLst>
               <a:ext uri="{C572A759-6A51-4108-AA02-DFA0A04FC94B}">
-                <ma14:wrappingTextBoxFlag xmlns:ma14="http://schemas.microsoft.com/office/mac/drawingml/2011/main" xmlns:a14="http://schemas.microsoft.com/office/drawing/2010/main" xmlns:m="http://schemas.openxmlformats.org/officeDocument/2006/math" xmlns="" val="1"/>
+                <ma14:wrappingTextBoxFlag xmlns="" xmlns:m="http://schemas.openxmlformats.org/officeDocument/2006/math" xmlns:a14="http://schemas.microsoft.com/office/drawing/2010/main" xmlns:ma14="http://schemas.microsoft.com/office/mac/drawingml/2011/main" val="1"/>
               </a:ext>
             </a:extLst>
           </p:spPr>
@@ -7767,7 +7767,7 @@
             <a:effectLst/>
             <a:extLst>
               <a:ext uri="{C572A759-6A51-4108-AA02-DFA0A04FC94B}">
-                <ma14:wrappingTextBoxFlag xmlns:ma14="http://schemas.microsoft.com/office/mac/drawingml/2011/main" xmlns:a14="http://schemas.microsoft.com/office/drawing/2010/main" xmlns:m="http://schemas.openxmlformats.org/officeDocument/2006/math" xmlns="" val="1"/>
+                <ma14:wrappingTextBoxFlag xmlns="" xmlns:m="http://schemas.openxmlformats.org/officeDocument/2006/math" xmlns:a14="http://schemas.microsoft.com/office/drawing/2010/main" xmlns:ma14="http://schemas.microsoft.com/office/mac/drawingml/2011/main" val="1"/>
               </a:ext>
             </a:extLst>
           </p:spPr>
@@ -7889,7 +7889,7 @@
             <a:effectLst/>
             <a:extLst>
               <a:ext uri="{C572A759-6A51-4108-AA02-DFA0A04FC94B}">
-                <ma14:wrappingTextBoxFlag xmlns:ma14="http://schemas.microsoft.com/office/mac/drawingml/2011/main" xmlns:a14="http://schemas.microsoft.com/office/drawing/2010/main" xmlns:m="http://schemas.openxmlformats.org/officeDocument/2006/math" xmlns="" val="1"/>
+                <ma14:wrappingTextBoxFlag xmlns="" xmlns:m="http://schemas.openxmlformats.org/officeDocument/2006/math" xmlns:a14="http://schemas.microsoft.com/office/drawing/2010/main" xmlns:ma14="http://schemas.microsoft.com/office/mac/drawingml/2011/main" val="1"/>
               </a:ext>
             </a:extLst>
           </p:spPr>
@@ -8012,7 +8012,7 @@
               <a:effectLst/>
               <a:extLst>
                 <a:ext uri="{C572A759-6A51-4108-AA02-DFA0A04FC94B}">
-                  <ma14:wrappingTextBoxFlag xmlns:ma14="http://schemas.microsoft.com/office/mac/drawingml/2011/main" xmlns:a14="http://schemas.microsoft.com/office/drawing/2010/main" xmlns:m="http://schemas.openxmlformats.org/officeDocument/2006/math" xmlns="" val="1"/>
+                  <ma14:wrappingTextBoxFlag xmlns="" xmlns:m="http://schemas.openxmlformats.org/officeDocument/2006/math" xmlns:a14="http://schemas.microsoft.com/office/drawing/2010/main" xmlns:ma14="http://schemas.microsoft.com/office/mac/drawingml/2011/main" val="1"/>
                 </a:ext>
               </a:extLst>
             </p:spPr>
@@ -8124,7 +8124,7 @@
               <a:effectLst/>
               <a:extLst>
                 <a:ext uri="{C572A759-6A51-4108-AA02-DFA0A04FC94B}">
-                  <ma14:wrappingTextBoxFlag xmlns:ma14="http://schemas.microsoft.com/office/mac/drawingml/2011/main" xmlns:a14="http://schemas.microsoft.com/office/drawing/2010/main" xmlns:m="http://schemas.openxmlformats.org/officeDocument/2006/math" xmlns="" val="1"/>
+                  <ma14:wrappingTextBoxFlag xmlns="" xmlns:m="http://schemas.openxmlformats.org/officeDocument/2006/math" xmlns:a14="http://schemas.microsoft.com/office/drawing/2010/main" xmlns:ma14="http://schemas.microsoft.com/office/mac/drawingml/2011/main" val="1"/>
                 </a:ext>
               </a:extLst>
             </p:spPr>
@@ -8175,7 +8175,7 @@
             <a:effectLst/>
             <a:extLst>
               <a:ext uri="{C572A759-6A51-4108-AA02-DFA0A04FC94B}">
-                <ma14:wrappingTextBoxFlag xmlns:ma14="http://schemas.microsoft.com/office/mac/drawingml/2011/main" xmlns:a14="http://schemas.microsoft.com/office/drawing/2010/main" xmlns:m="http://schemas.openxmlformats.org/officeDocument/2006/math" xmlns="" val="1"/>
+                <ma14:wrappingTextBoxFlag xmlns="" xmlns:m="http://schemas.openxmlformats.org/officeDocument/2006/math" xmlns:a14="http://schemas.microsoft.com/office/drawing/2010/main" xmlns:ma14="http://schemas.microsoft.com/office/mac/drawingml/2011/main" val="1"/>
               </a:ext>
             </a:extLst>
           </p:spPr>
@@ -8297,7 +8297,7 @@
             <a:effectLst/>
             <a:extLst>
               <a:ext uri="{C572A759-6A51-4108-AA02-DFA0A04FC94B}">
-                <ma14:wrappingTextBoxFlag xmlns:ma14="http://schemas.microsoft.com/office/mac/drawingml/2011/main" xmlns:a14="http://schemas.microsoft.com/office/drawing/2010/main" xmlns:m="http://schemas.openxmlformats.org/officeDocument/2006/math" xmlns="" val="1"/>
+                <ma14:wrappingTextBoxFlag xmlns="" xmlns:m="http://schemas.openxmlformats.org/officeDocument/2006/math" xmlns:a14="http://schemas.microsoft.com/office/drawing/2010/main" xmlns:ma14="http://schemas.microsoft.com/office/mac/drawingml/2011/main" val="1"/>
               </a:ext>
             </a:extLst>
           </p:spPr>
@@ -8408,7 +8408,7 @@
               <a:effectLst/>
               <a:extLst>
                 <a:ext uri="{C572A759-6A51-4108-AA02-DFA0A04FC94B}">
-                  <ma14:wrappingTextBoxFlag xmlns:ma14="http://schemas.microsoft.com/office/mac/drawingml/2011/main" xmlns:a14="http://schemas.microsoft.com/office/drawing/2010/main" xmlns:m="http://schemas.openxmlformats.org/officeDocument/2006/math" xmlns="" val="1"/>
+                  <ma14:wrappingTextBoxFlag xmlns="" xmlns:m="http://schemas.openxmlformats.org/officeDocument/2006/math" xmlns:a14="http://schemas.microsoft.com/office/drawing/2010/main" xmlns:ma14="http://schemas.microsoft.com/office/mac/drawingml/2011/main" val="1"/>
                 </a:ext>
               </a:extLst>
             </p:spPr>
@@ -8519,7 +8519,7 @@
               <a:effectLst/>
               <a:extLst>
                 <a:ext uri="{C572A759-6A51-4108-AA02-DFA0A04FC94B}">
-                  <ma14:wrappingTextBoxFlag xmlns:ma14="http://schemas.microsoft.com/office/mac/drawingml/2011/main" xmlns:a14="http://schemas.microsoft.com/office/drawing/2010/main" xmlns:m="http://schemas.openxmlformats.org/officeDocument/2006/math" xmlns="" val="1"/>
+                  <ma14:wrappingTextBoxFlag xmlns="" xmlns:m="http://schemas.openxmlformats.org/officeDocument/2006/math" xmlns:a14="http://schemas.microsoft.com/office/drawing/2010/main" xmlns:ma14="http://schemas.microsoft.com/office/mac/drawingml/2011/main" val="1"/>
                 </a:ext>
               </a:extLst>
             </p:spPr>
@@ -8570,7 +8570,7 @@
             <a:effectLst/>
             <a:extLst>
               <a:ext uri="{C572A759-6A51-4108-AA02-DFA0A04FC94B}">
-                <ma14:wrappingTextBoxFlag xmlns:ma14="http://schemas.microsoft.com/office/mac/drawingml/2011/main" xmlns:a14="http://schemas.microsoft.com/office/drawing/2010/main" xmlns:m="http://schemas.openxmlformats.org/officeDocument/2006/math" xmlns="" val="1"/>
+                <ma14:wrappingTextBoxFlag xmlns="" xmlns:m="http://schemas.openxmlformats.org/officeDocument/2006/math" xmlns:a14="http://schemas.microsoft.com/office/drawing/2010/main" xmlns:ma14="http://schemas.microsoft.com/office/mac/drawingml/2011/main" val="1"/>
               </a:ext>
             </a:extLst>
           </p:spPr>
@@ -8692,7 +8692,7 @@
             <a:effectLst/>
             <a:extLst>
               <a:ext uri="{C572A759-6A51-4108-AA02-DFA0A04FC94B}">
-                <ma14:wrappingTextBoxFlag xmlns:ma14="http://schemas.microsoft.com/office/mac/drawingml/2011/main" xmlns:a14="http://schemas.microsoft.com/office/drawing/2010/main" xmlns:m="http://schemas.openxmlformats.org/officeDocument/2006/math" xmlns="" val="1"/>
+                <ma14:wrappingTextBoxFlag xmlns="" xmlns:m="http://schemas.openxmlformats.org/officeDocument/2006/math" xmlns:a14="http://schemas.microsoft.com/office/drawing/2010/main" xmlns:ma14="http://schemas.microsoft.com/office/mac/drawingml/2011/main" val="1"/>
               </a:ext>
             </a:extLst>
           </p:spPr>
@@ -8816,7 +8816,7 @@
               <a:effectLst/>
               <a:extLst>
                 <a:ext uri="{C572A759-6A51-4108-AA02-DFA0A04FC94B}">
-                  <ma14:wrappingTextBoxFlag xmlns:ma14="http://schemas.microsoft.com/office/mac/drawingml/2011/main" xmlns:a14="http://schemas.microsoft.com/office/drawing/2010/main" xmlns:m="http://schemas.openxmlformats.org/officeDocument/2006/math" xmlns="" val="1"/>
+                  <ma14:wrappingTextBoxFlag xmlns="" xmlns:m="http://schemas.openxmlformats.org/officeDocument/2006/math" xmlns:a14="http://schemas.microsoft.com/office/drawing/2010/main" xmlns:ma14="http://schemas.microsoft.com/office/mac/drawingml/2011/main" val="1"/>
                 </a:ext>
               </a:extLst>
             </p:spPr>
@@ -8927,7 +8927,7 @@
               <a:effectLst/>
               <a:extLst>
                 <a:ext uri="{C572A759-6A51-4108-AA02-DFA0A04FC94B}">
-                  <ma14:wrappingTextBoxFlag xmlns:ma14="http://schemas.microsoft.com/office/mac/drawingml/2011/main" xmlns:a14="http://schemas.microsoft.com/office/drawing/2010/main" xmlns:m="http://schemas.openxmlformats.org/officeDocument/2006/math" xmlns="" val="1"/>
+                  <ma14:wrappingTextBoxFlag xmlns="" xmlns:m="http://schemas.openxmlformats.org/officeDocument/2006/math" xmlns:a14="http://schemas.microsoft.com/office/drawing/2010/main" xmlns:ma14="http://schemas.microsoft.com/office/mac/drawingml/2011/main" val="1"/>
                 </a:ext>
               </a:extLst>
             </p:spPr>
@@ -8978,7 +8978,7 @@
             <a:effectLst/>
             <a:extLst>
               <a:ext uri="{C572A759-6A51-4108-AA02-DFA0A04FC94B}">
-                <ma14:wrappingTextBoxFlag xmlns:ma14="http://schemas.microsoft.com/office/mac/drawingml/2011/main" xmlns:a14="http://schemas.microsoft.com/office/drawing/2010/main" xmlns:m="http://schemas.openxmlformats.org/officeDocument/2006/math" xmlns="" val="1"/>
+                <ma14:wrappingTextBoxFlag xmlns="" xmlns:m="http://schemas.openxmlformats.org/officeDocument/2006/math" xmlns:a14="http://schemas.microsoft.com/office/drawing/2010/main" xmlns:ma14="http://schemas.microsoft.com/office/mac/drawingml/2011/main" val="1"/>
               </a:ext>
             </a:extLst>
           </p:spPr>
@@ -9031,7 +9031,7 @@
           </a:ln>
           <a:extLst>
             <a:ext uri="{C572A759-6A51-4108-AA02-DFA0A04FC94B}">
-              <ma14:wrappingTextBoxFlag xmlns:ma14="http://schemas.microsoft.com/office/mac/drawingml/2011/main" xmlns:a14="http://schemas.microsoft.com/office/drawing/2010/main" xmlns:m="http://schemas.openxmlformats.org/officeDocument/2006/math" xmlns="" val="1"/>
+              <ma14:wrappingTextBoxFlag xmlns="" xmlns:m="http://schemas.openxmlformats.org/officeDocument/2006/math" xmlns:a14="http://schemas.microsoft.com/office/drawing/2010/main" xmlns:ma14="http://schemas.microsoft.com/office/mac/drawingml/2011/main" val="1"/>
             </a:ext>
           </a:extLst>
         </p:spPr>
@@ -9109,7 +9109,7 @@
             </a:r>
             <a:r>
               <a:rPr lang="es-ES" dirty="0"/>
-              <a:t> 1 - 3</a:t>
+              <a:t> 0 - 3</a:t>
             </a:r>
             <a:endParaRPr dirty="0"/>
           </a:p>
@@ -9188,7 +9188,7 @@
           </a:ln>
           <a:extLst>
             <a:ext uri="{C572A759-6A51-4108-AA02-DFA0A04FC94B}">
-              <ma14:wrappingTextBoxFlag xmlns:ma14="http://schemas.microsoft.com/office/mac/drawingml/2011/main" xmlns:a14="http://schemas.microsoft.com/office/drawing/2010/main" xmlns:m="http://schemas.openxmlformats.org/officeDocument/2006/math" xmlns="" val="1"/>
+              <ma14:wrappingTextBoxFlag xmlns="" xmlns:m="http://schemas.openxmlformats.org/officeDocument/2006/math" xmlns:a14="http://schemas.microsoft.com/office/drawing/2010/main" xmlns:ma14="http://schemas.microsoft.com/office/mac/drawingml/2011/main" val="1"/>
             </a:ext>
           </a:extLst>
         </p:spPr>
@@ -9260,7 +9260,7 @@
           </a:ln>
           <a:extLst>
             <a:ext uri="{C572A759-6A51-4108-AA02-DFA0A04FC94B}">
-              <ma14:wrappingTextBoxFlag xmlns:ma14="http://schemas.microsoft.com/office/mac/drawingml/2011/main" xmlns:a14="http://schemas.microsoft.com/office/drawing/2010/main" xmlns:m="http://schemas.openxmlformats.org/officeDocument/2006/math" xmlns="" val="1"/>
+              <ma14:wrappingTextBoxFlag xmlns="" xmlns:m="http://schemas.openxmlformats.org/officeDocument/2006/math" xmlns:a14="http://schemas.microsoft.com/office/drawing/2010/main" xmlns:ma14="http://schemas.microsoft.com/office/mac/drawingml/2011/main" val="1"/>
             </a:ext>
           </a:extLst>
         </p:spPr>
@@ -9332,7 +9332,7 @@
           </a:ln>
           <a:extLst>
             <a:ext uri="{C572A759-6A51-4108-AA02-DFA0A04FC94B}">
-              <ma14:wrappingTextBoxFlag xmlns:ma14="http://schemas.microsoft.com/office/mac/drawingml/2011/main" xmlns:a14="http://schemas.microsoft.com/office/drawing/2010/main" xmlns:m="http://schemas.openxmlformats.org/officeDocument/2006/math" xmlns="" val="1"/>
+              <ma14:wrappingTextBoxFlag xmlns="" xmlns:m="http://schemas.openxmlformats.org/officeDocument/2006/math" xmlns:a14="http://schemas.microsoft.com/office/drawing/2010/main" xmlns:ma14="http://schemas.microsoft.com/office/mac/drawingml/2011/main" val="1"/>
             </a:ext>
           </a:extLst>
         </p:spPr>
@@ -9517,7 +9517,7 @@
           </a:ln>
           <a:extLst>
             <a:ext uri="{C572A759-6A51-4108-AA02-DFA0A04FC94B}">
-              <ma14:wrappingTextBoxFlag xmlns:ma14="http://schemas.microsoft.com/office/mac/drawingml/2011/main" xmlns:a14="http://schemas.microsoft.com/office/drawing/2010/main" xmlns:m="http://schemas.openxmlformats.org/officeDocument/2006/math" xmlns="" val="1"/>
+              <ma14:wrappingTextBoxFlag xmlns="" xmlns:m="http://schemas.openxmlformats.org/officeDocument/2006/math" xmlns:a14="http://schemas.microsoft.com/office/drawing/2010/main" xmlns:ma14="http://schemas.microsoft.com/office/mac/drawingml/2011/main" val="1"/>
             </a:ext>
           </a:extLst>
         </p:spPr>
@@ -9607,7 +9607,7 @@
           </a:ln>
           <a:extLst>
             <a:ext uri="{C572A759-6A51-4108-AA02-DFA0A04FC94B}">
-              <ma14:wrappingTextBoxFlag xmlns:ma14="http://schemas.microsoft.com/office/mac/drawingml/2011/main" xmlns:a14="http://schemas.microsoft.com/office/drawing/2010/main" xmlns:m="http://schemas.openxmlformats.org/officeDocument/2006/math" xmlns="" val="1"/>
+              <ma14:wrappingTextBoxFlag xmlns="" xmlns:m="http://schemas.openxmlformats.org/officeDocument/2006/math" xmlns:a14="http://schemas.microsoft.com/office/drawing/2010/main" xmlns:ma14="http://schemas.microsoft.com/office/mac/drawingml/2011/main" val="1"/>
             </a:ext>
           </a:extLst>
         </p:spPr>
@@ -9656,7 +9656,7 @@
           </a:ln>
           <a:extLst>
             <a:ext uri="{C572A759-6A51-4108-AA02-DFA0A04FC94B}">
-              <ma14:wrappingTextBoxFlag xmlns:ma14="http://schemas.microsoft.com/office/mac/drawingml/2011/main" xmlns:a14="http://schemas.microsoft.com/office/drawing/2010/main" xmlns:m="http://schemas.openxmlformats.org/officeDocument/2006/math" xmlns="" val="1"/>
+              <ma14:wrappingTextBoxFlag xmlns="" xmlns:m="http://schemas.openxmlformats.org/officeDocument/2006/math" xmlns:a14="http://schemas.microsoft.com/office/drawing/2010/main" xmlns:ma14="http://schemas.microsoft.com/office/mac/drawingml/2011/main" val="1"/>
             </a:ext>
           </a:extLst>
         </p:spPr>
@@ -9705,7 +9705,7 @@
           </a:ln>
           <a:extLst>
             <a:ext uri="{C572A759-6A51-4108-AA02-DFA0A04FC94B}">
-              <ma14:wrappingTextBoxFlag xmlns:ma14="http://schemas.microsoft.com/office/mac/drawingml/2011/main" xmlns:a14="http://schemas.microsoft.com/office/drawing/2010/main" xmlns:m="http://schemas.openxmlformats.org/officeDocument/2006/math" xmlns="" val="1"/>
+              <ma14:wrappingTextBoxFlag xmlns="" xmlns:m="http://schemas.openxmlformats.org/officeDocument/2006/math" xmlns:a14="http://schemas.microsoft.com/office/drawing/2010/main" xmlns:ma14="http://schemas.microsoft.com/office/mac/drawingml/2011/main" val="1"/>
             </a:ext>
           </a:extLst>
         </p:spPr>
@@ -9760,7 +9760,7 @@
           </a:ln>
           <a:extLst>
             <a:ext uri="{C572A759-6A51-4108-AA02-DFA0A04FC94B}">
-              <ma14:wrappingTextBoxFlag xmlns:ma14="http://schemas.microsoft.com/office/mac/drawingml/2011/main" xmlns:a14="http://schemas.microsoft.com/office/drawing/2010/main" xmlns:m="http://schemas.openxmlformats.org/officeDocument/2006/math" xmlns="" val="1"/>
+              <ma14:wrappingTextBoxFlag xmlns="" xmlns:m="http://schemas.openxmlformats.org/officeDocument/2006/math" xmlns:a14="http://schemas.microsoft.com/office/drawing/2010/main" xmlns:ma14="http://schemas.microsoft.com/office/mac/drawingml/2011/main" val="1"/>
             </a:ext>
           </a:extLst>
         </p:spPr>
@@ -10003,7 +10003,7 @@
             <a:effectLst/>
             <a:extLst>
               <a:ext uri="{C572A759-6A51-4108-AA02-DFA0A04FC94B}">
-                <ma14:wrappingTextBoxFlag xmlns:ma14="http://schemas.microsoft.com/office/mac/drawingml/2011/main" xmlns:a14="http://schemas.microsoft.com/office/drawing/2010/main" xmlns:m="http://schemas.openxmlformats.org/officeDocument/2006/math" xmlns="" val="1"/>
+                <ma14:wrappingTextBoxFlag xmlns="" xmlns:m="http://schemas.openxmlformats.org/officeDocument/2006/math" xmlns:a14="http://schemas.microsoft.com/office/drawing/2010/main" xmlns:ma14="http://schemas.microsoft.com/office/mac/drawingml/2011/main" val="1"/>
               </a:ext>
             </a:extLst>
           </p:spPr>
@@ -10065,7 +10065,7 @@
             <a:effectLst/>
             <a:extLst>
               <a:ext uri="{C572A759-6A51-4108-AA02-DFA0A04FC94B}">
-                <ma14:wrappingTextBoxFlag xmlns:ma14="http://schemas.microsoft.com/office/mac/drawingml/2011/main" xmlns:a14="http://schemas.microsoft.com/office/drawing/2010/main" xmlns:m="http://schemas.openxmlformats.org/officeDocument/2006/math" xmlns="" val="1"/>
+                <ma14:wrappingTextBoxFlag xmlns="" xmlns:m="http://schemas.openxmlformats.org/officeDocument/2006/math" xmlns:a14="http://schemas.microsoft.com/office/drawing/2010/main" xmlns:ma14="http://schemas.microsoft.com/office/mac/drawingml/2011/main" val="1"/>
               </a:ext>
             </a:extLst>
           </p:spPr>
@@ -10549,7 +10549,7 @@
           <a:effectLst/>
           <a:extLst>
             <a:ext uri="{C572A759-6A51-4108-AA02-DFA0A04FC94B}">
-              <ma14:wrappingTextBoxFlag xmlns:ma14="http://schemas.microsoft.com/office/mac/drawingml/2011/main" xmlns:a14="http://schemas.microsoft.com/office/drawing/2010/main" xmlns:m="http://schemas.openxmlformats.org/officeDocument/2006/math" xmlns="" val="1"/>
+              <ma14:wrappingTextBoxFlag xmlns="" xmlns:m="http://schemas.openxmlformats.org/officeDocument/2006/math" xmlns:a14="http://schemas.microsoft.com/office/drawing/2010/main" xmlns:ma14="http://schemas.microsoft.com/office/mac/drawingml/2011/main" val="1"/>
             </a:ext>
           </a:extLst>
         </p:spPr>
@@ -10598,7 +10598,7 @@
           </a:ln>
           <a:extLst>
             <a:ext uri="{C572A759-6A51-4108-AA02-DFA0A04FC94B}">
-              <ma14:wrappingTextBoxFlag xmlns:ma14="http://schemas.microsoft.com/office/mac/drawingml/2011/main" xmlns:a14="http://schemas.microsoft.com/office/drawing/2010/main" xmlns:m="http://schemas.openxmlformats.org/officeDocument/2006/math" xmlns="" val="1"/>
+              <ma14:wrappingTextBoxFlag xmlns="" xmlns:m="http://schemas.openxmlformats.org/officeDocument/2006/math" xmlns:a14="http://schemas.microsoft.com/office/drawing/2010/main" xmlns:ma14="http://schemas.microsoft.com/office/mac/drawingml/2011/main" val="1"/>
             </a:ext>
           </a:extLst>
         </p:spPr>
@@ -10671,7 +10671,7 @@
           <a:effectLst/>
           <a:extLst>
             <a:ext uri="{C572A759-6A51-4108-AA02-DFA0A04FC94B}">
-              <ma14:wrappingTextBoxFlag xmlns:ma14="http://schemas.microsoft.com/office/mac/drawingml/2011/main" xmlns:a14="http://schemas.microsoft.com/office/drawing/2010/main" xmlns:m="http://schemas.openxmlformats.org/officeDocument/2006/math" xmlns="" val="1"/>
+              <ma14:wrappingTextBoxFlag xmlns="" xmlns:m="http://schemas.openxmlformats.org/officeDocument/2006/math" xmlns:a14="http://schemas.microsoft.com/office/drawing/2010/main" xmlns:ma14="http://schemas.microsoft.com/office/mac/drawingml/2011/main" val="1"/>
             </a:ext>
           </a:extLst>
         </p:spPr>
@@ -11005,7 +11005,7 @@
           </a:ln>
           <a:extLst>
             <a:ext uri="{C572A759-6A51-4108-AA02-DFA0A04FC94B}">
-              <ma14:wrappingTextBoxFlag xmlns:ma14="http://schemas.microsoft.com/office/mac/drawingml/2011/main" xmlns:a14="http://schemas.microsoft.com/office/drawing/2010/main" xmlns:m="http://schemas.openxmlformats.org/officeDocument/2006/math" xmlns="" val="1"/>
+              <ma14:wrappingTextBoxFlag xmlns="" xmlns:m="http://schemas.openxmlformats.org/officeDocument/2006/math" xmlns:a14="http://schemas.microsoft.com/office/drawing/2010/main" xmlns:ma14="http://schemas.microsoft.com/office/mac/drawingml/2011/main" val="1"/>
             </a:ext>
           </a:extLst>
         </p:spPr>
@@ -11302,7 +11302,7 @@
           </a:ln>
           <a:extLst>
             <a:ext uri="{C572A759-6A51-4108-AA02-DFA0A04FC94B}">
-              <ma14:wrappingTextBoxFlag xmlns:ma14="http://schemas.microsoft.com/office/mac/drawingml/2011/main" xmlns:a14="http://schemas.microsoft.com/office/drawing/2010/main" xmlns:m="http://schemas.openxmlformats.org/officeDocument/2006/math" xmlns="" val="1"/>
+              <ma14:wrappingTextBoxFlag xmlns="" xmlns:m="http://schemas.openxmlformats.org/officeDocument/2006/math" xmlns:a14="http://schemas.microsoft.com/office/drawing/2010/main" xmlns:ma14="http://schemas.microsoft.com/office/mac/drawingml/2011/main" val="1"/>
             </a:ext>
           </a:extLst>
         </p:spPr>
@@ -11836,7 +11836,7 @@
           </a:ln>
           <a:extLst>
             <a:ext uri="{C572A759-6A51-4108-AA02-DFA0A04FC94B}">
-              <ma14:wrappingTextBoxFlag xmlns:ma14="http://schemas.microsoft.com/office/mac/drawingml/2011/main" xmlns:a14="http://schemas.microsoft.com/office/drawing/2010/main" xmlns:m="http://schemas.openxmlformats.org/officeDocument/2006/math" xmlns="" val="1"/>
+              <ma14:wrappingTextBoxFlag xmlns="" xmlns:m="http://schemas.openxmlformats.org/officeDocument/2006/math" xmlns:a14="http://schemas.microsoft.com/office/drawing/2010/main" xmlns:ma14="http://schemas.microsoft.com/office/mac/drawingml/2011/main" val="1"/>
             </a:ext>
           </a:extLst>
         </p:spPr>
@@ -12109,7 +12109,7 @@
             <a:effectLst/>
             <a:extLst>
               <a:ext uri="{C572A759-6A51-4108-AA02-DFA0A04FC94B}">
-                <ma14:wrappingTextBoxFlag xmlns:ma14="http://schemas.microsoft.com/office/mac/drawingml/2011/main" xmlns:a14="http://schemas.microsoft.com/office/drawing/2010/main" xmlns:m="http://schemas.openxmlformats.org/officeDocument/2006/math" xmlns="" val="1"/>
+                <ma14:wrappingTextBoxFlag xmlns="" xmlns:m="http://schemas.openxmlformats.org/officeDocument/2006/math" xmlns:a14="http://schemas.microsoft.com/office/drawing/2010/main" xmlns:ma14="http://schemas.microsoft.com/office/mac/drawingml/2011/main" val="1"/>
               </a:ext>
             </a:extLst>
           </p:spPr>
@@ -12159,7 +12159,7 @@
             <a:effectLst/>
             <a:extLst>
               <a:ext uri="{C572A759-6A51-4108-AA02-DFA0A04FC94B}">
-                <ma14:wrappingTextBoxFlag xmlns:ma14="http://schemas.microsoft.com/office/mac/drawingml/2011/main" xmlns:a14="http://schemas.microsoft.com/office/drawing/2010/main" xmlns:m="http://schemas.openxmlformats.org/officeDocument/2006/math" xmlns="" val="1"/>
+                <ma14:wrappingTextBoxFlag xmlns="" xmlns:m="http://schemas.openxmlformats.org/officeDocument/2006/math" xmlns:a14="http://schemas.microsoft.com/office/drawing/2010/main" xmlns:ma14="http://schemas.microsoft.com/office/mac/drawingml/2011/main" val="1"/>
               </a:ext>
             </a:extLst>
           </p:spPr>
@@ -12209,7 +12209,7 @@
             <a:effectLst/>
             <a:extLst>
               <a:ext uri="{C572A759-6A51-4108-AA02-DFA0A04FC94B}">
-                <ma14:wrappingTextBoxFlag xmlns:ma14="http://schemas.microsoft.com/office/mac/drawingml/2011/main" xmlns:a14="http://schemas.microsoft.com/office/drawing/2010/main" xmlns:m="http://schemas.openxmlformats.org/officeDocument/2006/math" xmlns="" val="1"/>
+                <ma14:wrappingTextBoxFlag xmlns="" xmlns:m="http://schemas.openxmlformats.org/officeDocument/2006/math" xmlns:a14="http://schemas.microsoft.com/office/drawing/2010/main" xmlns:ma14="http://schemas.microsoft.com/office/mac/drawingml/2011/main" val="1"/>
               </a:ext>
             </a:extLst>
           </p:spPr>
@@ -12259,7 +12259,7 @@
             <a:effectLst/>
             <a:extLst>
               <a:ext uri="{C572A759-6A51-4108-AA02-DFA0A04FC94B}">
-                <ma14:wrappingTextBoxFlag xmlns:ma14="http://schemas.microsoft.com/office/mac/drawingml/2011/main" xmlns:a14="http://schemas.microsoft.com/office/drawing/2010/main" xmlns:m="http://schemas.openxmlformats.org/officeDocument/2006/math" xmlns="" val="1"/>
+                <ma14:wrappingTextBoxFlag xmlns="" xmlns:m="http://schemas.openxmlformats.org/officeDocument/2006/math" xmlns:a14="http://schemas.microsoft.com/office/drawing/2010/main" xmlns:ma14="http://schemas.microsoft.com/office/mac/drawingml/2011/main" val="1"/>
               </a:ext>
             </a:extLst>
           </p:spPr>
